--- a/Project Screens.pptx
+++ b/Project Screens.pptx
@@ -1,24 +1,24 @@
 
 <file path=ppt/presentation.xml><?xml version="1.0" encoding="utf-8"?>
-<p:presentation xmlns:a="http://schemas.openxmlformats.org/drawingml/2006/main" xmlns:r="http://schemas.openxmlformats.org/officeDocument/2006/relationships" xmlns:mc="http://schemas.openxmlformats.org/markup-compatibility/2006" xmlns:mv="urn:schemas-microsoft-com:mac:vml" xmlns:p="http://schemas.openxmlformats.org/presentationml/2006/main" xmlns:c="http://schemas.openxmlformats.org/drawingml/2006/chart" xmlns:dgm="http://schemas.openxmlformats.org/drawingml/2006/diagram" xmlns:o="urn:schemas-microsoft-com:office:office" xmlns:v="urn:schemas-microsoft-com:vml" xmlns:pvml="urn:schemas-microsoft-com:office:powerpoint" xmlns:com="http://schemas.openxmlformats.org/drawingml/2006/compatibility" xmlns:p14="http://schemas.microsoft.com/office/powerpoint/2010/main" autoCompressPictures="0" strictFirstAndLastChars="0" saveSubsetFonts="1">
+<p:presentation xmlns:a="http://schemas.openxmlformats.org/drawingml/2006/main" xmlns:r="http://schemas.openxmlformats.org/officeDocument/2006/relationships" xmlns:p="http://schemas.openxmlformats.org/presentationml/2006/main" strictFirstAndLastChars="0" saveSubsetFonts="1" autoCompressPictures="0">
   <p:sldMasterIdLst>
-    <p:sldMasterId id="2147483659" r:id="rId3"/>
+    <p:sldMasterId id="2147483659" r:id="rId1"/>
   </p:sldMasterIdLst>
   <p:notesMasterIdLst>
-    <p:notesMasterId r:id="rId4"/>
+    <p:notesMasterId r:id="rId8"/>
   </p:notesMasterIdLst>
   <p:sldIdLst>
-    <p:sldId id="256" r:id="rId5"/>
-    <p:sldId id="257" r:id="rId6"/>
-    <p:sldId id="258" r:id="rId7"/>
-    <p:sldId id="259" r:id="rId8"/>
-    <p:sldId id="260" r:id="rId9"/>
-    <p:sldId id="261" r:id="rId10"/>
+    <p:sldId id="256" r:id="rId2"/>
+    <p:sldId id="257" r:id="rId3"/>
+    <p:sldId id="258" r:id="rId4"/>
+    <p:sldId id="259" r:id="rId5"/>
+    <p:sldId id="260" r:id="rId6"/>
+    <p:sldId id="261" r:id="rId7"/>
   </p:sldIdLst>
-  <p:sldSz cy="5143500" cx="9144000"/>
+  <p:sldSz cx="9144000" cy="5143500" type="screen16x9"/>
   <p:notesSz cx="6858000" cy="9144000"/>
   <p:defaultTextStyle>
-    <a:defPPr lvl="0" marR="0" rtl="0" algn="l">
+    <a:defPPr marR="0" lvl="0" algn="l" rtl="0">
       <a:lnSpc>
         <a:spcPct val="100000"/>
       </a:lnSpc>
@@ -29,7 +29,7 @@
         <a:spcPts val="0"/>
       </a:spcAft>
     </a:defPPr>
-    <a:lvl1pPr lvl="0" marR="0" rtl="0" algn="l">
+    <a:lvl1pPr marR="0" lvl="0" algn="l" rtl="0">
       <a:lnSpc>
         <a:spcPct val="100000"/>
       </a:lnSpc>
@@ -40,7 +40,7 @@
         <a:spcPts val="0"/>
       </a:spcAft>
       <a:buNone/>
-      <a:defRPr b="0" i="0" sz="1400" u="none" cap="none" strike="noStrike">
+      <a:defRPr sz="1400" b="0" i="0" u="none" strike="noStrike" cap="none">
         <a:solidFill>
           <a:srgbClr val="000000"/>
         </a:solidFill>
@@ -50,7 +50,7 @@
         <a:sym typeface="Arial"/>
       </a:defRPr>
     </a:lvl1pPr>
-    <a:lvl2pPr lvl="1" marR="0" rtl="0" algn="l">
+    <a:lvl2pPr marR="0" lvl="1" algn="l" rtl="0">
       <a:lnSpc>
         <a:spcPct val="100000"/>
       </a:lnSpc>
@@ -61,7 +61,7 @@
         <a:spcPts val="0"/>
       </a:spcAft>
       <a:buNone/>
-      <a:defRPr b="0" i="0" sz="1400" u="none" cap="none" strike="noStrike">
+      <a:defRPr sz="1400" b="0" i="0" u="none" strike="noStrike" cap="none">
         <a:solidFill>
           <a:srgbClr val="000000"/>
         </a:solidFill>
@@ -71,7 +71,7 @@
         <a:sym typeface="Arial"/>
       </a:defRPr>
     </a:lvl2pPr>
-    <a:lvl3pPr lvl="2" marR="0" rtl="0" algn="l">
+    <a:lvl3pPr marR="0" lvl="2" algn="l" rtl="0">
       <a:lnSpc>
         <a:spcPct val="100000"/>
       </a:lnSpc>
@@ -82,7 +82,7 @@
         <a:spcPts val="0"/>
       </a:spcAft>
       <a:buNone/>
-      <a:defRPr b="0" i="0" sz="1400" u="none" cap="none" strike="noStrike">
+      <a:defRPr sz="1400" b="0" i="0" u="none" strike="noStrike" cap="none">
         <a:solidFill>
           <a:srgbClr val="000000"/>
         </a:solidFill>
@@ -92,7 +92,7 @@
         <a:sym typeface="Arial"/>
       </a:defRPr>
     </a:lvl3pPr>
-    <a:lvl4pPr lvl="3" marR="0" rtl="0" algn="l">
+    <a:lvl4pPr marR="0" lvl="3" algn="l" rtl="0">
       <a:lnSpc>
         <a:spcPct val="100000"/>
       </a:lnSpc>
@@ -103,7 +103,7 @@
         <a:spcPts val="0"/>
       </a:spcAft>
       <a:buNone/>
-      <a:defRPr b="0" i="0" sz="1400" u="none" cap="none" strike="noStrike">
+      <a:defRPr sz="1400" b="0" i="0" u="none" strike="noStrike" cap="none">
         <a:solidFill>
           <a:srgbClr val="000000"/>
         </a:solidFill>
@@ -113,7 +113,7 @@
         <a:sym typeface="Arial"/>
       </a:defRPr>
     </a:lvl4pPr>
-    <a:lvl5pPr lvl="4" marR="0" rtl="0" algn="l">
+    <a:lvl5pPr marR="0" lvl="4" algn="l" rtl="0">
       <a:lnSpc>
         <a:spcPct val="100000"/>
       </a:lnSpc>
@@ -124,7 +124,7 @@
         <a:spcPts val="0"/>
       </a:spcAft>
       <a:buNone/>
-      <a:defRPr b="0" i="0" sz="1400" u="none" cap="none" strike="noStrike">
+      <a:defRPr sz="1400" b="0" i="0" u="none" strike="noStrike" cap="none">
         <a:solidFill>
           <a:srgbClr val="000000"/>
         </a:solidFill>
@@ -134,7 +134,7 @@
         <a:sym typeface="Arial"/>
       </a:defRPr>
     </a:lvl5pPr>
-    <a:lvl6pPr lvl="5" marR="0" rtl="0" algn="l">
+    <a:lvl6pPr marR="0" lvl="5" algn="l" rtl="0">
       <a:lnSpc>
         <a:spcPct val="100000"/>
       </a:lnSpc>
@@ -145,7 +145,7 @@
         <a:spcPts val="0"/>
       </a:spcAft>
       <a:buNone/>
-      <a:defRPr b="0" i="0" sz="1400" u="none" cap="none" strike="noStrike">
+      <a:defRPr sz="1400" b="0" i="0" u="none" strike="noStrike" cap="none">
         <a:solidFill>
           <a:srgbClr val="000000"/>
         </a:solidFill>
@@ -155,7 +155,7 @@
         <a:sym typeface="Arial"/>
       </a:defRPr>
     </a:lvl6pPr>
-    <a:lvl7pPr lvl="6" marR="0" rtl="0" algn="l">
+    <a:lvl7pPr marR="0" lvl="6" algn="l" rtl="0">
       <a:lnSpc>
         <a:spcPct val="100000"/>
       </a:lnSpc>
@@ -166,7 +166,7 @@
         <a:spcPts val="0"/>
       </a:spcAft>
       <a:buNone/>
-      <a:defRPr b="0" i="0" sz="1400" u="none" cap="none" strike="noStrike">
+      <a:defRPr sz="1400" b="0" i="0" u="none" strike="noStrike" cap="none">
         <a:solidFill>
           <a:srgbClr val="000000"/>
         </a:solidFill>
@@ -176,7 +176,7 @@
         <a:sym typeface="Arial"/>
       </a:defRPr>
     </a:lvl7pPr>
-    <a:lvl8pPr lvl="7" marR="0" rtl="0" algn="l">
+    <a:lvl8pPr marR="0" lvl="7" algn="l" rtl="0">
       <a:lnSpc>
         <a:spcPct val="100000"/>
       </a:lnSpc>
@@ -187,7 +187,7 @@
         <a:spcPts val="0"/>
       </a:spcAft>
       <a:buNone/>
-      <a:defRPr b="0" i="0" sz="1400" u="none" cap="none" strike="noStrike">
+      <a:defRPr sz="1400" b="0" i="0" u="none" strike="noStrike" cap="none">
         <a:solidFill>
           <a:srgbClr val="000000"/>
         </a:solidFill>
@@ -197,7 +197,7 @@
         <a:sym typeface="Arial"/>
       </a:defRPr>
     </a:lvl8pPr>
-    <a:lvl9pPr lvl="8" marR="0" rtl="0" algn="l">
+    <a:lvl9pPr marR="0" lvl="8" algn="l" rtl="0">
       <a:lnSpc>
         <a:spcPct val="100000"/>
       </a:lnSpc>
@@ -208,7 +208,7 @@
         <a:spcPts val="0"/>
       </a:spcAft>
       <a:buNone/>
-      <a:defRPr b="0" i="0" sz="1400" u="none" cap="none" strike="noStrike">
+      <a:defRPr sz="1400" b="0" i="0" u="none" strike="noStrike" cap="none">
         <a:solidFill>
           <a:srgbClr val="000000"/>
         </a:solidFill>
@@ -223,11 +223,16 @@
 </file>
 
 <file path=ppt/notesMasters/notesMaster1.xml><?xml version="1.0" encoding="utf-8"?>
-<p:notesMaster xmlns:a="http://schemas.openxmlformats.org/drawingml/2006/main" xmlns:r="http://schemas.openxmlformats.org/officeDocument/2006/relationships" xmlns:mc="http://schemas.openxmlformats.org/markup-compatibility/2006" xmlns:mv="urn:schemas-microsoft-com:mac:vml" xmlns:p="http://schemas.openxmlformats.org/presentationml/2006/main" xmlns:c="http://schemas.openxmlformats.org/drawingml/2006/chart" xmlns:dgm="http://schemas.openxmlformats.org/drawingml/2006/diagram" xmlns:o="urn:schemas-microsoft-com:office:office" xmlns:v="urn:schemas-microsoft-com:vml" xmlns:pvml="urn:schemas-microsoft-com:office:powerpoint" xmlns:com="http://schemas.openxmlformats.org/drawingml/2006/compatibility" xmlns:p14="http://schemas.microsoft.com/office/powerpoint/2010/main">
+<p:notesMaster xmlns:a="http://schemas.openxmlformats.org/drawingml/2006/main" xmlns:r="http://schemas.openxmlformats.org/officeDocument/2006/relationships" xmlns:p="http://schemas.openxmlformats.org/presentationml/2006/main">
   <p:cSld>
+    <p:bg>
+      <p:bgRef idx="1001">
+        <a:schemeClr val="bg1"/>
+      </p:bgRef>
+    </p:bg>
     <p:spTree>
       <p:nvGrpSpPr>
-        <p:cNvPr id="2" name="Shape 2"/>
+        <p:cNvPr id="1" name="Shape 2"/>
         <p:cNvGrpSpPr/>
         <p:nvPr/>
       </p:nvGrpSpPr>
@@ -242,9 +247,11 @@
       <p:sp>
         <p:nvSpPr>
           <p:cNvPr id="3" name="Shape 3"/>
-          <p:cNvSpPr/>
+          <p:cNvSpPr>
+            <a:spLocks noGrp="1" noRot="1" noChangeAspect="1"/>
+          </p:cNvSpPr>
           <p:nvPr>
-            <p:ph idx="2" type="sldImg"/>
+            <p:ph type="sldImg" idx="2"/>
           </p:nvPr>
         </p:nvSpPr>
         <p:spPr>
@@ -253,8 +260,13 @@
             <a:ext cx="6096075" cy="3429000"/>
           </a:xfrm>
           <a:custGeom>
+            <a:avLst/>
+            <a:gdLst/>
+            <a:ahLst/>
+            <a:cxnLst/>
+            <a:rect l="0" t="0" r="0" b="0"/>
             <a:pathLst>
-              <a:path extrusionOk="0" h="120000" w="120000">
+              <a:path w="120000" h="120000" extrusionOk="0">
                 <a:moveTo>
                   <a:pt x="0" y="0"/>
                 </a:moveTo>
@@ -272,23 +284,25 @@
             </a:pathLst>
           </a:custGeom>
           <a:noFill/>
-          <a:ln cap="flat" cmpd="sng" w="9525">
+          <a:ln w="9525" cap="flat" cmpd="sng">
             <a:solidFill>
               <a:srgbClr val="000000"/>
             </a:solidFill>
             <a:prstDash val="solid"/>
             <a:round/>
-            <a:headEnd len="med" w="med" type="none"/>
-            <a:tailEnd len="med" w="med" type="none"/>
+            <a:headEnd type="none" w="med" len="med"/>
+            <a:tailEnd type="none" w="med" len="med"/>
           </a:ln>
         </p:spPr>
       </p:sp>
       <p:sp>
         <p:nvSpPr>
           <p:cNvPr id="4" name="Shape 4"/>
-          <p:cNvSpPr txBox="1"/>
+          <p:cNvSpPr txBox="1">
+            <a:spLocks noGrp="1"/>
+          </p:cNvSpPr>
           <p:nvPr>
-            <p:ph idx="1" type="body"/>
+            <p:ph type="body" idx="1"/>
           </p:nvPr>
         </p:nvSpPr>
         <p:spPr>
@@ -305,7 +319,7 @@
           </a:ln>
         </p:spPr>
         <p:txBody>
-          <a:bodyPr anchorCtr="0" anchor="t" bIns="91425" lIns="91425" rIns="91425" tIns="91425"/>
+          <a:bodyPr lIns="91425" tIns="91425" rIns="91425" bIns="91425" anchor="t" anchorCtr="0"/>
           <a:lstStyle>
             <a:lvl1pPr lvl="0">
               <a:spcBef>
@@ -362,21 +376,115 @@
               <a:defRPr sz="1100"/>
             </a:lvl9pPr>
           </a:lstStyle>
-          <a:p/>
+          <a:p>
+            <a:endParaRPr/>
+          </a:p>
         </p:txBody>
       </p:sp>
     </p:spTree>
   </p:cSld>
-  <p:clrMap accent1="accent1" accent2="accent2" accent3="accent3" accent4="accent4" accent5="accent5" accent6="accent6" bg1="lt1" bg2="dk2" tx1="dk1" tx2="lt2" folHlink="folHlink" hlink="hlink"/>
+  <p:clrMap bg1="lt1" tx1="dk1" bg2="dk2" tx2="lt2" accent1="accent1" accent2="accent2" accent3="accent3" accent4="accent4" accent5="accent5" accent6="accent6" hlink="hlink" folHlink="folHlink"/>
+  <p:notesStyle>
+    <a:lvl1pPr marL="0" algn="l" defTabSz="914400" rtl="0" eaLnBrk="1" latinLnBrk="0" hangingPunct="1">
+      <a:defRPr sz="1200" kern="1200">
+        <a:solidFill>
+          <a:schemeClr val="tx1"/>
+        </a:solidFill>
+        <a:latin typeface="+mn-lt"/>
+        <a:ea typeface="+mn-ea"/>
+        <a:cs typeface="+mn-cs"/>
+      </a:defRPr>
+    </a:lvl1pPr>
+    <a:lvl2pPr marL="457200" algn="l" defTabSz="914400" rtl="0" eaLnBrk="1" latinLnBrk="0" hangingPunct="1">
+      <a:defRPr sz="1200" kern="1200">
+        <a:solidFill>
+          <a:schemeClr val="tx1"/>
+        </a:solidFill>
+        <a:latin typeface="+mn-lt"/>
+        <a:ea typeface="+mn-ea"/>
+        <a:cs typeface="+mn-cs"/>
+      </a:defRPr>
+    </a:lvl2pPr>
+    <a:lvl3pPr marL="914400" algn="l" defTabSz="914400" rtl="0" eaLnBrk="1" latinLnBrk="0" hangingPunct="1">
+      <a:defRPr sz="1200" kern="1200">
+        <a:solidFill>
+          <a:schemeClr val="tx1"/>
+        </a:solidFill>
+        <a:latin typeface="+mn-lt"/>
+        <a:ea typeface="+mn-ea"/>
+        <a:cs typeface="+mn-cs"/>
+      </a:defRPr>
+    </a:lvl3pPr>
+    <a:lvl4pPr marL="1371600" algn="l" defTabSz="914400" rtl="0" eaLnBrk="1" latinLnBrk="0" hangingPunct="1">
+      <a:defRPr sz="1200" kern="1200">
+        <a:solidFill>
+          <a:schemeClr val="tx1"/>
+        </a:solidFill>
+        <a:latin typeface="+mn-lt"/>
+        <a:ea typeface="+mn-ea"/>
+        <a:cs typeface="+mn-cs"/>
+      </a:defRPr>
+    </a:lvl4pPr>
+    <a:lvl5pPr marL="1828800" algn="l" defTabSz="914400" rtl="0" eaLnBrk="1" latinLnBrk="0" hangingPunct="1">
+      <a:defRPr sz="1200" kern="1200">
+        <a:solidFill>
+          <a:schemeClr val="tx1"/>
+        </a:solidFill>
+        <a:latin typeface="+mn-lt"/>
+        <a:ea typeface="+mn-ea"/>
+        <a:cs typeface="+mn-cs"/>
+      </a:defRPr>
+    </a:lvl5pPr>
+    <a:lvl6pPr marL="2286000" algn="l" defTabSz="914400" rtl="0" eaLnBrk="1" latinLnBrk="0" hangingPunct="1">
+      <a:defRPr sz="1200" kern="1200">
+        <a:solidFill>
+          <a:schemeClr val="tx1"/>
+        </a:solidFill>
+        <a:latin typeface="+mn-lt"/>
+        <a:ea typeface="+mn-ea"/>
+        <a:cs typeface="+mn-cs"/>
+      </a:defRPr>
+    </a:lvl6pPr>
+    <a:lvl7pPr marL="2743200" algn="l" defTabSz="914400" rtl="0" eaLnBrk="1" latinLnBrk="0" hangingPunct="1">
+      <a:defRPr sz="1200" kern="1200">
+        <a:solidFill>
+          <a:schemeClr val="tx1"/>
+        </a:solidFill>
+        <a:latin typeface="+mn-lt"/>
+        <a:ea typeface="+mn-ea"/>
+        <a:cs typeface="+mn-cs"/>
+      </a:defRPr>
+    </a:lvl7pPr>
+    <a:lvl8pPr marL="3200400" algn="l" defTabSz="914400" rtl="0" eaLnBrk="1" latinLnBrk="0" hangingPunct="1">
+      <a:defRPr sz="1200" kern="1200">
+        <a:solidFill>
+          <a:schemeClr val="tx1"/>
+        </a:solidFill>
+        <a:latin typeface="+mn-lt"/>
+        <a:ea typeface="+mn-ea"/>
+        <a:cs typeface="+mn-cs"/>
+      </a:defRPr>
+    </a:lvl8pPr>
+    <a:lvl9pPr marL="3657600" algn="l" defTabSz="914400" rtl="0" eaLnBrk="1" latinLnBrk="0" hangingPunct="1">
+      <a:defRPr sz="1200" kern="1200">
+        <a:solidFill>
+          <a:schemeClr val="tx1"/>
+        </a:solidFill>
+        <a:latin typeface="+mn-lt"/>
+        <a:ea typeface="+mn-ea"/>
+        <a:cs typeface="+mn-cs"/>
+      </a:defRPr>
+    </a:lvl9pPr>
+  </p:notesStyle>
 </p:notesMaster>
 </file>
 
 <file path=ppt/notesSlides/notesSlide1.xml><?xml version="1.0" encoding="utf-8"?>
-<p:notes xmlns:a="http://schemas.openxmlformats.org/drawingml/2006/main" xmlns:r="http://schemas.openxmlformats.org/officeDocument/2006/relationships" xmlns:mc="http://schemas.openxmlformats.org/markup-compatibility/2006" xmlns:mv="urn:schemas-microsoft-com:mac:vml" xmlns:p="http://schemas.openxmlformats.org/presentationml/2006/main" xmlns:c="http://schemas.openxmlformats.org/drawingml/2006/chart" xmlns:dgm="http://schemas.openxmlformats.org/drawingml/2006/diagram" xmlns:o="urn:schemas-microsoft-com:office:office" xmlns:v="urn:schemas-microsoft-com:vml" xmlns:pvml="urn:schemas-microsoft-com:office:powerpoint" xmlns:com="http://schemas.openxmlformats.org/drawingml/2006/compatibility" xmlns:p14="http://schemas.microsoft.com/office/powerpoint/2010/main" showMasterPhAnim="0" showMasterSp="0">
+<p:notes xmlns:a="http://schemas.openxmlformats.org/drawingml/2006/main" xmlns:r="http://schemas.openxmlformats.org/officeDocument/2006/relationships" xmlns:p="http://schemas.openxmlformats.org/presentationml/2006/main" showMasterSp="0" showMasterPhAnim="0">
   <p:cSld>
     <p:spTree>
       <p:nvGrpSpPr>
-        <p:cNvPr id="50" name="Shape 50"/>
+        <p:cNvPr id="1" name="Shape 50"/>
         <p:cNvGrpSpPr/>
         <p:nvPr/>
       </p:nvGrpSpPr>
@@ -391,19 +499,26 @@
       <p:sp>
         <p:nvSpPr>
           <p:cNvPr id="51" name="Shape 51"/>
-          <p:cNvSpPr/>
+          <p:cNvSpPr>
+            <a:spLocks noGrp="1" noRot="1" noChangeAspect="1"/>
+          </p:cNvSpPr>
           <p:nvPr>
-            <p:ph idx="2" type="sldImg"/>
+            <p:ph type="sldImg" idx="2"/>
           </p:nvPr>
         </p:nvSpPr>
         <p:spPr>
           <a:xfrm>
-            <a:off x="381300" y="685800"/>
-            <a:ext cx="6096075" cy="3429000"/>
+            <a:off x="381000" y="685800"/>
+            <a:ext cx="6096000" cy="3429000"/>
           </a:xfrm>
           <a:custGeom>
+            <a:avLst/>
+            <a:gdLst/>
+            <a:ahLst/>
+            <a:cxnLst/>
+            <a:rect l="0" t="0" r="0" b="0"/>
             <a:pathLst>
-              <a:path extrusionOk="0" h="120000" w="120000">
+              <a:path w="120000" h="120000" extrusionOk="0">
                 <a:moveTo>
                   <a:pt x="0" y="0"/>
                 </a:moveTo>
@@ -425,9 +540,11 @@
       <p:sp>
         <p:nvSpPr>
           <p:cNvPr id="52" name="Shape 52"/>
-          <p:cNvSpPr txBox="1"/>
+          <p:cNvSpPr txBox="1">
+            <a:spLocks noGrp="1"/>
+          </p:cNvSpPr>
           <p:nvPr>
-            <p:ph idx="1" type="body"/>
+            <p:ph type="body" idx="1"/>
           </p:nvPr>
         </p:nvSpPr>
         <p:spPr>
@@ -440,7 +557,7 @@
           </a:prstGeom>
         </p:spPr>
         <p:txBody>
-          <a:bodyPr anchorCtr="0" anchor="t" bIns="91425" lIns="91425" rIns="91425" tIns="91425">
+          <a:bodyPr lIns="91425" tIns="91425" rIns="91425" bIns="91425" anchor="t" anchorCtr="0">
             <a:noAutofit/>
           </a:bodyPr>
           <a:lstStyle/>
@@ -451,9 +568,6 @@
               </a:spcBef>
               <a:buNone/>
             </a:pPr>
-            <a:r>
-              <a:t/>
-            </a:r>
             <a:endParaRPr/>
           </a:p>
         </p:txBody>
@@ -467,11 +581,11 @@
 </file>
 
 <file path=ppt/notesSlides/notesSlide2.xml><?xml version="1.0" encoding="utf-8"?>
-<p:notes xmlns:a="http://schemas.openxmlformats.org/drawingml/2006/main" xmlns:r="http://schemas.openxmlformats.org/officeDocument/2006/relationships" xmlns:mc="http://schemas.openxmlformats.org/markup-compatibility/2006" xmlns:mv="urn:schemas-microsoft-com:mac:vml" xmlns:p="http://schemas.openxmlformats.org/presentationml/2006/main" xmlns:c="http://schemas.openxmlformats.org/drawingml/2006/chart" xmlns:dgm="http://schemas.openxmlformats.org/drawingml/2006/diagram" xmlns:o="urn:schemas-microsoft-com:office:office" xmlns:v="urn:schemas-microsoft-com:vml" xmlns:pvml="urn:schemas-microsoft-com:office:powerpoint" xmlns:com="http://schemas.openxmlformats.org/drawingml/2006/compatibility" xmlns:p14="http://schemas.microsoft.com/office/powerpoint/2010/main" showMasterPhAnim="0" showMasterSp="0">
+<p:notes xmlns:a="http://schemas.openxmlformats.org/drawingml/2006/main" xmlns:r="http://schemas.openxmlformats.org/officeDocument/2006/relationships" xmlns:p="http://schemas.openxmlformats.org/presentationml/2006/main" showMasterSp="0" showMasterPhAnim="0">
   <p:cSld>
     <p:spTree>
       <p:nvGrpSpPr>
-        <p:cNvPr id="56" name="Shape 56"/>
+        <p:cNvPr id="1" name="Shape 56"/>
         <p:cNvGrpSpPr/>
         <p:nvPr/>
       </p:nvGrpSpPr>
@@ -486,19 +600,26 @@
       <p:sp>
         <p:nvSpPr>
           <p:cNvPr id="57" name="Shape 57"/>
-          <p:cNvSpPr/>
+          <p:cNvSpPr>
+            <a:spLocks noGrp="1" noRot="1" noChangeAspect="1"/>
+          </p:cNvSpPr>
           <p:nvPr>
-            <p:ph idx="2" type="sldImg"/>
+            <p:ph type="sldImg" idx="2"/>
           </p:nvPr>
         </p:nvSpPr>
         <p:spPr>
           <a:xfrm>
-            <a:off x="381300" y="685800"/>
+            <a:off x="381000" y="685800"/>
             <a:ext cx="6096000" cy="3429000"/>
           </a:xfrm>
           <a:custGeom>
+            <a:avLst/>
+            <a:gdLst/>
+            <a:ahLst/>
+            <a:cxnLst/>
+            <a:rect l="0" t="0" r="0" b="0"/>
             <a:pathLst>
-              <a:path extrusionOk="0" h="120000" w="120000">
+              <a:path w="120000" h="120000" extrusionOk="0">
                 <a:moveTo>
                   <a:pt x="0" y="0"/>
                 </a:moveTo>
@@ -520,9 +641,11 @@
       <p:sp>
         <p:nvSpPr>
           <p:cNvPr id="58" name="Shape 58"/>
-          <p:cNvSpPr txBox="1"/>
+          <p:cNvSpPr txBox="1">
+            <a:spLocks noGrp="1"/>
+          </p:cNvSpPr>
           <p:nvPr>
-            <p:ph idx="1" type="body"/>
+            <p:ph type="body" idx="1"/>
           </p:nvPr>
         </p:nvSpPr>
         <p:spPr>
@@ -535,7 +658,7 @@
           </a:prstGeom>
         </p:spPr>
         <p:txBody>
-          <a:bodyPr anchorCtr="0" anchor="t" bIns="91425" lIns="91425" rIns="91425" tIns="91425">
+          <a:bodyPr lIns="91425" tIns="91425" rIns="91425" bIns="91425" anchor="t" anchorCtr="0">
             <a:noAutofit/>
           </a:bodyPr>
           <a:lstStyle/>
@@ -546,9 +669,6 @@
               </a:spcBef>
               <a:buNone/>
             </a:pPr>
-            <a:r>
-              <a:t/>
-            </a:r>
             <a:endParaRPr/>
           </a:p>
         </p:txBody>
@@ -562,11 +682,11 @@
 </file>
 
 <file path=ppt/notesSlides/notesSlide3.xml><?xml version="1.0" encoding="utf-8"?>
-<p:notes xmlns:a="http://schemas.openxmlformats.org/drawingml/2006/main" xmlns:r="http://schemas.openxmlformats.org/officeDocument/2006/relationships" xmlns:mc="http://schemas.openxmlformats.org/markup-compatibility/2006" xmlns:mv="urn:schemas-microsoft-com:mac:vml" xmlns:p="http://schemas.openxmlformats.org/presentationml/2006/main" xmlns:c="http://schemas.openxmlformats.org/drawingml/2006/chart" xmlns:dgm="http://schemas.openxmlformats.org/drawingml/2006/diagram" xmlns:o="urn:schemas-microsoft-com:office:office" xmlns:v="urn:schemas-microsoft-com:vml" xmlns:pvml="urn:schemas-microsoft-com:office:powerpoint" xmlns:com="http://schemas.openxmlformats.org/drawingml/2006/compatibility" xmlns:p14="http://schemas.microsoft.com/office/powerpoint/2010/main" showMasterPhAnim="0" showMasterSp="0">
+<p:notes xmlns:a="http://schemas.openxmlformats.org/drawingml/2006/main" xmlns:r="http://schemas.openxmlformats.org/officeDocument/2006/relationships" xmlns:p="http://schemas.openxmlformats.org/presentationml/2006/main" showMasterSp="0" showMasterPhAnim="0">
   <p:cSld>
     <p:spTree>
       <p:nvGrpSpPr>
-        <p:cNvPr id="67" name="Shape 67"/>
+        <p:cNvPr id="1" name="Shape 67"/>
         <p:cNvGrpSpPr/>
         <p:nvPr/>
       </p:nvGrpSpPr>
@@ -581,19 +701,26 @@
       <p:sp>
         <p:nvSpPr>
           <p:cNvPr id="68" name="Shape 68"/>
-          <p:cNvSpPr/>
+          <p:cNvSpPr>
+            <a:spLocks noGrp="1" noRot="1" noChangeAspect="1"/>
+          </p:cNvSpPr>
           <p:nvPr>
-            <p:ph idx="2" type="sldImg"/>
+            <p:ph type="sldImg" idx="2"/>
           </p:nvPr>
         </p:nvSpPr>
         <p:spPr>
           <a:xfrm>
-            <a:off x="381300" y="685800"/>
+            <a:off x="381000" y="685800"/>
             <a:ext cx="6096000" cy="3429000"/>
           </a:xfrm>
           <a:custGeom>
+            <a:avLst/>
+            <a:gdLst/>
+            <a:ahLst/>
+            <a:cxnLst/>
+            <a:rect l="0" t="0" r="0" b="0"/>
             <a:pathLst>
-              <a:path extrusionOk="0" h="120000" w="120000">
+              <a:path w="120000" h="120000" extrusionOk="0">
                 <a:moveTo>
                   <a:pt x="0" y="0"/>
                 </a:moveTo>
@@ -615,9 +742,11 @@
       <p:sp>
         <p:nvSpPr>
           <p:cNvPr id="69" name="Shape 69"/>
-          <p:cNvSpPr txBox="1"/>
+          <p:cNvSpPr txBox="1">
+            <a:spLocks noGrp="1"/>
+          </p:cNvSpPr>
           <p:nvPr>
-            <p:ph idx="1" type="body"/>
+            <p:ph type="body" idx="1"/>
           </p:nvPr>
         </p:nvSpPr>
         <p:spPr>
@@ -630,7 +759,7 @@
           </a:prstGeom>
         </p:spPr>
         <p:txBody>
-          <a:bodyPr anchorCtr="0" anchor="t" bIns="91425" lIns="91425" rIns="91425" tIns="91425">
+          <a:bodyPr lIns="91425" tIns="91425" rIns="91425" bIns="91425" anchor="t" anchorCtr="0">
             <a:noAutofit/>
           </a:bodyPr>
           <a:lstStyle/>
@@ -641,9 +770,6 @@
               </a:spcBef>
               <a:buNone/>
             </a:pPr>
-            <a:r>
-              <a:t/>
-            </a:r>
             <a:endParaRPr/>
           </a:p>
         </p:txBody>
@@ -657,11 +783,11 @@
 </file>
 
 <file path=ppt/notesSlides/notesSlide4.xml><?xml version="1.0" encoding="utf-8"?>
-<p:notes xmlns:a="http://schemas.openxmlformats.org/drawingml/2006/main" xmlns:r="http://schemas.openxmlformats.org/officeDocument/2006/relationships" xmlns:mc="http://schemas.openxmlformats.org/markup-compatibility/2006" xmlns:mv="urn:schemas-microsoft-com:mac:vml" xmlns:p="http://schemas.openxmlformats.org/presentationml/2006/main" xmlns:c="http://schemas.openxmlformats.org/drawingml/2006/chart" xmlns:dgm="http://schemas.openxmlformats.org/drawingml/2006/diagram" xmlns:o="urn:schemas-microsoft-com:office:office" xmlns:v="urn:schemas-microsoft-com:vml" xmlns:pvml="urn:schemas-microsoft-com:office:powerpoint" xmlns:com="http://schemas.openxmlformats.org/drawingml/2006/compatibility" xmlns:p14="http://schemas.microsoft.com/office/powerpoint/2010/main" showMasterPhAnim="0" showMasterSp="0">
+<p:notes xmlns:a="http://schemas.openxmlformats.org/drawingml/2006/main" xmlns:r="http://schemas.openxmlformats.org/officeDocument/2006/relationships" xmlns:p="http://schemas.openxmlformats.org/presentationml/2006/main" showMasterSp="0" showMasterPhAnim="0">
   <p:cSld>
     <p:spTree>
       <p:nvGrpSpPr>
-        <p:cNvPr id="76" name="Shape 76"/>
+        <p:cNvPr id="1" name="Shape 76"/>
         <p:cNvGrpSpPr/>
         <p:nvPr/>
       </p:nvGrpSpPr>
@@ -676,19 +802,26 @@
       <p:sp>
         <p:nvSpPr>
           <p:cNvPr id="77" name="Shape 77"/>
-          <p:cNvSpPr/>
+          <p:cNvSpPr>
+            <a:spLocks noGrp="1" noRot="1" noChangeAspect="1"/>
+          </p:cNvSpPr>
           <p:nvPr>
-            <p:ph idx="2" type="sldImg"/>
+            <p:ph type="sldImg" idx="2"/>
           </p:nvPr>
         </p:nvSpPr>
         <p:spPr>
           <a:xfrm>
-            <a:off x="381300" y="685800"/>
+            <a:off x="381000" y="685800"/>
             <a:ext cx="6096000" cy="3429000"/>
           </a:xfrm>
           <a:custGeom>
+            <a:avLst/>
+            <a:gdLst/>
+            <a:ahLst/>
+            <a:cxnLst/>
+            <a:rect l="0" t="0" r="0" b="0"/>
             <a:pathLst>
-              <a:path extrusionOk="0" h="120000" w="120000">
+              <a:path w="120000" h="120000" extrusionOk="0">
                 <a:moveTo>
                   <a:pt x="0" y="0"/>
                 </a:moveTo>
@@ -710,9 +843,11 @@
       <p:sp>
         <p:nvSpPr>
           <p:cNvPr id="78" name="Shape 78"/>
-          <p:cNvSpPr txBox="1"/>
+          <p:cNvSpPr txBox="1">
+            <a:spLocks noGrp="1"/>
+          </p:cNvSpPr>
           <p:nvPr>
-            <p:ph idx="1" type="body"/>
+            <p:ph type="body" idx="1"/>
           </p:nvPr>
         </p:nvSpPr>
         <p:spPr>
@@ -725,7 +860,7 @@
           </a:prstGeom>
         </p:spPr>
         <p:txBody>
-          <a:bodyPr anchorCtr="0" anchor="t" bIns="91425" lIns="91425" rIns="91425" tIns="91425">
+          <a:bodyPr lIns="91425" tIns="91425" rIns="91425" bIns="91425" anchor="t" anchorCtr="0">
             <a:noAutofit/>
           </a:bodyPr>
           <a:lstStyle/>
@@ -736,9 +871,6 @@
               </a:spcBef>
               <a:buNone/>
             </a:pPr>
-            <a:r>
-              <a:t/>
-            </a:r>
             <a:endParaRPr/>
           </a:p>
         </p:txBody>
@@ -752,11 +884,11 @@
 </file>
 
 <file path=ppt/notesSlides/notesSlide5.xml><?xml version="1.0" encoding="utf-8"?>
-<p:notes xmlns:a="http://schemas.openxmlformats.org/drawingml/2006/main" xmlns:r="http://schemas.openxmlformats.org/officeDocument/2006/relationships" xmlns:mc="http://schemas.openxmlformats.org/markup-compatibility/2006" xmlns:mv="urn:schemas-microsoft-com:mac:vml" xmlns:p="http://schemas.openxmlformats.org/presentationml/2006/main" xmlns:c="http://schemas.openxmlformats.org/drawingml/2006/chart" xmlns:dgm="http://schemas.openxmlformats.org/drawingml/2006/diagram" xmlns:o="urn:schemas-microsoft-com:office:office" xmlns:v="urn:schemas-microsoft-com:vml" xmlns:pvml="urn:schemas-microsoft-com:office:powerpoint" xmlns:com="http://schemas.openxmlformats.org/drawingml/2006/compatibility" xmlns:p14="http://schemas.microsoft.com/office/powerpoint/2010/main" showMasterPhAnim="0" showMasterSp="0">
+<p:notes xmlns:a="http://schemas.openxmlformats.org/drawingml/2006/main" xmlns:r="http://schemas.openxmlformats.org/officeDocument/2006/relationships" xmlns:p="http://schemas.openxmlformats.org/presentationml/2006/main" showMasterSp="0" showMasterPhAnim="0">
   <p:cSld>
     <p:spTree>
       <p:nvGrpSpPr>
-        <p:cNvPr id="99" name="Shape 99"/>
+        <p:cNvPr id="1" name="Shape 99"/>
         <p:cNvGrpSpPr/>
         <p:nvPr/>
       </p:nvGrpSpPr>
@@ -771,19 +903,26 @@
       <p:sp>
         <p:nvSpPr>
           <p:cNvPr id="100" name="Shape 100"/>
-          <p:cNvSpPr/>
+          <p:cNvSpPr>
+            <a:spLocks noGrp="1" noRot="1" noChangeAspect="1"/>
+          </p:cNvSpPr>
           <p:nvPr>
-            <p:ph idx="2" type="sldImg"/>
+            <p:ph type="sldImg" idx="2"/>
           </p:nvPr>
         </p:nvSpPr>
         <p:spPr>
           <a:xfrm>
-            <a:off x="381300" y="685800"/>
+            <a:off x="381000" y="685800"/>
             <a:ext cx="6096000" cy="3429000"/>
           </a:xfrm>
           <a:custGeom>
+            <a:avLst/>
+            <a:gdLst/>
+            <a:ahLst/>
+            <a:cxnLst/>
+            <a:rect l="0" t="0" r="0" b="0"/>
             <a:pathLst>
-              <a:path extrusionOk="0" h="120000" w="120000">
+              <a:path w="120000" h="120000" extrusionOk="0">
                 <a:moveTo>
                   <a:pt x="0" y="0"/>
                 </a:moveTo>
@@ -805,9 +944,11 @@
       <p:sp>
         <p:nvSpPr>
           <p:cNvPr id="101" name="Shape 101"/>
-          <p:cNvSpPr txBox="1"/>
+          <p:cNvSpPr txBox="1">
+            <a:spLocks noGrp="1"/>
+          </p:cNvSpPr>
           <p:nvPr>
-            <p:ph idx="1" type="body"/>
+            <p:ph type="body" idx="1"/>
           </p:nvPr>
         </p:nvSpPr>
         <p:spPr>
@@ -820,7 +961,7 @@
           </a:prstGeom>
         </p:spPr>
         <p:txBody>
-          <a:bodyPr anchorCtr="0" anchor="t" bIns="91425" lIns="91425" rIns="91425" tIns="91425">
+          <a:bodyPr lIns="91425" tIns="91425" rIns="91425" bIns="91425" anchor="t" anchorCtr="0">
             <a:noAutofit/>
           </a:bodyPr>
           <a:lstStyle/>
@@ -831,9 +972,6 @@
               </a:spcBef>
               <a:buNone/>
             </a:pPr>
-            <a:r>
-              <a:t/>
-            </a:r>
             <a:endParaRPr/>
           </a:p>
         </p:txBody>
@@ -847,11 +985,11 @@
 </file>
 
 <file path=ppt/notesSlides/notesSlide6.xml><?xml version="1.0" encoding="utf-8"?>
-<p:notes xmlns:a="http://schemas.openxmlformats.org/drawingml/2006/main" xmlns:r="http://schemas.openxmlformats.org/officeDocument/2006/relationships" xmlns:mc="http://schemas.openxmlformats.org/markup-compatibility/2006" xmlns:mv="urn:schemas-microsoft-com:mac:vml" xmlns:p="http://schemas.openxmlformats.org/presentationml/2006/main" xmlns:c="http://schemas.openxmlformats.org/drawingml/2006/chart" xmlns:dgm="http://schemas.openxmlformats.org/drawingml/2006/diagram" xmlns:o="urn:schemas-microsoft-com:office:office" xmlns:v="urn:schemas-microsoft-com:vml" xmlns:pvml="urn:schemas-microsoft-com:office:powerpoint" xmlns:com="http://schemas.openxmlformats.org/drawingml/2006/compatibility" xmlns:p14="http://schemas.microsoft.com/office/powerpoint/2010/main" showMasterPhAnim="0" showMasterSp="0">
+<p:notes xmlns:a="http://schemas.openxmlformats.org/drawingml/2006/main" xmlns:r="http://schemas.openxmlformats.org/officeDocument/2006/relationships" xmlns:p="http://schemas.openxmlformats.org/presentationml/2006/main" showMasterSp="0" showMasterPhAnim="0">
   <p:cSld>
     <p:spTree>
       <p:nvGrpSpPr>
-        <p:cNvPr id="108" name="Shape 108"/>
+        <p:cNvPr id="1" name="Shape 108"/>
         <p:cNvGrpSpPr/>
         <p:nvPr/>
       </p:nvGrpSpPr>
@@ -866,19 +1004,26 @@
       <p:sp>
         <p:nvSpPr>
           <p:cNvPr id="109" name="Shape 109"/>
-          <p:cNvSpPr/>
+          <p:cNvSpPr>
+            <a:spLocks noGrp="1" noRot="1" noChangeAspect="1"/>
+          </p:cNvSpPr>
           <p:nvPr>
-            <p:ph idx="2" type="sldImg"/>
+            <p:ph type="sldImg" idx="2"/>
           </p:nvPr>
         </p:nvSpPr>
         <p:spPr>
           <a:xfrm>
-            <a:off x="381300" y="685800"/>
+            <a:off x="381000" y="685800"/>
             <a:ext cx="6096000" cy="3429000"/>
           </a:xfrm>
           <a:custGeom>
+            <a:avLst/>
+            <a:gdLst/>
+            <a:ahLst/>
+            <a:cxnLst/>
+            <a:rect l="0" t="0" r="0" b="0"/>
             <a:pathLst>
-              <a:path extrusionOk="0" h="120000" w="120000">
+              <a:path w="120000" h="120000" extrusionOk="0">
                 <a:moveTo>
                   <a:pt x="0" y="0"/>
                 </a:moveTo>
@@ -900,9 +1045,11 @@
       <p:sp>
         <p:nvSpPr>
           <p:cNvPr id="110" name="Shape 110"/>
-          <p:cNvSpPr txBox="1"/>
+          <p:cNvSpPr txBox="1">
+            <a:spLocks noGrp="1"/>
+          </p:cNvSpPr>
           <p:nvPr>
-            <p:ph idx="1" type="body"/>
+            <p:ph type="body" idx="1"/>
           </p:nvPr>
         </p:nvSpPr>
         <p:spPr>
@@ -915,7 +1062,7 @@
           </a:prstGeom>
         </p:spPr>
         <p:txBody>
-          <a:bodyPr anchorCtr="0" anchor="t" bIns="91425" lIns="91425" rIns="91425" tIns="91425">
+          <a:bodyPr lIns="91425" tIns="91425" rIns="91425" bIns="91425" anchor="t" anchorCtr="0">
             <a:noAutofit/>
           </a:bodyPr>
           <a:lstStyle/>
@@ -926,9 +1073,6 @@
               </a:spcBef>
               <a:buNone/>
             </a:pPr>
-            <a:r>
-              <a:t/>
-            </a:r>
             <a:endParaRPr/>
           </a:p>
         </p:txBody>
@@ -942,11 +1086,11 @@
 </file>
 
 <file path=ppt/slideLayouts/slideLayout1.xml><?xml version="1.0" encoding="utf-8"?>
-<p:sldLayout xmlns:a="http://schemas.openxmlformats.org/drawingml/2006/main" xmlns:r="http://schemas.openxmlformats.org/officeDocument/2006/relationships" xmlns:mc="http://schemas.openxmlformats.org/markup-compatibility/2006" xmlns:mv="urn:schemas-microsoft-com:mac:vml" xmlns:p="http://schemas.openxmlformats.org/presentationml/2006/main" xmlns:c="http://schemas.openxmlformats.org/drawingml/2006/chart" xmlns:dgm="http://schemas.openxmlformats.org/drawingml/2006/diagram" xmlns:o="urn:schemas-microsoft-com:office:office" xmlns:v="urn:schemas-microsoft-com:vml" xmlns:pvml="urn:schemas-microsoft-com:office:powerpoint" xmlns:com="http://schemas.openxmlformats.org/drawingml/2006/compatibility" xmlns:p14="http://schemas.microsoft.com/office/powerpoint/2010/main" type="title">
+<p:sldLayout xmlns:a="http://schemas.openxmlformats.org/drawingml/2006/main" xmlns:r="http://schemas.openxmlformats.org/officeDocument/2006/relationships" xmlns:p="http://schemas.openxmlformats.org/presentationml/2006/main" type="title">
   <p:cSld name="Title slide">
     <p:spTree>
       <p:nvGrpSpPr>
-        <p:cNvPr id="9" name="Shape 9"/>
+        <p:cNvPr id="1" name="Shape 9"/>
         <p:cNvGrpSpPr/>
         <p:nvPr/>
       </p:nvGrpSpPr>
@@ -961,7 +1105,9 @@
       <p:sp>
         <p:nvSpPr>
           <p:cNvPr id="10" name="Shape 10"/>
-          <p:cNvSpPr txBox="1"/>
+          <p:cNvSpPr txBox="1">
+            <a:spLocks noGrp="1"/>
+          </p:cNvSpPr>
           <p:nvPr>
             <p:ph type="ctrTitle"/>
           </p:nvPr>
@@ -976,7 +1122,7 @@
           </a:prstGeom>
         </p:spPr>
         <p:txBody>
-          <a:bodyPr anchorCtr="0" anchor="b" bIns="91425" lIns="91425" rIns="91425" tIns="91425"/>
+          <a:bodyPr lIns="91425" tIns="91425" rIns="91425" bIns="91425" anchor="b" anchorCtr="0"/>
           <a:lstStyle>
             <a:lvl1pPr lvl="0" algn="ctr">
               <a:spcBef>
@@ -1042,15 +1188,19 @@
               <a:defRPr sz="5200"/>
             </a:lvl9pPr>
           </a:lstStyle>
-          <a:p/>
+          <a:p>
+            <a:endParaRPr/>
+          </a:p>
         </p:txBody>
       </p:sp>
       <p:sp>
         <p:nvSpPr>
           <p:cNvPr id="11" name="Shape 11"/>
-          <p:cNvSpPr txBox="1"/>
+          <p:cNvSpPr txBox="1">
+            <a:spLocks noGrp="1"/>
+          </p:cNvSpPr>
           <p:nvPr>
-            <p:ph idx="1" type="subTitle"/>
+            <p:ph type="subTitle" idx="1"/>
           </p:nvPr>
         </p:nvSpPr>
         <p:spPr>
@@ -1063,7 +1213,7 @@
           </a:prstGeom>
         </p:spPr>
         <p:txBody>
-          <a:bodyPr anchorCtr="0" anchor="t" bIns="91425" lIns="91425" rIns="91425" tIns="91425"/>
+          <a:bodyPr lIns="91425" tIns="91425" rIns="91425" bIns="91425" anchor="t" anchorCtr="0"/>
           <a:lstStyle>
             <a:lvl1pPr lvl="0" algn="ctr">
               <a:lnSpc>
@@ -1192,15 +1342,19 @@
               <a:defRPr sz="2800"/>
             </a:lvl9pPr>
           </a:lstStyle>
-          <a:p/>
+          <a:p>
+            <a:endParaRPr/>
+          </a:p>
         </p:txBody>
       </p:sp>
       <p:sp>
         <p:nvSpPr>
           <p:cNvPr id="12" name="Shape 12"/>
-          <p:cNvSpPr txBox="1"/>
+          <p:cNvSpPr txBox="1">
+            <a:spLocks noGrp="1"/>
+          </p:cNvSpPr>
           <p:nvPr>
-            <p:ph idx="12" type="sldNum"/>
+            <p:ph type="sldNum" idx="12"/>
           </p:nvPr>
         </p:nvSpPr>
         <p:spPr>
@@ -1213,7 +1367,7 @@
           </a:prstGeom>
         </p:spPr>
         <p:txBody>
-          <a:bodyPr anchorCtr="0" anchor="ctr" bIns="91425" lIns="91425" rIns="91425" tIns="91425">
+          <a:bodyPr lIns="91425" tIns="91425" rIns="91425" bIns="91425" anchor="ctr" anchorCtr="0">
             <a:noAutofit/>
           </a:bodyPr>
           <a:lstStyle/>
@@ -1228,6 +1382,7 @@
               <a:rPr lang="en"/>
               <a:t>‹#›</a:t>
             </a:fld>
+            <a:endParaRPr lang="en"/>
           </a:p>
         </p:txBody>
       </p:sp>
@@ -1240,11 +1395,11 @@
 </file>
 
 <file path=ppt/slideLayouts/slideLayout10.xml><?xml version="1.0" encoding="utf-8"?>
-<p:sldLayout xmlns:a="http://schemas.openxmlformats.org/drawingml/2006/main" xmlns:r="http://schemas.openxmlformats.org/officeDocument/2006/relationships" xmlns:mc="http://schemas.openxmlformats.org/markup-compatibility/2006" xmlns:mv="urn:schemas-microsoft-com:mac:vml" xmlns:p="http://schemas.openxmlformats.org/presentationml/2006/main" xmlns:c="http://schemas.openxmlformats.org/drawingml/2006/chart" xmlns:dgm="http://schemas.openxmlformats.org/drawingml/2006/diagram" xmlns:o="urn:schemas-microsoft-com:office:office" xmlns:v="urn:schemas-microsoft-com:vml" xmlns:pvml="urn:schemas-microsoft-com:office:powerpoint" xmlns:com="http://schemas.openxmlformats.org/drawingml/2006/compatibility" xmlns:p14="http://schemas.microsoft.com/office/powerpoint/2010/main">
+<p:sldLayout xmlns:a="http://schemas.openxmlformats.org/drawingml/2006/main" xmlns:r="http://schemas.openxmlformats.org/officeDocument/2006/relationships" xmlns:p="http://schemas.openxmlformats.org/presentationml/2006/main">
   <p:cSld name="Big number">
     <p:spTree>
       <p:nvGrpSpPr>
-        <p:cNvPr id="44" name="Shape 44"/>
+        <p:cNvPr id="1" name="Shape 44"/>
         <p:cNvGrpSpPr/>
         <p:nvPr/>
       </p:nvGrpSpPr>
@@ -1259,7 +1414,9 @@
       <p:sp>
         <p:nvSpPr>
           <p:cNvPr id="45" name="Shape 45"/>
-          <p:cNvSpPr txBox="1"/>
+          <p:cNvSpPr txBox="1">
+            <a:spLocks noGrp="1"/>
+          </p:cNvSpPr>
           <p:nvPr>
             <p:ph type="title"/>
           </p:nvPr>
@@ -1274,7 +1431,7 @@
           </a:prstGeom>
         </p:spPr>
         <p:txBody>
-          <a:bodyPr anchorCtr="0" anchor="b" bIns="91425" lIns="91425" rIns="91425" tIns="91425"/>
+          <a:bodyPr lIns="91425" tIns="91425" rIns="91425" bIns="91425" anchor="b" anchorCtr="0"/>
           <a:lstStyle>
             <a:lvl1pPr lvl="0" algn="ctr">
               <a:spcBef>
@@ -1340,15 +1497,19 @@
               <a:defRPr sz="12000"/>
             </a:lvl9pPr>
           </a:lstStyle>
-          <a:p/>
+          <a:p>
+            <a:endParaRPr/>
+          </a:p>
         </p:txBody>
       </p:sp>
       <p:sp>
         <p:nvSpPr>
           <p:cNvPr id="46" name="Shape 46"/>
-          <p:cNvSpPr txBox="1"/>
+          <p:cNvSpPr txBox="1">
+            <a:spLocks noGrp="1"/>
+          </p:cNvSpPr>
           <p:nvPr>
-            <p:ph idx="1" type="body"/>
+            <p:ph type="body" idx="1"/>
           </p:nvPr>
         </p:nvSpPr>
         <p:spPr>
@@ -1361,7 +1522,7 @@
           </a:prstGeom>
         </p:spPr>
         <p:txBody>
-          <a:bodyPr anchorCtr="0" anchor="t" bIns="91425" lIns="91425" rIns="91425" tIns="91425"/>
+          <a:bodyPr lIns="91425" tIns="91425" rIns="91425" bIns="91425" anchor="t" anchorCtr="0"/>
           <a:lstStyle>
             <a:lvl1pPr lvl="0" algn="ctr">
               <a:spcBef>
@@ -1418,15 +1579,19 @@
               <a:defRPr/>
             </a:lvl9pPr>
           </a:lstStyle>
-          <a:p/>
+          <a:p>
+            <a:endParaRPr/>
+          </a:p>
         </p:txBody>
       </p:sp>
       <p:sp>
         <p:nvSpPr>
           <p:cNvPr id="47" name="Shape 47"/>
-          <p:cNvSpPr txBox="1"/>
+          <p:cNvSpPr txBox="1">
+            <a:spLocks noGrp="1"/>
+          </p:cNvSpPr>
           <p:nvPr>
-            <p:ph idx="12" type="sldNum"/>
+            <p:ph type="sldNum" idx="12"/>
           </p:nvPr>
         </p:nvSpPr>
         <p:spPr>
@@ -1439,7 +1604,7 @@
           </a:prstGeom>
         </p:spPr>
         <p:txBody>
-          <a:bodyPr anchorCtr="0" anchor="ctr" bIns="91425" lIns="91425" rIns="91425" tIns="91425">
+          <a:bodyPr lIns="91425" tIns="91425" rIns="91425" bIns="91425" anchor="ctr" anchorCtr="0">
             <a:noAutofit/>
           </a:bodyPr>
           <a:lstStyle/>
@@ -1454,6 +1619,7 @@
               <a:rPr lang="en"/>
               <a:t>‹#›</a:t>
             </a:fld>
+            <a:endParaRPr lang="en"/>
           </a:p>
         </p:txBody>
       </p:sp>
@@ -1466,11 +1632,11 @@
 </file>
 
 <file path=ppt/slideLayouts/slideLayout11.xml><?xml version="1.0" encoding="utf-8"?>
-<p:sldLayout xmlns:a="http://schemas.openxmlformats.org/drawingml/2006/main" xmlns:r="http://schemas.openxmlformats.org/officeDocument/2006/relationships" xmlns:mc="http://schemas.openxmlformats.org/markup-compatibility/2006" xmlns:mv="urn:schemas-microsoft-com:mac:vml" xmlns:p="http://schemas.openxmlformats.org/presentationml/2006/main" xmlns:c="http://schemas.openxmlformats.org/drawingml/2006/chart" xmlns:dgm="http://schemas.openxmlformats.org/drawingml/2006/diagram" xmlns:o="urn:schemas-microsoft-com:office:office" xmlns:v="urn:schemas-microsoft-com:vml" xmlns:pvml="urn:schemas-microsoft-com:office:powerpoint" xmlns:com="http://schemas.openxmlformats.org/drawingml/2006/compatibility" xmlns:p14="http://schemas.microsoft.com/office/powerpoint/2010/main" type="blank">
+<p:sldLayout xmlns:a="http://schemas.openxmlformats.org/drawingml/2006/main" xmlns:r="http://schemas.openxmlformats.org/officeDocument/2006/relationships" xmlns:p="http://schemas.openxmlformats.org/presentationml/2006/main" type="blank">
   <p:cSld name="Blank">
     <p:spTree>
       <p:nvGrpSpPr>
-        <p:cNvPr id="48" name="Shape 48"/>
+        <p:cNvPr id="1" name="Shape 48"/>
         <p:cNvGrpSpPr/>
         <p:nvPr/>
       </p:nvGrpSpPr>
@@ -1485,9 +1651,11 @@
       <p:sp>
         <p:nvSpPr>
           <p:cNvPr id="49" name="Shape 49"/>
-          <p:cNvSpPr txBox="1"/>
+          <p:cNvSpPr txBox="1">
+            <a:spLocks noGrp="1"/>
+          </p:cNvSpPr>
           <p:nvPr>
-            <p:ph idx="12" type="sldNum"/>
+            <p:ph type="sldNum" idx="12"/>
           </p:nvPr>
         </p:nvSpPr>
         <p:spPr>
@@ -1500,7 +1668,7 @@
           </a:prstGeom>
         </p:spPr>
         <p:txBody>
-          <a:bodyPr anchorCtr="0" anchor="ctr" bIns="91425" lIns="91425" rIns="91425" tIns="91425">
+          <a:bodyPr lIns="91425" tIns="91425" rIns="91425" bIns="91425" anchor="ctr" anchorCtr="0">
             <a:noAutofit/>
           </a:bodyPr>
           <a:lstStyle/>
@@ -1515,6 +1683,7 @@
               <a:rPr lang="en"/>
               <a:t>‹#›</a:t>
             </a:fld>
+            <a:endParaRPr lang="en"/>
           </a:p>
         </p:txBody>
       </p:sp>
@@ -1527,11 +1696,11 @@
 </file>
 
 <file path=ppt/slideLayouts/slideLayout2.xml><?xml version="1.0" encoding="utf-8"?>
-<p:sldLayout xmlns:a="http://schemas.openxmlformats.org/drawingml/2006/main" xmlns:r="http://schemas.openxmlformats.org/officeDocument/2006/relationships" xmlns:mc="http://schemas.openxmlformats.org/markup-compatibility/2006" xmlns:mv="urn:schemas-microsoft-com:mac:vml" xmlns:p="http://schemas.openxmlformats.org/presentationml/2006/main" xmlns:c="http://schemas.openxmlformats.org/drawingml/2006/chart" xmlns:dgm="http://schemas.openxmlformats.org/drawingml/2006/diagram" xmlns:o="urn:schemas-microsoft-com:office:office" xmlns:v="urn:schemas-microsoft-com:vml" xmlns:pvml="urn:schemas-microsoft-com:office:powerpoint" xmlns:com="http://schemas.openxmlformats.org/drawingml/2006/compatibility" xmlns:p14="http://schemas.microsoft.com/office/powerpoint/2010/main" type="secHead">
+<p:sldLayout xmlns:a="http://schemas.openxmlformats.org/drawingml/2006/main" xmlns:r="http://schemas.openxmlformats.org/officeDocument/2006/relationships" xmlns:p="http://schemas.openxmlformats.org/presentationml/2006/main" type="secHead">
   <p:cSld name="Section header">
     <p:spTree>
       <p:nvGrpSpPr>
-        <p:cNvPr id="13" name="Shape 13"/>
+        <p:cNvPr id="1" name="Shape 13"/>
         <p:cNvGrpSpPr/>
         <p:nvPr/>
       </p:nvGrpSpPr>
@@ -1546,7 +1715,9 @@
       <p:sp>
         <p:nvSpPr>
           <p:cNvPr id="14" name="Shape 14"/>
-          <p:cNvSpPr txBox="1"/>
+          <p:cNvSpPr txBox="1">
+            <a:spLocks noGrp="1"/>
+          </p:cNvSpPr>
           <p:nvPr>
             <p:ph type="title"/>
           </p:nvPr>
@@ -1561,7 +1732,7 @@
           </a:prstGeom>
         </p:spPr>
         <p:txBody>
-          <a:bodyPr anchorCtr="0" anchor="ctr" bIns="91425" lIns="91425" rIns="91425" tIns="91425"/>
+          <a:bodyPr lIns="91425" tIns="91425" rIns="91425" bIns="91425" anchor="ctr" anchorCtr="0"/>
           <a:lstStyle>
             <a:lvl1pPr lvl="0" algn="ctr">
               <a:spcBef>
@@ -1627,15 +1798,19 @@
               <a:defRPr sz="3600"/>
             </a:lvl9pPr>
           </a:lstStyle>
-          <a:p/>
+          <a:p>
+            <a:endParaRPr/>
+          </a:p>
         </p:txBody>
       </p:sp>
       <p:sp>
         <p:nvSpPr>
           <p:cNvPr id="15" name="Shape 15"/>
-          <p:cNvSpPr txBox="1"/>
+          <p:cNvSpPr txBox="1">
+            <a:spLocks noGrp="1"/>
+          </p:cNvSpPr>
           <p:nvPr>
-            <p:ph idx="12" type="sldNum"/>
+            <p:ph type="sldNum" idx="12"/>
           </p:nvPr>
         </p:nvSpPr>
         <p:spPr>
@@ -1648,7 +1823,7 @@
           </a:prstGeom>
         </p:spPr>
         <p:txBody>
-          <a:bodyPr anchorCtr="0" anchor="ctr" bIns="91425" lIns="91425" rIns="91425" tIns="91425">
+          <a:bodyPr lIns="91425" tIns="91425" rIns="91425" bIns="91425" anchor="ctr" anchorCtr="0">
             <a:noAutofit/>
           </a:bodyPr>
           <a:lstStyle/>
@@ -1663,6 +1838,7 @@
               <a:rPr lang="en"/>
               <a:t>‹#›</a:t>
             </a:fld>
+            <a:endParaRPr lang="en"/>
           </a:p>
         </p:txBody>
       </p:sp>
@@ -1675,11 +1851,11 @@
 </file>
 
 <file path=ppt/slideLayouts/slideLayout3.xml><?xml version="1.0" encoding="utf-8"?>
-<p:sldLayout xmlns:a="http://schemas.openxmlformats.org/drawingml/2006/main" xmlns:r="http://schemas.openxmlformats.org/officeDocument/2006/relationships" xmlns:mc="http://schemas.openxmlformats.org/markup-compatibility/2006" xmlns:mv="urn:schemas-microsoft-com:mac:vml" xmlns:p="http://schemas.openxmlformats.org/presentationml/2006/main" xmlns:c="http://schemas.openxmlformats.org/drawingml/2006/chart" xmlns:dgm="http://schemas.openxmlformats.org/drawingml/2006/diagram" xmlns:o="urn:schemas-microsoft-com:office:office" xmlns:v="urn:schemas-microsoft-com:vml" xmlns:pvml="urn:schemas-microsoft-com:office:powerpoint" xmlns:com="http://schemas.openxmlformats.org/drawingml/2006/compatibility" xmlns:p14="http://schemas.microsoft.com/office/powerpoint/2010/main" type="tx">
+<p:sldLayout xmlns:a="http://schemas.openxmlformats.org/drawingml/2006/main" xmlns:r="http://schemas.openxmlformats.org/officeDocument/2006/relationships" xmlns:p="http://schemas.openxmlformats.org/presentationml/2006/main" type="tx">
   <p:cSld name="Title and body">
     <p:spTree>
       <p:nvGrpSpPr>
-        <p:cNvPr id="16" name="Shape 16"/>
+        <p:cNvPr id="1" name="Shape 16"/>
         <p:cNvGrpSpPr/>
         <p:nvPr/>
       </p:nvGrpSpPr>
@@ -1694,7 +1870,9 @@
       <p:sp>
         <p:nvSpPr>
           <p:cNvPr id="17" name="Shape 17"/>
-          <p:cNvSpPr txBox="1"/>
+          <p:cNvSpPr txBox="1">
+            <a:spLocks noGrp="1"/>
+          </p:cNvSpPr>
           <p:nvPr>
             <p:ph type="title"/>
           </p:nvPr>
@@ -1709,7 +1887,7 @@
           </a:prstGeom>
         </p:spPr>
         <p:txBody>
-          <a:bodyPr anchorCtr="0" anchor="t" bIns="91425" lIns="91425" rIns="91425" tIns="91425"/>
+          <a:bodyPr lIns="91425" tIns="91425" rIns="91425" bIns="91425" anchor="t" anchorCtr="0"/>
           <a:lstStyle>
             <a:lvl1pPr lvl="0">
               <a:spcBef>
@@ -1766,15 +1944,19 @@
               <a:defRPr/>
             </a:lvl9pPr>
           </a:lstStyle>
-          <a:p/>
+          <a:p>
+            <a:endParaRPr/>
+          </a:p>
         </p:txBody>
       </p:sp>
       <p:sp>
         <p:nvSpPr>
           <p:cNvPr id="18" name="Shape 18"/>
-          <p:cNvSpPr txBox="1"/>
+          <p:cNvSpPr txBox="1">
+            <a:spLocks noGrp="1"/>
+          </p:cNvSpPr>
           <p:nvPr>
-            <p:ph idx="1" type="body"/>
+            <p:ph type="body" idx="1"/>
           </p:nvPr>
         </p:nvSpPr>
         <p:spPr>
@@ -1787,7 +1969,7 @@
           </a:prstGeom>
         </p:spPr>
         <p:txBody>
-          <a:bodyPr anchorCtr="0" anchor="t" bIns="91425" lIns="91425" rIns="91425" tIns="91425"/>
+          <a:bodyPr lIns="91425" tIns="91425" rIns="91425" bIns="91425" anchor="t" anchorCtr="0"/>
           <a:lstStyle>
             <a:lvl1pPr lvl="0">
               <a:spcBef>
@@ -1844,15 +2026,19 @@
               <a:defRPr/>
             </a:lvl9pPr>
           </a:lstStyle>
-          <a:p/>
+          <a:p>
+            <a:endParaRPr/>
+          </a:p>
         </p:txBody>
       </p:sp>
       <p:sp>
         <p:nvSpPr>
           <p:cNvPr id="19" name="Shape 19"/>
-          <p:cNvSpPr txBox="1"/>
+          <p:cNvSpPr txBox="1">
+            <a:spLocks noGrp="1"/>
+          </p:cNvSpPr>
           <p:nvPr>
-            <p:ph idx="12" type="sldNum"/>
+            <p:ph type="sldNum" idx="12"/>
           </p:nvPr>
         </p:nvSpPr>
         <p:spPr>
@@ -1865,7 +2051,7 @@
           </a:prstGeom>
         </p:spPr>
         <p:txBody>
-          <a:bodyPr anchorCtr="0" anchor="ctr" bIns="91425" lIns="91425" rIns="91425" tIns="91425">
+          <a:bodyPr lIns="91425" tIns="91425" rIns="91425" bIns="91425" anchor="ctr" anchorCtr="0">
             <a:noAutofit/>
           </a:bodyPr>
           <a:lstStyle/>
@@ -1880,6 +2066,7 @@
               <a:rPr lang="en"/>
               <a:t>‹#›</a:t>
             </a:fld>
+            <a:endParaRPr lang="en"/>
           </a:p>
         </p:txBody>
       </p:sp>
@@ -1892,11 +2079,11 @@
 </file>
 
 <file path=ppt/slideLayouts/slideLayout4.xml><?xml version="1.0" encoding="utf-8"?>
-<p:sldLayout xmlns:a="http://schemas.openxmlformats.org/drawingml/2006/main" xmlns:r="http://schemas.openxmlformats.org/officeDocument/2006/relationships" xmlns:mc="http://schemas.openxmlformats.org/markup-compatibility/2006" xmlns:mv="urn:schemas-microsoft-com:mac:vml" xmlns:p="http://schemas.openxmlformats.org/presentationml/2006/main" xmlns:c="http://schemas.openxmlformats.org/drawingml/2006/chart" xmlns:dgm="http://schemas.openxmlformats.org/drawingml/2006/diagram" xmlns:o="urn:schemas-microsoft-com:office:office" xmlns:v="urn:schemas-microsoft-com:vml" xmlns:pvml="urn:schemas-microsoft-com:office:powerpoint" xmlns:com="http://schemas.openxmlformats.org/drawingml/2006/compatibility" xmlns:p14="http://schemas.microsoft.com/office/powerpoint/2010/main" type="twoColTx">
+<p:sldLayout xmlns:a="http://schemas.openxmlformats.org/drawingml/2006/main" xmlns:r="http://schemas.openxmlformats.org/officeDocument/2006/relationships" xmlns:p="http://schemas.openxmlformats.org/presentationml/2006/main" type="twoColTx">
   <p:cSld name="Title and two columns">
     <p:spTree>
       <p:nvGrpSpPr>
-        <p:cNvPr id="20" name="Shape 20"/>
+        <p:cNvPr id="1" name="Shape 20"/>
         <p:cNvGrpSpPr/>
         <p:nvPr/>
       </p:nvGrpSpPr>
@@ -1911,7 +2098,9 @@
       <p:sp>
         <p:nvSpPr>
           <p:cNvPr id="21" name="Shape 21"/>
-          <p:cNvSpPr txBox="1"/>
+          <p:cNvSpPr txBox="1">
+            <a:spLocks noGrp="1"/>
+          </p:cNvSpPr>
           <p:nvPr>
             <p:ph type="title"/>
           </p:nvPr>
@@ -1926,7 +2115,7 @@
           </a:prstGeom>
         </p:spPr>
         <p:txBody>
-          <a:bodyPr anchorCtr="0" anchor="t" bIns="91425" lIns="91425" rIns="91425" tIns="91425"/>
+          <a:bodyPr lIns="91425" tIns="91425" rIns="91425" bIns="91425" anchor="t" anchorCtr="0"/>
           <a:lstStyle>
             <a:lvl1pPr lvl="0">
               <a:spcBef>
@@ -1983,15 +2172,19 @@
               <a:defRPr/>
             </a:lvl9pPr>
           </a:lstStyle>
-          <a:p/>
+          <a:p>
+            <a:endParaRPr/>
+          </a:p>
         </p:txBody>
       </p:sp>
       <p:sp>
         <p:nvSpPr>
           <p:cNvPr id="22" name="Shape 22"/>
-          <p:cNvSpPr txBox="1"/>
+          <p:cNvSpPr txBox="1">
+            <a:spLocks noGrp="1"/>
+          </p:cNvSpPr>
           <p:nvPr>
-            <p:ph idx="1" type="body"/>
+            <p:ph type="body" idx="1"/>
           </p:nvPr>
         </p:nvSpPr>
         <p:spPr>
@@ -2004,7 +2197,7 @@
           </a:prstGeom>
         </p:spPr>
         <p:txBody>
-          <a:bodyPr anchorCtr="0" anchor="t" bIns="91425" lIns="91425" rIns="91425" tIns="91425"/>
+          <a:bodyPr lIns="91425" tIns="91425" rIns="91425" bIns="91425" anchor="t" anchorCtr="0"/>
           <a:lstStyle>
             <a:lvl1pPr lvl="0">
               <a:spcBef>
@@ -2070,15 +2263,19 @@
               <a:defRPr sz="1200"/>
             </a:lvl9pPr>
           </a:lstStyle>
-          <a:p/>
+          <a:p>
+            <a:endParaRPr/>
+          </a:p>
         </p:txBody>
       </p:sp>
       <p:sp>
         <p:nvSpPr>
           <p:cNvPr id="23" name="Shape 23"/>
-          <p:cNvSpPr txBox="1"/>
+          <p:cNvSpPr txBox="1">
+            <a:spLocks noGrp="1"/>
+          </p:cNvSpPr>
           <p:nvPr>
-            <p:ph idx="2" type="body"/>
+            <p:ph type="body" idx="2"/>
           </p:nvPr>
         </p:nvSpPr>
         <p:spPr>
@@ -2091,7 +2288,7 @@
           </a:prstGeom>
         </p:spPr>
         <p:txBody>
-          <a:bodyPr anchorCtr="0" anchor="t" bIns="91425" lIns="91425" rIns="91425" tIns="91425"/>
+          <a:bodyPr lIns="91425" tIns="91425" rIns="91425" bIns="91425" anchor="t" anchorCtr="0"/>
           <a:lstStyle>
             <a:lvl1pPr lvl="0">
               <a:spcBef>
@@ -2157,15 +2354,19 @@
               <a:defRPr sz="1200"/>
             </a:lvl9pPr>
           </a:lstStyle>
-          <a:p/>
+          <a:p>
+            <a:endParaRPr/>
+          </a:p>
         </p:txBody>
       </p:sp>
       <p:sp>
         <p:nvSpPr>
           <p:cNvPr id="24" name="Shape 24"/>
-          <p:cNvSpPr txBox="1"/>
+          <p:cNvSpPr txBox="1">
+            <a:spLocks noGrp="1"/>
+          </p:cNvSpPr>
           <p:nvPr>
-            <p:ph idx="12" type="sldNum"/>
+            <p:ph type="sldNum" idx="12"/>
           </p:nvPr>
         </p:nvSpPr>
         <p:spPr>
@@ -2178,7 +2379,7 @@
           </a:prstGeom>
         </p:spPr>
         <p:txBody>
-          <a:bodyPr anchorCtr="0" anchor="ctr" bIns="91425" lIns="91425" rIns="91425" tIns="91425">
+          <a:bodyPr lIns="91425" tIns="91425" rIns="91425" bIns="91425" anchor="ctr" anchorCtr="0">
             <a:noAutofit/>
           </a:bodyPr>
           <a:lstStyle/>
@@ -2193,6 +2394,7 @@
               <a:rPr lang="en"/>
               <a:t>‹#›</a:t>
             </a:fld>
+            <a:endParaRPr lang="en"/>
           </a:p>
         </p:txBody>
       </p:sp>
@@ -2205,11 +2407,11 @@
 </file>
 
 <file path=ppt/slideLayouts/slideLayout5.xml><?xml version="1.0" encoding="utf-8"?>
-<p:sldLayout xmlns:a="http://schemas.openxmlformats.org/drawingml/2006/main" xmlns:r="http://schemas.openxmlformats.org/officeDocument/2006/relationships" xmlns:mc="http://schemas.openxmlformats.org/markup-compatibility/2006" xmlns:mv="urn:schemas-microsoft-com:mac:vml" xmlns:p="http://schemas.openxmlformats.org/presentationml/2006/main" xmlns:c="http://schemas.openxmlformats.org/drawingml/2006/chart" xmlns:dgm="http://schemas.openxmlformats.org/drawingml/2006/diagram" xmlns:o="urn:schemas-microsoft-com:office:office" xmlns:v="urn:schemas-microsoft-com:vml" xmlns:pvml="urn:schemas-microsoft-com:office:powerpoint" xmlns:com="http://schemas.openxmlformats.org/drawingml/2006/compatibility" xmlns:p14="http://schemas.microsoft.com/office/powerpoint/2010/main" type="titleOnly">
+<p:sldLayout xmlns:a="http://schemas.openxmlformats.org/drawingml/2006/main" xmlns:r="http://schemas.openxmlformats.org/officeDocument/2006/relationships" xmlns:p="http://schemas.openxmlformats.org/presentationml/2006/main" type="titleOnly">
   <p:cSld name="Title only">
     <p:spTree>
       <p:nvGrpSpPr>
-        <p:cNvPr id="25" name="Shape 25"/>
+        <p:cNvPr id="1" name="Shape 25"/>
         <p:cNvGrpSpPr/>
         <p:nvPr/>
       </p:nvGrpSpPr>
@@ -2224,7 +2426,9 @@
       <p:sp>
         <p:nvSpPr>
           <p:cNvPr id="26" name="Shape 26"/>
-          <p:cNvSpPr txBox="1"/>
+          <p:cNvSpPr txBox="1">
+            <a:spLocks noGrp="1"/>
+          </p:cNvSpPr>
           <p:nvPr>
             <p:ph type="title"/>
           </p:nvPr>
@@ -2239,7 +2443,7 @@
           </a:prstGeom>
         </p:spPr>
         <p:txBody>
-          <a:bodyPr anchorCtr="0" anchor="t" bIns="91425" lIns="91425" rIns="91425" tIns="91425"/>
+          <a:bodyPr lIns="91425" tIns="91425" rIns="91425" bIns="91425" anchor="t" anchorCtr="0"/>
           <a:lstStyle>
             <a:lvl1pPr lvl="0">
               <a:spcBef>
@@ -2296,15 +2500,19 @@
               <a:defRPr/>
             </a:lvl9pPr>
           </a:lstStyle>
-          <a:p/>
+          <a:p>
+            <a:endParaRPr/>
+          </a:p>
         </p:txBody>
       </p:sp>
       <p:sp>
         <p:nvSpPr>
           <p:cNvPr id="27" name="Shape 27"/>
-          <p:cNvSpPr txBox="1"/>
+          <p:cNvSpPr txBox="1">
+            <a:spLocks noGrp="1"/>
+          </p:cNvSpPr>
           <p:nvPr>
-            <p:ph idx="12" type="sldNum"/>
+            <p:ph type="sldNum" idx="12"/>
           </p:nvPr>
         </p:nvSpPr>
         <p:spPr>
@@ -2317,7 +2525,7 @@
           </a:prstGeom>
         </p:spPr>
         <p:txBody>
-          <a:bodyPr anchorCtr="0" anchor="ctr" bIns="91425" lIns="91425" rIns="91425" tIns="91425">
+          <a:bodyPr lIns="91425" tIns="91425" rIns="91425" bIns="91425" anchor="ctr" anchorCtr="0">
             <a:noAutofit/>
           </a:bodyPr>
           <a:lstStyle/>
@@ -2332,6 +2540,7 @@
               <a:rPr lang="en"/>
               <a:t>‹#›</a:t>
             </a:fld>
+            <a:endParaRPr lang="en"/>
           </a:p>
         </p:txBody>
       </p:sp>
@@ -2344,11 +2553,11 @@
 </file>
 
 <file path=ppt/slideLayouts/slideLayout6.xml><?xml version="1.0" encoding="utf-8"?>
-<p:sldLayout xmlns:a="http://schemas.openxmlformats.org/drawingml/2006/main" xmlns:r="http://schemas.openxmlformats.org/officeDocument/2006/relationships" xmlns:mc="http://schemas.openxmlformats.org/markup-compatibility/2006" xmlns:mv="urn:schemas-microsoft-com:mac:vml" xmlns:p="http://schemas.openxmlformats.org/presentationml/2006/main" xmlns:c="http://schemas.openxmlformats.org/drawingml/2006/chart" xmlns:dgm="http://schemas.openxmlformats.org/drawingml/2006/diagram" xmlns:o="urn:schemas-microsoft-com:office:office" xmlns:v="urn:schemas-microsoft-com:vml" xmlns:pvml="urn:schemas-microsoft-com:office:powerpoint" xmlns:com="http://schemas.openxmlformats.org/drawingml/2006/compatibility" xmlns:p14="http://schemas.microsoft.com/office/powerpoint/2010/main">
+<p:sldLayout xmlns:a="http://schemas.openxmlformats.org/drawingml/2006/main" xmlns:r="http://schemas.openxmlformats.org/officeDocument/2006/relationships" xmlns:p="http://schemas.openxmlformats.org/presentationml/2006/main">
   <p:cSld name="One column text">
     <p:spTree>
       <p:nvGrpSpPr>
-        <p:cNvPr id="28" name="Shape 28"/>
+        <p:cNvPr id="1" name="Shape 28"/>
         <p:cNvGrpSpPr/>
         <p:nvPr/>
       </p:nvGrpSpPr>
@@ -2363,7 +2572,9 @@
       <p:sp>
         <p:nvSpPr>
           <p:cNvPr id="29" name="Shape 29"/>
-          <p:cNvSpPr txBox="1"/>
+          <p:cNvSpPr txBox="1">
+            <a:spLocks noGrp="1"/>
+          </p:cNvSpPr>
           <p:nvPr>
             <p:ph type="title"/>
           </p:nvPr>
@@ -2378,7 +2589,7 @@
           </a:prstGeom>
         </p:spPr>
         <p:txBody>
-          <a:bodyPr anchorCtr="0" anchor="b" bIns="91425" lIns="91425" rIns="91425" tIns="91425"/>
+          <a:bodyPr lIns="91425" tIns="91425" rIns="91425" bIns="91425" anchor="b" anchorCtr="0"/>
           <a:lstStyle>
             <a:lvl1pPr lvl="0">
               <a:spcBef>
@@ -2444,15 +2655,19 @@
               <a:defRPr sz="2400"/>
             </a:lvl9pPr>
           </a:lstStyle>
-          <a:p/>
+          <a:p>
+            <a:endParaRPr/>
+          </a:p>
         </p:txBody>
       </p:sp>
       <p:sp>
         <p:nvSpPr>
           <p:cNvPr id="30" name="Shape 30"/>
-          <p:cNvSpPr txBox="1"/>
+          <p:cNvSpPr txBox="1">
+            <a:spLocks noGrp="1"/>
+          </p:cNvSpPr>
           <p:nvPr>
-            <p:ph idx="1" type="body"/>
+            <p:ph type="body" idx="1"/>
           </p:nvPr>
         </p:nvSpPr>
         <p:spPr>
@@ -2465,7 +2680,7 @@
           </a:prstGeom>
         </p:spPr>
         <p:txBody>
-          <a:bodyPr anchorCtr="0" anchor="t" bIns="91425" lIns="91425" rIns="91425" tIns="91425"/>
+          <a:bodyPr lIns="91425" tIns="91425" rIns="91425" bIns="91425" anchor="t" anchorCtr="0"/>
           <a:lstStyle>
             <a:lvl1pPr lvl="0">
               <a:spcBef>
@@ -2531,15 +2746,19 @@
               <a:defRPr sz="1200"/>
             </a:lvl9pPr>
           </a:lstStyle>
-          <a:p/>
+          <a:p>
+            <a:endParaRPr/>
+          </a:p>
         </p:txBody>
       </p:sp>
       <p:sp>
         <p:nvSpPr>
           <p:cNvPr id="31" name="Shape 31"/>
-          <p:cNvSpPr txBox="1"/>
+          <p:cNvSpPr txBox="1">
+            <a:spLocks noGrp="1"/>
+          </p:cNvSpPr>
           <p:nvPr>
-            <p:ph idx="12" type="sldNum"/>
+            <p:ph type="sldNum" idx="12"/>
           </p:nvPr>
         </p:nvSpPr>
         <p:spPr>
@@ -2552,7 +2771,7 @@
           </a:prstGeom>
         </p:spPr>
         <p:txBody>
-          <a:bodyPr anchorCtr="0" anchor="ctr" bIns="91425" lIns="91425" rIns="91425" tIns="91425">
+          <a:bodyPr lIns="91425" tIns="91425" rIns="91425" bIns="91425" anchor="ctr" anchorCtr="0">
             <a:noAutofit/>
           </a:bodyPr>
           <a:lstStyle/>
@@ -2567,6 +2786,7 @@
               <a:rPr lang="en"/>
               <a:t>‹#›</a:t>
             </a:fld>
+            <a:endParaRPr lang="en"/>
           </a:p>
         </p:txBody>
       </p:sp>
@@ -2579,11 +2799,11 @@
 </file>
 
 <file path=ppt/slideLayouts/slideLayout7.xml><?xml version="1.0" encoding="utf-8"?>
-<p:sldLayout xmlns:a="http://schemas.openxmlformats.org/drawingml/2006/main" xmlns:r="http://schemas.openxmlformats.org/officeDocument/2006/relationships" xmlns:mc="http://schemas.openxmlformats.org/markup-compatibility/2006" xmlns:mv="urn:schemas-microsoft-com:mac:vml" xmlns:p="http://schemas.openxmlformats.org/presentationml/2006/main" xmlns:c="http://schemas.openxmlformats.org/drawingml/2006/chart" xmlns:dgm="http://schemas.openxmlformats.org/drawingml/2006/diagram" xmlns:o="urn:schemas-microsoft-com:office:office" xmlns:v="urn:schemas-microsoft-com:vml" xmlns:pvml="urn:schemas-microsoft-com:office:powerpoint" xmlns:com="http://schemas.openxmlformats.org/drawingml/2006/compatibility" xmlns:p14="http://schemas.microsoft.com/office/powerpoint/2010/main">
+<p:sldLayout xmlns:a="http://schemas.openxmlformats.org/drawingml/2006/main" xmlns:r="http://schemas.openxmlformats.org/officeDocument/2006/relationships" xmlns:p="http://schemas.openxmlformats.org/presentationml/2006/main">
   <p:cSld name="Main point">
     <p:spTree>
       <p:nvGrpSpPr>
-        <p:cNvPr id="32" name="Shape 32"/>
+        <p:cNvPr id="1" name="Shape 32"/>
         <p:cNvGrpSpPr/>
         <p:nvPr/>
       </p:nvGrpSpPr>
@@ -2598,7 +2818,9 @@
       <p:sp>
         <p:nvSpPr>
           <p:cNvPr id="33" name="Shape 33"/>
-          <p:cNvSpPr txBox="1"/>
+          <p:cNvSpPr txBox="1">
+            <a:spLocks noGrp="1"/>
+          </p:cNvSpPr>
           <p:nvPr>
             <p:ph type="title"/>
           </p:nvPr>
@@ -2613,7 +2835,7 @@
           </a:prstGeom>
         </p:spPr>
         <p:txBody>
-          <a:bodyPr anchorCtr="0" anchor="ctr" bIns="91425" lIns="91425" rIns="91425" tIns="91425"/>
+          <a:bodyPr lIns="91425" tIns="91425" rIns="91425" bIns="91425" anchor="ctr" anchorCtr="0"/>
           <a:lstStyle>
             <a:lvl1pPr lvl="0">
               <a:spcBef>
@@ -2679,15 +2901,19 @@
               <a:defRPr sz="4800"/>
             </a:lvl9pPr>
           </a:lstStyle>
-          <a:p/>
+          <a:p>
+            <a:endParaRPr/>
+          </a:p>
         </p:txBody>
       </p:sp>
       <p:sp>
         <p:nvSpPr>
           <p:cNvPr id="34" name="Shape 34"/>
-          <p:cNvSpPr txBox="1"/>
+          <p:cNvSpPr txBox="1">
+            <a:spLocks noGrp="1"/>
+          </p:cNvSpPr>
           <p:nvPr>
-            <p:ph idx="12" type="sldNum"/>
+            <p:ph type="sldNum" idx="12"/>
           </p:nvPr>
         </p:nvSpPr>
         <p:spPr>
@@ -2700,7 +2926,7 @@
           </a:prstGeom>
         </p:spPr>
         <p:txBody>
-          <a:bodyPr anchorCtr="0" anchor="ctr" bIns="91425" lIns="91425" rIns="91425" tIns="91425">
+          <a:bodyPr lIns="91425" tIns="91425" rIns="91425" bIns="91425" anchor="ctr" anchorCtr="0">
             <a:noAutofit/>
           </a:bodyPr>
           <a:lstStyle/>
@@ -2715,6 +2941,7 @@
               <a:rPr lang="en"/>
               <a:t>‹#›</a:t>
             </a:fld>
+            <a:endParaRPr lang="en"/>
           </a:p>
         </p:txBody>
       </p:sp>
@@ -2727,11 +2954,11 @@
 </file>
 
 <file path=ppt/slideLayouts/slideLayout8.xml><?xml version="1.0" encoding="utf-8"?>
-<p:sldLayout xmlns:a="http://schemas.openxmlformats.org/drawingml/2006/main" xmlns:r="http://schemas.openxmlformats.org/officeDocument/2006/relationships" xmlns:mc="http://schemas.openxmlformats.org/markup-compatibility/2006" xmlns:mv="urn:schemas-microsoft-com:mac:vml" xmlns:p="http://schemas.openxmlformats.org/presentationml/2006/main" xmlns:c="http://schemas.openxmlformats.org/drawingml/2006/chart" xmlns:dgm="http://schemas.openxmlformats.org/drawingml/2006/diagram" xmlns:o="urn:schemas-microsoft-com:office:office" xmlns:v="urn:schemas-microsoft-com:vml" xmlns:pvml="urn:schemas-microsoft-com:office:powerpoint" xmlns:com="http://schemas.openxmlformats.org/drawingml/2006/compatibility" xmlns:p14="http://schemas.microsoft.com/office/powerpoint/2010/main">
+<p:sldLayout xmlns:a="http://schemas.openxmlformats.org/drawingml/2006/main" xmlns:r="http://schemas.openxmlformats.org/officeDocument/2006/relationships" xmlns:p="http://schemas.openxmlformats.org/presentationml/2006/main">
   <p:cSld name="Section title and description">
     <p:spTree>
       <p:nvGrpSpPr>
-        <p:cNvPr id="35" name="Shape 35"/>
+        <p:cNvPr id="1" name="Shape 35"/>
         <p:cNvGrpSpPr/>
         <p:nvPr/>
       </p:nvGrpSpPr>
@@ -2765,7 +2992,7 @@
           </a:ln>
         </p:spPr>
         <p:txBody>
-          <a:bodyPr anchorCtr="0" anchor="ctr" bIns="91425" lIns="91425" rIns="91425" tIns="91425">
+          <a:bodyPr lIns="91425" tIns="91425" rIns="91425" bIns="91425" anchor="ctr" anchorCtr="0">
             <a:noAutofit/>
           </a:bodyPr>
           <a:lstStyle/>
@@ -2776,9 +3003,6 @@
               </a:spcBef>
               <a:buNone/>
             </a:pPr>
-            <a:r>
-              <a:t/>
-            </a:r>
             <a:endParaRPr/>
           </a:p>
         </p:txBody>
@@ -2786,7 +3010,9 @@
       <p:sp>
         <p:nvSpPr>
           <p:cNvPr id="37" name="Shape 37"/>
-          <p:cNvSpPr txBox="1"/>
+          <p:cNvSpPr txBox="1">
+            <a:spLocks noGrp="1"/>
+          </p:cNvSpPr>
           <p:nvPr>
             <p:ph type="title"/>
           </p:nvPr>
@@ -2801,7 +3027,7 @@
           </a:prstGeom>
         </p:spPr>
         <p:txBody>
-          <a:bodyPr anchorCtr="0" anchor="b" bIns="91425" lIns="91425" rIns="91425" tIns="91425"/>
+          <a:bodyPr lIns="91425" tIns="91425" rIns="91425" bIns="91425" anchor="b" anchorCtr="0"/>
           <a:lstStyle>
             <a:lvl1pPr lvl="0" algn="ctr">
               <a:spcBef>
@@ -2867,15 +3093,19 @@
               <a:defRPr sz="4200"/>
             </a:lvl9pPr>
           </a:lstStyle>
-          <a:p/>
+          <a:p>
+            <a:endParaRPr/>
+          </a:p>
         </p:txBody>
       </p:sp>
       <p:sp>
         <p:nvSpPr>
           <p:cNvPr id="38" name="Shape 38"/>
-          <p:cNvSpPr txBox="1"/>
+          <p:cNvSpPr txBox="1">
+            <a:spLocks noGrp="1"/>
+          </p:cNvSpPr>
           <p:nvPr>
-            <p:ph idx="1" type="subTitle"/>
+            <p:ph type="subTitle" idx="1"/>
           </p:nvPr>
         </p:nvSpPr>
         <p:spPr>
@@ -2888,7 +3118,7 @@
           </a:prstGeom>
         </p:spPr>
         <p:txBody>
-          <a:bodyPr anchorCtr="0" anchor="t" bIns="91425" lIns="91425" rIns="91425" tIns="91425"/>
+          <a:bodyPr lIns="91425" tIns="91425" rIns="91425" bIns="91425" anchor="t" anchorCtr="0"/>
           <a:lstStyle>
             <a:lvl1pPr lvl="0" algn="ctr">
               <a:lnSpc>
@@ -3017,15 +3247,19 @@
               <a:defRPr sz="2100"/>
             </a:lvl9pPr>
           </a:lstStyle>
-          <a:p/>
+          <a:p>
+            <a:endParaRPr/>
+          </a:p>
         </p:txBody>
       </p:sp>
       <p:sp>
         <p:nvSpPr>
           <p:cNvPr id="39" name="Shape 39"/>
-          <p:cNvSpPr txBox="1"/>
+          <p:cNvSpPr txBox="1">
+            <a:spLocks noGrp="1"/>
+          </p:cNvSpPr>
           <p:nvPr>
-            <p:ph idx="2" type="body"/>
+            <p:ph type="body" idx="2"/>
           </p:nvPr>
         </p:nvSpPr>
         <p:spPr>
@@ -3038,7 +3272,7 @@
           </a:prstGeom>
         </p:spPr>
         <p:txBody>
-          <a:bodyPr anchorCtr="0" anchor="ctr" bIns="91425" lIns="91425" rIns="91425" tIns="91425"/>
+          <a:bodyPr lIns="91425" tIns="91425" rIns="91425" bIns="91425" anchor="ctr" anchorCtr="0"/>
           <a:lstStyle>
             <a:lvl1pPr lvl="0">
               <a:spcBef>
@@ -3095,15 +3329,19 @@
               <a:defRPr/>
             </a:lvl9pPr>
           </a:lstStyle>
-          <a:p/>
+          <a:p>
+            <a:endParaRPr/>
+          </a:p>
         </p:txBody>
       </p:sp>
       <p:sp>
         <p:nvSpPr>
           <p:cNvPr id="40" name="Shape 40"/>
-          <p:cNvSpPr txBox="1"/>
+          <p:cNvSpPr txBox="1">
+            <a:spLocks noGrp="1"/>
+          </p:cNvSpPr>
           <p:nvPr>
-            <p:ph idx="12" type="sldNum"/>
+            <p:ph type="sldNum" idx="12"/>
           </p:nvPr>
         </p:nvSpPr>
         <p:spPr>
@@ -3116,7 +3354,7 @@
           </a:prstGeom>
         </p:spPr>
         <p:txBody>
-          <a:bodyPr anchorCtr="0" anchor="ctr" bIns="91425" lIns="91425" rIns="91425" tIns="91425">
+          <a:bodyPr lIns="91425" tIns="91425" rIns="91425" bIns="91425" anchor="ctr" anchorCtr="0">
             <a:noAutofit/>
           </a:bodyPr>
           <a:lstStyle/>
@@ -3131,6 +3369,7 @@
               <a:rPr lang="en"/>
               <a:t>‹#›</a:t>
             </a:fld>
+            <a:endParaRPr lang="en"/>
           </a:p>
         </p:txBody>
       </p:sp>
@@ -3143,11 +3382,11 @@
 </file>
 
 <file path=ppt/slideLayouts/slideLayout9.xml><?xml version="1.0" encoding="utf-8"?>
-<p:sldLayout xmlns:a="http://schemas.openxmlformats.org/drawingml/2006/main" xmlns:r="http://schemas.openxmlformats.org/officeDocument/2006/relationships" xmlns:mc="http://schemas.openxmlformats.org/markup-compatibility/2006" xmlns:mv="urn:schemas-microsoft-com:mac:vml" xmlns:p="http://schemas.openxmlformats.org/presentationml/2006/main" xmlns:c="http://schemas.openxmlformats.org/drawingml/2006/chart" xmlns:dgm="http://schemas.openxmlformats.org/drawingml/2006/diagram" xmlns:o="urn:schemas-microsoft-com:office:office" xmlns:v="urn:schemas-microsoft-com:vml" xmlns:pvml="urn:schemas-microsoft-com:office:powerpoint" xmlns:com="http://schemas.openxmlformats.org/drawingml/2006/compatibility" xmlns:p14="http://schemas.microsoft.com/office/powerpoint/2010/main">
+<p:sldLayout xmlns:a="http://schemas.openxmlformats.org/drawingml/2006/main" xmlns:r="http://schemas.openxmlformats.org/officeDocument/2006/relationships" xmlns:p="http://schemas.openxmlformats.org/presentationml/2006/main">
   <p:cSld name="Caption">
     <p:spTree>
       <p:nvGrpSpPr>
-        <p:cNvPr id="41" name="Shape 41"/>
+        <p:cNvPr id="1" name="Shape 41"/>
         <p:cNvGrpSpPr/>
         <p:nvPr/>
       </p:nvGrpSpPr>
@@ -3162,9 +3401,11 @@
       <p:sp>
         <p:nvSpPr>
           <p:cNvPr id="42" name="Shape 42"/>
-          <p:cNvSpPr txBox="1"/>
+          <p:cNvSpPr txBox="1">
+            <a:spLocks noGrp="1"/>
+          </p:cNvSpPr>
           <p:nvPr>
-            <p:ph idx="1" type="body"/>
+            <p:ph type="body" idx="1"/>
           </p:nvPr>
         </p:nvSpPr>
         <p:spPr>
@@ -3177,7 +3418,7 @@
           </a:prstGeom>
         </p:spPr>
         <p:txBody>
-          <a:bodyPr anchorCtr="0" anchor="ctr" bIns="91425" lIns="91425" rIns="91425" tIns="91425"/>
+          <a:bodyPr lIns="91425" tIns="91425" rIns="91425" bIns="91425" anchor="ctr" anchorCtr="0"/>
           <a:lstStyle>
             <a:lvl1pPr lvl="0">
               <a:lnSpc>
@@ -3193,15 +3434,19 @@
               <a:defRPr/>
             </a:lvl1pPr>
           </a:lstStyle>
-          <a:p/>
+          <a:p>
+            <a:endParaRPr/>
+          </a:p>
         </p:txBody>
       </p:sp>
       <p:sp>
         <p:nvSpPr>
           <p:cNvPr id="43" name="Shape 43"/>
-          <p:cNvSpPr txBox="1"/>
+          <p:cNvSpPr txBox="1">
+            <a:spLocks noGrp="1"/>
+          </p:cNvSpPr>
           <p:nvPr>
-            <p:ph idx="12" type="sldNum"/>
+            <p:ph type="sldNum" idx="12"/>
           </p:nvPr>
         </p:nvSpPr>
         <p:spPr>
@@ -3214,7 +3459,7 @@
           </a:prstGeom>
         </p:spPr>
         <p:txBody>
-          <a:bodyPr anchorCtr="0" anchor="ctr" bIns="91425" lIns="91425" rIns="91425" tIns="91425">
+          <a:bodyPr lIns="91425" tIns="91425" rIns="91425" bIns="91425" anchor="ctr" anchorCtr="0">
             <a:noAutofit/>
           </a:bodyPr>
           <a:lstStyle/>
@@ -3229,6 +3474,7 @@
               <a:rPr lang="en"/>
               <a:t>‹#›</a:t>
             </a:fld>
+            <a:endParaRPr lang="en"/>
           </a:p>
         </p:txBody>
       </p:sp>
@@ -3241,18 +3487,19 @@
 </file>
 
 <file path=ppt/slideMasters/slideMaster1.xml><?xml version="1.0" encoding="utf-8"?>
-<p:sldMaster xmlns:a="http://schemas.openxmlformats.org/drawingml/2006/main" xmlns:r="http://schemas.openxmlformats.org/officeDocument/2006/relationships" xmlns:mc="http://schemas.openxmlformats.org/markup-compatibility/2006" xmlns:mv="urn:schemas-microsoft-com:mac:vml" xmlns:p="http://schemas.openxmlformats.org/presentationml/2006/main" xmlns:c="http://schemas.openxmlformats.org/drawingml/2006/chart" xmlns:dgm="http://schemas.openxmlformats.org/drawingml/2006/diagram" xmlns:o="urn:schemas-microsoft-com:office:office" xmlns:v="urn:schemas-microsoft-com:vml" xmlns:pvml="urn:schemas-microsoft-com:office:powerpoint" xmlns:com="http://schemas.openxmlformats.org/drawingml/2006/compatibility" xmlns:p14="http://schemas.microsoft.com/office/powerpoint/2010/main">
+<p:sldMaster xmlns:a="http://schemas.openxmlformats.org/drawingml/2006/main" xmlns:r="http://schemas.openxmlformats.org/officeDocument/2006/relationships" xmlns:p="http://schemas.openxmlformats.org/presentationml/2006/main">
   <p:cSld>
     <p:bg>
       <p:bgPr>
         <a:solidFill>
           <a:schemeClr val="lt1"/>
         </a:solidFill>
+        <a:effectLst/>
       </p:bgPr>
     </p:bg>
     <p:spTree>
       <p:nvGrpSpPr>
-        <p:cNvPr id="5" name="Shape 5"/>
+        <p:cNvPr id="1" name="Shape 5"/>
         <p:cNvGrpSpPr/>
         <p:nvPr/>
       </p:nvGrpSpPr>
@@ -3267,7 +3514,9 @@
       <p:sp>
         <p:nvSpPr>
           <p:cNvPr id="6" name="Shape 6"/>
-          <p:cNvSpPr txBox="1"/>
+          <p:cNvSpPr txBox="1">
+            <a:spLocks noGrp="1"/>
+          </p:cNvSpPr>
           <p:nvPr>
             <p:ph type="title"/>
           </p:nvPr>
@@ -3286,7 +3535,7 @@
           </a:ln>
         </p:spPr>
         <p:txBody>
-          <a:bodyPr anchorCtr="0" anchor="t" bIns="91425" lIns="91425" rIns="91425" tIns="91425"/>
+          <a:bodyPr lIns="91425" tIns="91425" rIns="91425" bIns="91425" anchor="t" anchorCtr="0"/>
           <a:lstStyle>
             <a:lvl1pPr lvl="0">
               <a:spcBef>
@@ -3424,15 +3673,19 @@
               </a:defRPr>
             </a:lvl9pPr>
           </a:lstStyle>
-          <a:p/>
+          <a:p>
+            <a:endParaRPr/>
+          </a:p>
         </p:txBody>
       </p:sp>
       <p:sp>
         <p:nvSpPr>
           <p:cNvPr id="7" name="Shape 7"/>
-          <p:cNvSpPr txBox="1"/>
+          <p:cNvSpPr txBox="1">
+            <a:spLocks noGrp="1"/>
+          </p:cNvSpPr>
           <p:nvPr>
-            <p:ph idx="1" type="body"/>
+            <p:ph type="body" idx="1"/>
           </p:nvPr>
         </p:nvSpPr>
         <p:spPr>
@@ -3449,7 +3702,7 @@
           </a:ln>
         </p:spPr>
         <p:txBody>
-          <a:bodyPr anchorCtr="0" anchor="t" bIns="91425" lIns="91425" rIns="91425" tIns="91425"/>
+          <a:bodyPr lIns="91425" tIns="91425" rIns="91425" bIns="91425" anchor="t" anchorCtr="0"/>
           <a:lstStyle>
             <a:lvl1pPr lvl="0">
               <a:lnSpc>
@@ -3624,15 +3877,19 @@
               </a:defRPr>
             </a:lvl9pPr>
           </a:lstStyle>
-          <a:p/>
+          <a:p>
+            <a:endParaRPr/>
+          </a:p>
         </p:txBody>
       </p:sp>
       <p:sp>
         <p:nvSpPr>
           <p:cNvPr id="8" name="Shape 8"/>
-          <p:cNvSpPr txBox="1"/>
+          <p:cNvSpPr txBox="1">
+            <a:spLocks noGrp="1"/>
+          </p:cNvSpPr>
           <p:nvPr>
-            <p:ph idx="12" type="sldNum"/>
+            <p:ph type="sldNum" idx="12"/>
           </p:nvPr>
         </p:nvSpPr>
         <p:spPr>
@@ -3649,7 +3906,7 @@
           </a:ln>
         </p:spPr>
         <p:txBody>
-          <a:bodyPr anchorCtr="0" anchor="ctr" bIns="91425" lIns="91425" rIns="91425" tIns="91425">
+          <a:bodyPr lIns="91425" tIns="91425" rIns="91425" bIns="91425" anchor="ctr" anchorCtr="0">
             <a:noAutofit/>
           </a:bodyPr>
           <a:lstStyle/>
@@ -3668,12 +3925,17 @@
               </a:rPr>
               <a:t>‹#›</a:t>
             </a:fld>
+            <a:endParaRPr lang="en" sz="1000">
+              <a:solidFill>
+                <a:schemeClr val="dk2"/>
+              </a:solidFill>
+            </a:endParaRPr>
           </a:p>
         </p:txBody>
       </p:sp>
     </p:spTree>
   </p:cSld>
-  <p:clrMap accent1="accent1" accent2="accent2" accent3="accent3" accent4="accent4" accent5="accent5" accent6="accent6" bg1="lt1" bg2="dk2" tx1="dk1" tx2="lt2" folHlink="folHlink" hlink="hlink"/>
+  <p:clrMap bg1="lt1" tx1="dk1" bg2="dk2" tx2="lt2" accent1="accent1" accent2="accent2" accent3="accent3" accent4="accent4" accent5="accent5" accent6="accent6" hlink="hlink" folHlink="folHlink"/>
   <p:sldLayoutIdLst>
     <p:sldLayoutId id="2147483648" r:id="rId1"/>
     <p:sldLayoutId id="2147483649" r:id="rId2"/>
@@ -3687,10 +3949,10 @@
     <p:sldLayoutId id="2147483657" r:id="rId10"/>
     <p:sldLayoutId id="2147483658" r:id="rId11"/>
   </p:sldLayoutIdLst>
-  <p:hf dt="0" ftr="0" hdr="0" sldNum="0"/>
+  <p:hf sldNum="0" hdr="0" ftr="0" dt="0"/>
   <p:txStyles>
     <p:titleStyle>
-      <a:defPPr lvl="0" marR="0" rtl="0" algn="l">
+      <a:defPPr marR="0" lvl="0" algn="l" rtl="0">
         <a:lnSpc>
           <a:spcPct val="100000"/>
         </a:lnSpc>
@@ -3701,7 +3963,7 @@
           <a:spcPts val="0"/>
         </a:spcAft>
       </a:defPPr>
-      <a:lvl1pPr lvl="0" marR="0" rtl="0" algn="l">
+      <a:lvl1pPr marR="0" lvl="0" algn="l" rtl="0">
         <a:lnSpc>
           <a:spcPct val="100000"/>
         </a:lnSpc>
@@ -3712,7 +3974,7 @@
           <a:spcPts val="0"/>
         </a:spcAft>
         <a:buNone/>
-        <a:defRPr b="0" i="0" sz="1400" u="none" cap="none" strike="noStrike">
+        <a:defRPr sz="1400" b="0" i="0" u="none" strike="noStrike" cap="none">
           <a:solidFill>
             <a:srgbClr val="000000"/>
           </a:solidFill>
@@ -3724,7 +3986,7 @@
       </a:lvl1pPr>
     </p:titleStyle>
     <p:bodyStyle>
-      <a:defPPr lvl="0" marR="0" rtl="0" algn="l">
+      <a:defPPr marR="0" lvl="0" algn="l" rtl="0">
         <a:lnSpc>
           <a:spcPct val="100000"/>
         </a:lnSpc>
@@ -3735,7 +3997,7 @@
           <a:spcPts val="0"/>
         </a:spcAft>
       </a:defPPr>
-      <a:lvl1pPr lvl="0" marR="0" rtl="0" algn="l">
+      <a:lvl1pPr marR="0" lvl="0" algn="l" rtl="0">
         <a:lnSpc>
           <a:spcPct val="100000"/>
         </a:lnSpc>
@@ -3746,7 +4008,7 @@
           <a:spcPts val="0"/>
         </a:spcAft>
         <a:buNone/>
-        <a:defRPr b="0" i="0" sz="1400" u="none" cap="none" strike="noStrike">
+        <a:defRPr sz="1400" b="0" i="0" u="none" strike="noStrike" cap="none">
           <a:solidFill>
             <a:srgbClr val="000000"/>
           </a:solidFill>
@@ -3756,7 +4018,7 @@
           <a:sym typeface="Arial"/>
         </a:defRPr>
       </a:lvl1pPr>
-      <a:lvl2pPr lvl="1" marR="0" rtl="0" algn="l">
+      <a:lvl2pPr marR="0" lvl="1" algn="l" rtl="0">
         <a:lnSpc>
           <a:spcPct val="100000"/>
         </a:lnSpc>
@@ -3767,7 +4029,7 @@
           <a:spcPts val="0"/>
         </a:spcAft>
         <a:buNone/>
-        <a:defRPr b="0" i="0" sz="1400" u="none" cap="none" strike="noStrike">
+        <a:defRPr sz="1400" b="0" i="0" u="none" strike="noStrike" cap="none">
           <a:solidFill>
             <a:srgbClr val="000000"/>
           </a:solidFill>
@@ -3777,7 +4039,7 @@
           <a:sym typeface="Arial"/>
         </a:defRPr>
       </a:lvl2pPr>
-      <a:lvl3pPr lvl="2" marR="0" rtl="0" algn="l">
+      <a:lvl3pPr marR="0" lvl="2" algn="l" rtl="0">
         <a:lnSpc>
           <a:spcPct val="100000"/>
         </a:lnSpc>
@@ -3788,7 +4050,7 @@
           <a:spcPts val="0"/>
         </a:spcAft>
         <a:buNone/>
-        <a:defRPr b="0" i="0" sz="1400" u="none" cap="none" strike="noStrike">
+        <a:defRPr sz="1400" b="0" i="0" u="none" strike="noStrike" cap="none">
           <a:solidFill>
             <a:srgbClr val="000000"/>
           </a:solidFill>
@@ -3798,7 +4060,7 @@
           <a:sym typeface="Arial"/>
         </a:defRPr>
       </a:lvl3pPr>
-      <a:lvl4pPr lvl="3" marR="0" rtl="0" algn="l">
+      <a:lvl4pPr marR="0" lvl="3" algn="l" rtl="0">
         <a:lnSpc>
           <a:spcPct val="100000"/>
         </a:lnSpc>
@@ -3809,7 +4071,7 @@
           <a:spcPts val="0"/>
         </a:spcAft>
         <a:buNone/>
-        <a:defRPr b="0" i="0" sz="1400" u="none" cap="none" strike="noStrike">
+        <a:defRPr sz="1400" b="0" i="0" u="none" strike="noStrike" cap="none">
           <a:solidFill>
             <a:srgbClr val="000000"/>
           </a:solidFill>
@@ -3819,7 +4081,7 @@
           <a:sym typeface="Arial"/>
         </a:defRPr>
       </a:lvl4pPr>
-      <a:lvl5pPr lvl="4" marR="0" rtl="0" algn="l">
+      <a:lvl5pPr marR="0" lvl="4" algn="l" rtl="0">
         <a:lnSpc>
           <a:spcPct val="100000"/>
         </a:lnSpc>
@@ -3830,7 +4092,7 @@
           <a:spcPts val="0"/>
         </a:spcAft>
         <a:buNone/>
-        <a:defRPr b="0" i="0" sz="1400" u="none" cap="none" strike="noStrike">
+        <a:defRPr sz="1400" b="0" i="0" u="none" strike="noStrike" cap="none">
           <a:solidFill>
             <a:srgbClr val="000000"/>
           </a:solidFill>
@@ -3840,7 +4102,7 @@
           <a:sym typeface="Arial"/>
         </a:defRPr>
       </a:lvl5pPr>
-      <a:lvl6pPr lvl="5" marR="0" rtl="0" algn="l">
+      <a:lvl6pPr marR="0" lvl="5" algn="l" rtl="0">
         <a:lnSpc>
           <a:spcPct val="100000"/>
         </a:lnSpc>
@@ -3851,7 +4113,7 @@
           <a:spcPts val="0"/>
         </a:spcAft>
         <a:buNone/>
-        <a:defRPr b="0" i="0" sz="1400" u="none" cap="none" strike="noStrike">
+        <a:defRPr sz="1400" b="0" i="0" u="none" strike="noStrike" cap="none">
           <a:solidFill>
             <a:srgbClr val="000000"/>
           </a:solidFill>
@@ -3861,7 +4123,7 @@
           <a:sym typeface="Arial"/>
         </a:defRPr>
       </a:lvl6pPr>
-      <a:lvl7pPr lvl="6" marR="0" rtl="0" algn="l">
+      <a:lvl7pPr marR="0" lvl="6" algn="l" rtl="0">
         <a:lnSpc>
           <a:spcPct val="100000"/>
         </a:lnSpc>
@@ -3872,7 +4134,7 @@
           <a:spcPts val="0"/>
         </a:spcAft>
         <a:buNone/>
-        <a:defRPr b="0" i="0" sz="1400" u="none" cap="none" strike="noStrike">
+        <a:defRPr sz="1400" b="0" i="0" u="none" strike="noStrike" cap="none">
           <a:solidFill>
             <a:srgbClr val="000000"/>
           </a:solidFill>
@@ -3882,7 +4144,7 @@
           <a:sym typeface="Arial"/>
         </a:defRPr>
       </a:lvl7pPr>
-      <a:lvl8pPr lvl="7" marR="0" rtl="0" algn="l">
+      <a:lvl8pPr marR="0" lvl="7" algn="l" rtl="0">
         <a:lnSpc>
           <a:spcPct val="100000"/>
         </a:lnSpc>
@@ -3893,7 +4155,7 @@
           <a:spcPts val="0"/>
         </a:spcAft>
         <a:buNone/>
-        <a:defRPr b="0" i="0" sz="1400" u="none" cap="none" strike="noStrike">
+        <a:defRPr sz="1400" b="0" i="0" u="none" strike="noStrike" cap="none">
           <a:solidFill>
             <a:srgbClr val="000000"/>
           </a:solidFill>
@@ -3903,7 +4165,7 @@
           <a:sym typeface="Arial"/>
         </a:defRPr>
       </a:lvl8pPr>
-      <a:lvl9pPr lvl="8" marR="0" rtl="0" algn="l">
+      <a:lvl9pPr marR="0" lvl="8" algn="l" rtl="0">
         <a:lnSpc>
           <a:spcPct val="100000"/>
         </a:lnSpc>
@@ -3914,7 +4176,7 @@
           <a:spcPts val="0"/>
         </a:spcAft>
         <a:buNone/>
-        <a:defRPr b="0" i="0" sz="1400" u="none" cap="none" strike="noStrike">
+        <a:defRPr sz="1400" b="0" i="0" u="none" strike="noStrike" cap="none">
           <a:solidFill>
             <a:srgbClr val="000000"/>
           </a:solidFill>
@@ -3926,7 +4188,7 @@
       </a:lvl9pPr>
     </p:bodyStyle>
     <p:otherStyle>
-      <a:defPPr lvl="0" marR="0" rtl="0" algn="l">
+      <a:defPPr marR="0" lvl="0" algn="l" rtl="0">
         <a:lnSpc>
           <a:spcPct val="100000"/>
         </a:lnSpc>
@@ -3937,7 +4199,7 @@
           <a:spcPts val="0"/>
         </a:spcAft>
       </a:defPPr>
-      <a:lvl1pPr lvl="0" marR="0" rtl="0" algn="l">
+      <a:lvl1pPr marR="0" lvl="0" algn="l" rtl="0">
         <a:lnSpc>
           <a:spcPct val="100000"/>
         </a:lnSpc>
@@ -3948,7 +4210,7 @@
           <a:spcPts val="0"/>
         </a:spcAft>
         <a:buNone/>
-        <a:defRPr b="0" i="0" sz="1400" u="none" cap="none" strike="noStrike">
+        <a:defRPr sz="1400" b="0" i="0" u="none" strike="noStrike" cap="none">
           <a:solidFill>
             <a:srgbClr val="000000"/>
           </a:solidFill>
@@ -3958,7 +4220,7 @@
           <a:sym typeface="Arial"/>
         </a:defRPr>
       </a:lvl1pPr>
-      <a:lvl2pPr lvl="1" marR="0" rtl="0" algn="l">
+      <a:lvl2pPr marR="0" lvl="1" algn="l" rtl="0">
         <a:lnSpc>
           <a:spcPct val="100000"/>
         </a:lnSpc>
@@ -3969,7 +4231,7 @@
           <a:spcPts val="0"/>
         </a:spcAft>
         <a:buNone/>
-        <a:defRPr b="0" i="0" sz="1400" u="none" cap="none" strike="noStrike">
+        <a:defRPr sz="1400" b="0" i="0" u="none" strike="noStrike" cap="none">
           <a:solidFill>
             <a:srgbClr val="000000"/>
           </a:solidFill>
@@ -3979,7 +4241,7 @@
           <a:sym typeface="Arial"/>
         </a:defRPr>
       </a:lvl2pPr>
-      <a:lvl3pPr lvl="2" marR="0" rtl="0" algn="l">
+      <a:lvl3pPr marR="0" lvl="2" algn="l" rtl="0">
         <a:lnSpc>
           <a:spcPct val="100000"/>
         </a:lnSpc>
@@ -3990,7 +4252,7 @@
           <a:spcPts val="0"/>
         </a:spcAft>
         <a:buNone/>
-        <a:defRPr b="0" i="0" sz="1400" u="none" cap="none" strike="noStrike">
+        <a:defRPr sz="1400" b="0" i="0" u="none" strike="noStrike" cap="none">
           <a:solidFill>
             <a:srgbClr val="000000"/>
           </a:solidFill>
@@ -4000,7 +4262,7 @@
           <a:sym typeface="Arial"/>
         </a:defRPr>
       </a:lvl3pPr>
-      <a:lvl4pPr lvl="3" marR="0" rtl="0" algn="l">
+      <a:lvl4pPr marR="0" lvl="3" algn="l" rtl="0">
         <a:lnSpc>
           <a:spcPct val="100000"/>
         </a:lnSpc>
@@ -4011,7 +4273,7 @@
           <a:spcPts val="0"/>
         </a:spcAft>
         <a:buNone/>
-        <a:defRPr b="0" i="0" sz="1400" u="none" cap="none" strike="noStrike">
+        <a:defRPr sz="1400" b="0" i="0" u="none" strike="noStrike" cap="none">
           <a:solidFill>
             <a:srgbClr val="000000"/>
           </a:solidFill>
@@ -4021,7 +4283,7 @@
           <a:sym typeface="Arial"/>
         </a:defRPr>
       </a:lvl4pPr>
-      <a:lvl5pPr lvl="4" marR="0" rtl="0" algn="l">
+      <a:lvl5pPr marR="0" lvl="4" algn="l" rtl="0">
         <a:lnSpc>
           <a:spcPct val="100000"/>
         </a:lnSpc>
@@ -4032,7 +4294,7 @@
           <a:spcPts val="0"/>
         </a:spcAft>
         <a:buNone/>
-        <a:defRPr b="0" i="0" sz="1400" u="none" cap="none" strike="noStrike">
+        <a:defRPr sz="1400" b="0" i="0" u="none" strike="noStrike" cap="none">
           <a:solidFill>
             <a:srgbClr val="000000"/>
           </a:solidFill>
@@ -4042,7 +4304,7 @@
           <a:sym typeface="Arial"/>
         </a:defRPr>
       </a:lvl5pPr>
-      <a:lvl6pPr lvl="5" marR="0" rtl="0" algn="l">
+      <a:lvl6pPr marR="0" lvl="5" algn="l" rtl="0">
         <a:lnSpc>
           <a:spcPct val="100000"/>
         </a:lnSpc>
@@ -4053,7 +4315,7 @@
           <a:spcPts val="0"/>
         </a:spcAft>
         <a:buNone/>
-        <a:defRPr b="0" i="0" sz="1400" u="none" cap="none" strike="noStrike">
+        <a:defRPr sz="1400" b="0" i="0" u="none" strike="noStrike" cap="none">
           <a:solidFill>
             <a:srgbClr val="000000"/>
           </a:solidFill>
@@ -4063,7 +4325,7 @@
           <a:sym typeface="Arial"/>
         </a:defRPr>
       </a:lvl6pPr>
-      <a:lvl7pPr lvl="6" marR="0" rtl="0" algn="l">
+      <a:lvl7pPr marR="0" lvl="6" algn="l" rtl="0">
         <a:lnSpc>
           <a:spcPct val="100000"/>
         </a:lnSpc>
@@ -4074,7 +4336,7 @@
           <a:spcPts val="0"/>
         </a:spcAft>
         <a:buNone/>
-        <a:defRPr b="0" i="0" sz="1400" u="none" cap="none" strike="noStrike">
+        <a:defRPr sz="1400" b="0" i="0" u="none" strike="noStrike" cap="none">
           <a:solidFill>
             <a:srgbClr val="000000"/>
           </a:solidFill>
@@ -4084,7 +4346,7 @@
           <a:sym typeface="Arial"/>
         </a:defRPr>
       </a:lvl7pPr>
-      <a:lvl8pPr lvl="7" marR="0" rtl="0" algn="l">
+      <a:lvl8pPr marR="0" lvl="7" algn="l" rtl="0">
         <a:lnSpc>
           <a:spcPct val="100000"/>
         </a:lnSpc>
@@ -4095,7 +4357,7 @@
           <a:spcPts val="0"/>
         </a:spcAft>
         <a:buNone/>
-        <a:defRPr b="0" i="0" sz="1400" u="none" cap="none" strike="noStrike">
+        <a:defRPr sz="1400" b="0" i="0" u="none" strike="noStrike" cap="none">
           <a:solidFill>
             <a:srgbClr val="000000"/>
           </a:solidFill>
@@ -4105,7 +4367,7 @@
           <a:sym typeface="Arial"/>
         </a:defRPr>
       </a:lvl8pPr>
-      <a:lvl9pPr lvl="8" marR="0" rtl="0" algn="l">
+      <a:lvl9pPr marR="0" lvl="8" algn="l" rtl="0">
         <a:lnSpc>
           <a:spcPct val="100000"/>
         </a:lnSpc>
@@ -4116,7 +4378,7 @@
           <a:spcPts val="0"/>
         </a:spcAft>
         <a:buNone/>
-        <a:defRPr b="0" i="0" sz="1400" u="none" cap="none" strike="noStrike">
+        <a:defRPr sz="1400" b="0" i="0" u="none" strike="noStrike" cap="none">
           <a:solidFill>
             <a:srgbClr val="000000"/>
           </a:solidFill>
@@ -4132,11 +4394,11 @@
 </file>
 
 <file path=ppt/slides/slide1.xml><?xml version="1.0" encoding="utf-8"?>
-<p:sld xmlns:a="http://schemas.openxmlformats.org/drawingml/2006/main" xmlns:r="http://schemas.openxmlformats.org/officeDocument/2006/relationships" xmlns:mc="http://schemas.openxmlformats.org/markup-compatibility/2006" xmlns:mv="urn:schemas-microsoft-com:mac:vml" xmlns:p="http://schemas.openxmlformats.org/presentationml/2006/main" xmlns:c="http://schemas.openxmlformats.org/drawingml/2006/chart" xmlns:dgm="http://schemas.openxmlformats.org/drawingml/2006/diagram" xmlns:o="urn:schemas-microsoft-com:office:office" xmlns:v="urn:schemas-microsoft-com:vml" xmlns:pvml="urn:schemas-microsoft-com:office:powerpoint" xmlns:com="http://schemas.openxmlformats.org/drawingml/2006/compatibility" xmlns:p14="http://schemas.microsoft.com/office/powerpoint/2010/main">
+<p:sld xmlns:a="http://schemas.openxmlformats.org/drawingml/2006/main" xmlns:r="http://schemas.openxmlformats.org/officeDocument/2006/relationships" xmlns:p="http://schemas.openxmlformats.org/presentationml/2006/main">
   <p:cSld>
     <p:spTree>
       <p:nvGrpSpPr>
-        <p:cNvPr id="53" name="Shape 53"/>
+        <p:cNvPr id="1" name="Shape 53"/>
         <p:cNvGrpSpPr/>
         <p:nvPr/>
       </p:nvGrpSpPr>
@@ -4151,7 +4413,9 @@
       <p:sp>
         <p:nvSpPr>
           <p:cNvPr id="54" name="Shape 54"/>
-          <p:cNvSpPr txBox="1"/>
+          <p:cNvSpPr txBox="1">
+            <a:spLocks noGrp="1"/>
+          </p:cNvSpPr>
           <p:nvPr>
             <p:ph type="ctrTitle"/>
           </p:nvPr>
@@ -4166,7 +4430,7 @@
           </a:prstGeom>
         </p:spPr>
         <p:txBody>
-          <a:bodyPr anchorCtr="0" anchor="b" bIns="91425" lIns="91425" rIns="91425" tIns="91425">
+          <a:bodyPr lIns="91425" tIns="91425" rIns="91425" bIns="91425" anchor="b" anchorCtr="0">
             <a:noAutofit/>
           </a:bodyPr>
           <a:lstStyle/>
@@ -4187,9 +4451,11 @@
       <p:sp>
         <p:nvSpPr>
           <p:cNvPr id="55" name="Shape 55"/>
-          <p:cNvSpPr txBox="1"/>
+          <p:cNvSpPr txBox="1">
+            <a:spLocks noGrp="1"/>
+          </p:cNvSpPr>
           <p:nvPr>
-            <p:ph idx="1" type="subTitle"/>
+            <p:ph type="subTitle" idx="1"/>
           </p:nvPr>
         </p:nvSpPr>
         <p:spPr>
@@ -4202,7 +4468,7 @@
           </a:prstGeom>
         </p:spPr>
         <p:txBody>
-          <a:bodyPr anchorCtr="0" anchor="t" bIns="91425" lIns="91425" rIns="91425" tIns="91425">
+          <a:bodyPr lIns="91425" tIns="91425" rIns="91425" bIns="91425" anchor="t" anchorCtr="0">
             <a:noAutofit/>
           </a:bodyPr>
           <a:lstStyle/>
@@ -4229,11 +4495,11 @@
 </file>
 
 <file path=ppt/slides/slide2.xml><?xml version="1.0" encoding="utf-8"?>
-<p:sld xmlns:a="http://schemas.openxmlformats.org/drawingml/2006/main" xmlns:r="http://schemas.openxmlformats.org/officeDocument/2006/relationships" xmlns:mc="http://schemas.openxmlformats.org/markup-compatibility/2006" xmlns:mv="urn:schemas-microsoft-com:mac:vml" xmlns:p="http://schemas.openxmlformats.org/presentationml/2006/main" xmlns:c="http://schemas.openxmlformats.org/drawingml/2006/chart" xmlns:dgm="http://schemas.openxmlformats.org/drawingml/2006/diagram" xmlns:o="urn:schemas-microsoft-com:office:office" xmlns:v="urn:schemas-microsoft-com:vml" xmlns:pvml="urn:schemas-microsoft-com:office:powerpoint" xmlns:com="http://schemas.openxmlformats.org/drawingml/2006/compatibility" xmlns:p14="http://schemas.microsoft.com/office/powerpoint/2010/main">
+<p:sld xmlns:a="http://schemas.openxmlformats.org/drawingml/2006/main" xmlns:r="http://schemas.openxmlformats.org/officeDocument/2006/relationships" xmlns:p="http://schemas.openxmlformats.org/presentationml/2006/main">
   <p:cSld>
     <p:spTree>
       <p:nvGrpSpPr>
-        <p:cNvPr id="59" name="Shape 59"/>
+        <p:cNvPr id="1" name="Shape 59"/>
         <p:cNvGrpSpPr/>
         <p:nvPr/>
       </p:nvGrpSpPr>
@@ -4248,7 +4514,9 @@
       <p:sp>
         <p:nvSpPr>
           <p:cNvPr id="60" name="Shape 60"/>
-          <p:cNvSpPr txBox="1"/>
+          <p:cNvSpPr txBox="1">
+            <a:spLocks noGrp="1"/>
+          </p:cNvSpPr>
           <p:nvPr>
             <p:ph type="title"/>
           </p:nvPr>
@@ -4263,7 +4531,7 @@
           </a:prstGeom>
         </p:spPr>
         <p:txBody>
-          <a:bodyPr anchorCtr="0" anchor="t" bIns="91425" lIns="91425" rIns="91425" tIns="91425">
+          <a:bodyPr lIns="91425" tIns="91425" rIns="91425" bIns="91425" anchor="t" anchorCtr="0">
             <a:noAutofit/>
           </a:bodyPr>
           <a:lstStyle/>
@@ -4320,9 +4588,11 @@
       <p:sp>
         <p:nvSpPr>
           <p:cNvPr id="61" name="Shape 61"/>
-          <p:cNvSpPr txBox="1"/>
+          <p:cNvSpPr txBox="1">
+            <a:spLocks noGrp="1"/>
+          </p:cNvSpPr>
           <p:nvPr>
-            <p:ph idx="1" type="body"/>
+            <p:ph type="body" idx="1"/>
           </p:nvPr>
         </p:nvSpPr>
         <p:spPr>
@@ -4335,7 +4605,7 @@
           </a:prstGeom>
         </p:spPr>
         <p:txBody>
-          <a:bodyPr anchorCtr="0" anchor="t" bIns="91425" lIns="91425" rIns="91425" tIns="91425">
+          <a:bodyPr lIns="91425" tIns="91425" rIns="91425" bIns="91425" anchor="t" anchorCtr="0">
             <a:noAutofit/>
           </a:bodyPr>
           <a:lstStyle/>
@@ -4397,7 +4667,7 @@
           </a:ln>
         </p:spPr>
         <p:txBody>
-          <a:bodyPr anchorCtr="0" anchor="t" bIns="91425" lIns="91425" rIns="91425" tIns="91425">
+          <a:bodyPr lIns="91425" tIns="91425" rIns="91425" bIns="91425" anchor="t" anchorCtr="0">
             <a:noAutofit/>
           </a:bodyPr>
           <a:lstStyle/>
@@ -4420,9 +4690,6 @@
               </a:spcBef>
               <a:buNone/>
             </a:pPr>
-            <a:r>
-              <a:t/>
-            </a:r>
             <a:endParaRPr/>
           </a:p>
           <a:p>
@@ -4444,9 +4711,6 @@
               </a:spcBef>
               <a:buNone/>
             </a:pPr>
-            <a:r>
-              <a:t/>
-            </a:r>
             <a:endParaRPr/>
           </a:p>
           <a:p>
@@ -4488,18 +4752,18 @@
           <a:solidFill>
             <a:schemeClr val="lt2"/>
           </a:solidFill>
-          <a:ln cap="flat" cmpd="sng" w="9525">
+          <a:ln w="9525" cap="flat" cmpd="sng">
             <a:solidFill>
               <a:schemeClr val="dk2"/>
             </a:solidFill>
             <a:prstDash val="solid"/>
             <a:round/>
-            <a:headEnd len="med" w="med" type="none"/>
-            <a:tailEnd len="med" w="med" type="none"/>
+            <a:headEnd type="none" w="med" len="med"/>
+            <a:tailEnd type="none" w="med" len="med"/>
           </a:ln>
         </p:spPr>
         <p:txBody>
-          <a:bodyPr anchorCtr="0" anchor="ctr" bIns="91425" lIns="91425" rIns="91425" tIns="91425">
+          <a:bodyPr lIns="91425" tIns="91425" rIns="91425" bIns="91425" anchor="ctr" anchorCtr="0">
             <a:noAutofit/>
           </a:bodyPr>
           <a:lstStyle/>
@@ -4510,9 +4774,6 @@
               </a:spcBef>
               <a:buNone/>
             </a:pPr>
-            <a:r>
-              <a:t/>
-            </a:r>
             <a:endParaRPr/>
           </a:p>
         </p:txBody>
@@ -4534,18 +4795,18 @@
           <a:solidFill>
             <a:schemeClr val="lt2"/>
           </a:solidFill>
-          <a:ln cap="flat" cmpd="sng" w="9525">
+          <a:ln w="9525" cap="flat" cmpd="sng">
             <a:solidFill>
               <a:schemeClr val="dk2"/>
             </a:solidFill>
             <a:prstDash val="solid"/>
             <a:round/>
-            <a:headEnd len="med" w="med" type="none"/>
-            <a:tailEnd len="med" w="med" type="none"/>
+            <a:headEnd type="none" w="med" len="med"/>
+            <a:tailEnd type="none" w="med" len="med"/>
           </a:ln>
         </p:spPr>
         <p:txBody>
-          <a:bodyPr anchorCtr="0" anchor="ctr" bIns="91425" lIns="91425" rIns="91425" tIns="91425">
+          <a:bodyPr lIns="91425" tIns="91425" rIns="91425" bIns="91425" anchor="ctr" anchorCtr="0">
             <a:noAutofit/>
           </a:bodyPr>
           <a:lstStyle/>
@@ -4556,9 +4817,6 @@
               </a:spcBef>
               <a:buNone/>
             </a:pPr>
-            <a:r>
-              <a:t/>
-            </a:r>
             <a:endParaRPr/>
           </a:p>
         </p:txBody>
@@ -4570,7 +4828,7 @@
           <p:nvPr/>
         </p:nvCxnSpPr>
         <p:spPr>
-          <a:xfrm flipH="1" rot="10800000">
+          <a:xfrm rot="10800000" flipH="1">
             <a:off x="317725" y="1570275"/>
             <a:ext cx="8474700" cy="17700"/>
           </a:xfrm>
@@ -4578,14 +4836,14 @@
             <a:avLst/>
           </a:prstGeom>
           <a:noFill/>
-          <a:ln cap="flat" cmpd="sng" w="9525">
+          <a:ln w="9525" cap="flat" cmpd="sng">
             <a:solidFill>
               <a:schemeClr val="dk2"/>
             </a:solidFill>
             <a:prstDash val="solid"/>
             <a:round/>
-            <a:headEnd len="lg" w="lg" type="none"/>
-            <a:tailEnd len="lg" w="lg" type="none"/>
+            <a:headEnd type="none" w="lg" len="lg"/>
+            <a:tailEnd type="none" w="lg" len="lg"/>
           </a:ln>
         </p:spPr>
       </p:cxnSp>
@@ -4606,18 +4864,18 @@
           <a:solidFill>
             <a:schemeClr val="lt2"/>
           </a:solidFill>
-          <a:ln cap="flat" cmpd="sng" w="9525">
+          <a:ln w="9525" cap="flat" cmpd="sng">
             <a:solidFill>
               <a:schemeClr val="dk2"/>
             </a:solidFill>
             <a:prstDash val="solid"/>
             <a:round/>
-            <a:headEnd len="med" w="med" type="none"/>
-            <a:tailEnd len="med" w="med" type="none"/>
+            <a:headEnd type="none" w="med" len="med"/>
+            <a:tailEnd type="none" w="med" len="med"/>
           </a:ln>
         </p:spPr>
         <p:txBody>
-          <a:bodyPr anchorCtr="0" anchor="ctr" bIns="91425" lIns="91425" rIns="91425" tIns="91425">
+          <a:bodyPr lIns="91425" tIns="91425" rIns="91425" bIns="91425" anchor="ctr" anchorCtr="0">
             <a:noAutofit/>
           </a:bodyPr>
           <a:lstStyle/>
@@ -4628,9 +4886,6 @@
               </a:spcBef>
               <a:buNone/>
             </a:pPr>
-            <a:r>
-              <a:t/>
-            </a:r>
             <a:endParaRPr/>
           </a:p>
         </p:txBody>
@@ -4644,11 +4899,11 @@
 </file>
 
 <file path=ppt/slides/slide3.xml><?xml version="1.0" encoding="utf-8"?>
-<p:sld xmlns:a="http://schemas.openxmlformats.org/drawingml/2006/main" xmlns:r="http://schemas.openxmlformats.org/officeDocument/2006/relationships" xmlns:mc="http://schemas.openxmlformats.org/markup-compatibility/2006" xmlns:mv="urn:schemas-microsoft-com:mac:vml" xmlns:p="http://schemas.openxmlformats.org/presentationml/2006/main" xmlns:c="http://schemas.openxmlformats.org/drawingml/2006/chart" xmlns:dgm="http://schemas.openxmlformats.org/drawingml/2006/diagram" xmlns:o="urn:schemas-microsoft-com:office:office" xmlns:v="urn:schemas-microsoft-com:vml" xmlns:pvml="urn:schemas-microsoft-com:office:powerpoint" xmlns:com="http://schemas.openxmlformats.org/drawingml/2006/compatibility" xmlns:p14="http://schemas.microsoft.com/office/powerpoint/2010/main">
+<p:sld xmlns:a="http://schemas.openxmlformats.org/drawingml/2006/main" xmlns:r="http://schemas.openxmlformats.org/officeDocument/2006/relationships" xmlns:p="http://schemas.openxmlformats.org/presentationml/2006/main">
   <p:cSld>
     <p:spTree>
       <p:nvGrpSpPr>
-        <p:cNvPr id="70" name="Shape 70"/>
+        <p:cNvPr id="1" name="Shape 70"/>
         <p:cNvGrpSpPr/>
         <p:nvPr/>
       </p:nvGrpSpPr>
@@ -4663,7 +4918,9 @@
       <p:sp>
         <p:nvSpPr>
           <p:cNvPr id="71" name="Shape 71"/>
-          <p:cNvSpPr txBox="1"/>
+          <p:cNvSpPr txBox="1">
+            <a:spLocks noGrp="1"/>
+          </p:cNvSpPr>
           <p:nvPr>
             <p:ph type="title"/>
           </p:nvPr>
@@ -4678,7 +4935,7 @@
           </a:prstGeom>
         </p:spPr>
         <p:txBody>
-          <a:bodyPr anchorCtr="0" anchor="t" bIns="91425" lIns="91425" rIns="91425" tIns="91425">
+          <a:bodyPr lIns="91425" tIns="91425" rIns="91425" bIns="91425" anchor="t" anchorCtr="0">
             <a:noAutofit/>
           </a:bodyPr>
           <a:lstStyle/>
@@ -4699,9 +4956,11 @@
       <p:sp>
         <p:nvSpPr>
           <p:cNvPr id="72" name="Shape 72"/>
-          <p:cNvSpPr txBox="1"/>
+          <p:cNvSpPr txBox="1">
+            <a:spLocks noGrp="1"/>
+          </p:cNvSpPr>
           <p:nvPr>
-            <p:ph idx="1" type="body"/>
+            <p:ph type="body" idx="1"/>
           </p:nvPr>
         </p:nvSpPr>
         <p:spPr>
@@ -4714,7 +4973,7 @@
           </a:prstGeom>
         </p:spPr>
         <p:txBody>
-          <a:bodyPr anchorCtr="0" anchor="t" bIns="91425" lIns="91425" rIns="91425" tIns="91425">
+          <a:bodyPr lIns="91425" tIns="91425" rIns="91425" bIns="91425" anchor="t" anchorCtr="0">
             <a:noAutofit/>
           </a:bodyPr>
           <a:lstStyle/>
@@ -4726,7 +4985,7 @@
               <a:buNone/>
             </a:pPr>
             <a:r>
-              <a:rPr b="1" lang="en"/>
+              <a:rPr lang="en" b="1"/>
               <a:t>My Repertoire</a:t>
             </a:r>
           </a:p>
@@ -4779,7 +5038,7 @@
             </a:r>
           </a:p>
           <a:p>
-            <a:pPr lvl="0" rtl="0" algn="ctr">
+            <a:pPr lvl="0" algn="ctr" rtl="0">
               <a:spcBef>
                 <a:spcPts val="0"/>
               </a:spcBef>
@@ -4791,7 +5050,7 @@
             </a:r>
           </a:p>
           <a:p>
-            <a:pPr lvl="0" rtl="0" algn="ctr">
+            <a:pPr lvl="0" algn="ctr" rtl="0">
               <a:spcBef>
                 <a:spcPts val="0"/>
               </a:spcBef>
@@ -4811,9 +5070,11 @@
       <p:sp>
         <p:nvSpPr>
           <p:cNvPr id="73" name="Shape 73"/>
-          <p:cNvSpPr txBox="1"/>
+          <p:cNvSpPr txBox="1">
+            <a:spLocks noGrp="1"/>
+          </p:cNvSpPr>
           <p:nvPr>
-            <p:ph idx="1" type="body"/>
+            <p:ph type="body" idx="1"/>
           </p:nvPr>
         </p:nvSpPr>
         <p:spPr>
@@ -4826,12 +5087,12 @@
           </a:prstGeom>
         </p:spPr>
         <p:txBody>
-          <a:bodyPr anchorCtr="0" anchor="t" bIns="91425" lIns="91425" rIns="91425" tIns="91425">
+          <a:bodyPr lIns="91425" tIns="91425" rIns="91425" bIns="91425" anchor="t" anchorCtr="0">
             <a:noAutofit/>
           </a:bodyPr>
           <a:lstStyle/>
           <a:p>
-            <a:pPr lvl="0" rtl="0" algn="ctr">
+            <a:pPr lvl="0" algn="ctr" rtl="0">
               <a:spcBef>
                 <a:spcPts val="0"/>
               </a:spcBef>
@@ -4843,7 +5104,7 @@
             </a:r>
           </a:p>
           <a:p>
-            <a:pPr lvl="0" rtl="0" algn="ctr">
+            <a:pPr lvl="0" algn="ctr" rtl="0">
               <a:spcBef>
                 <a:spcPts val="0"/>
               </a:spcBef>
@@ -4855,7 +5116,7 @@
             </a:r>
           </a:p>
           <a:p>
-            <a:pPr lvl="0" rtl="0" algn="ctr">
+            <a:pPr lvl="0" algn="ctr" rtl="0">
               <a:spcBef>
                 <a:spcPts val="0"/>
               </a:spcBef>
@@ -4867,7 +5128,7 @@
             </a:r>
           </a:p>
           <a:p>
-            <a:pPr lvl="0" rtl="0" algn="ctr">
+            <a:pPr lvl="0" algn="ctr" rtl="0">
               <a:spcBef>
                 <a:spcPts val="0"/>
               </a:spcBef>
@@ -4879,7 +5140,7 @@
             </a:r>
           </a:p>
           <a:p>
-            <a:pPr lvl="0" rtl="0" algn="ctr">
+            <a:pPr lvl="0" algn="ctr" rtl="0">
               <a:spcBef>
                 <a:spcPts val="0"/>
               </a:spcBef>
@@ -4891,7 +5152,7 @@
             </a:r>
           </a:p>
           <a:p>
-            <a:pPr lvl="0" rtl="0" algn="ctr">
+            <a:pPr lvl="0" algn="ctr" rtl="0">
               <a:spcBef>
                 <a:spcPts val="0"/>
               </a:spcBef>
@@ -4907,9 +5168,11 @@
       <p:sp>
         <p:nvSpPr>
           <p:cNvPr id="74" name="Shape 74"/>
-          <p:cNvSpPr txBox="1"/>
+          <p:cNvSpPr txBox="1">
+            <a:spLocks noGrp="1"/>
+          </p:cNvSpPr>
           <p:nvPr>
-            <p:ph idx="1" type="body"/>
+            <p:ph type="body" idx="1"/>
           </p:nvPr>
         </p:nvSpPr>
         <p:spPr>
@@ -4922,79 +5185,79 @@
           </a:prstGeom>
         </p:spPr>
         <p:txBody>
-          <a:bodyPr anchorCtr="0" anchor="t" bIns="91425" lIns="91425" rIns="91425" tIns="91425">
+          <a:bodyPr lIns="91425" tIns="91425" rIns="91425" bIns="91425" anchor="t" anchorCtr="0">
             <a:noAutofit/>
           </a:bodyPr>
           <a:lstStyle/>
           <a:p>
-            <a:pPr lvl="0" rtl="0" algn="ctr">
-              <a:spcBef>
-                <a:spcPts val="0"/>
-              </a:spcBef>
-              <a:buNone/>
-            </a:pPr>
-            <a:r>
-              <a:rPr lang="en"/>
+            <a:pPr lvl="0" algn="ctr" rtl="0">
+              <a:spcBef>
+                <a:spcPts val="0"/>
+              </a:spcBef>
+              <a:buNone/>
+            </a:pPr>
+            <a:r>
+              <a:rPr lang="en" dirty="0"/>
               <a:t>  </a:t>
             </a:r>
           </a:p>
           <a:p>
-            <a:pPr lvl="0" rtl="0" algn="ctr">
-              <a:spcBef>
-                <a:spcPts val="0"/>
-              </a:spcBef>
-              <a:buNone/>
-            </a:pPr>
-            <a:r>
-              <a:rPr lang="en"/>
+            <a:pPr lvl="0" algn="ctr" rtl="0">
+              <a:spcBef>
+                <a:spcPts val="0"/>
+              </a:spcBef>
+              <a:buNone/>
+            </a:pPr>
+            <a:r>
+              <a:rPr lang="en" dirty="0"/>
               <a:t>Play</a:t>
             </a:r>
           </a:p>
           <a:p>
-            <a:pPr lvl="0" rtl="0" algn="ctr">
-              <a:spcBef>
-                <a:spcPts val="0"/>
-              </a:spcBef>
-              <a:buNone/>
-            </a:pPr>
-            <a:r>
-              <a:rPr lang="en"/>
+            <a:pPr lvl="0" algn="ctr" rtl="0">
+              <a:spcBef>
+                <a:spcPts val="0"/>
+              </a:spcBef>
+              <a:buNone/>
+            </a:pPr>
+            <a:r>
+              <a:rPr lang="en" dirty="0"/>
               <a:t>Play</a:t>
             </a:r>
           </a:p>
           <a:p>
-            <a:pPr lvl="0" rtl="0" algn="ctr">
-              <a:spcBef>
-                <a:spcPts val="0"/>
-              </a:spcBef>
-              <a:buNone/>
-            </a:pPr>
-            <a:r>
-              <a:rPr lang="en"/>
+            <a:pPr lvl="0" algn="ctr" rtl="0">
+              <a:spcBef>
+                <a:spcPts val="0"/>
+              </a:spcBef>
+              <a:buNone/>
+            </a:pPr>
+            <a:r>
+              <a:rPr lang="en" dirty="0"/>
               <a:t>Play</a:t>
             </a:r>
           </a:p>
           <a:p>
-            <a:pPr lvl="0" rtl="0" algn="ctr">
-              <a:spcBef>
-                <a:spcPts val="0"/>
-              </a:spcBef>
-              <a:buNone/>
-            </a:pPr>
-            <a:r>
-              <a:rPr lang="en"/>
+            <a:pPr lvl="0" algn="ctr" rtl="0">
+              <a:spcBef>
+                <a:spcPts val="0"/>
+              </a:spcBef>
+              <a:buNone/>
+            </a:pPr>
+            <a:r>
+              <a:rPr lang="en" dirty="0"/>
               <a:t>Play</a:t>
             </a:r>
           </a:p>
           <a:p>
-            <a:pPr lvl="0" rtl="0" algn="ctr">
-              <a:spcBef>
-                <a:spcPts val="0"/>
-              </a:spcBef>
-              <a:buNone/>
-            </a:pPr>
-            <a:r>
-              <a:rPr lang="en"/>
+            <a:pPr lvl="0" algn="ctr" rtl="0">
+              <a:spcBef>
+                <a:spcPts val="0"/>
+              </a:spcBef>
+              <a:buNone/>
+            </a:pPr>
+            <a:r>
+              <a:rPr lang="en" dirty="0"/>
               <a:t>Play</a:t>
             </a:r>
           </a:p>
@@ -5003,14 +5266,16 @@
       <p:sp>
         <p:nvSpPr>
           <p:cNvPr id="75" name="Shape 75"/>
-          <p:cNvSpPr txBox="1"/>
+          <p:cNvSpPr txBox="1">
+            <a:spLocks noGrp="1"/>
+          </p:cNvSpPr>
           <p:nvPr>
-            <p:ph idx="1" type="body"/>
+            <p:ph type="body" idx="1"/>
           </p:nvPr>
         </p:nvSpPr>
         <p:spPr>
           <a:xfrm>
-            <a:off x="5767500" y="1152500"/>
+            <a:off x="6809128" y="204233"/>
             <a:ext cx="2093700" cy="3416400"/>
           </a:xfrm>
           <a:prstGeom prst="rect">
@@ -5018,37 +5283,556 @@
           </a:prstGeom>
         </p:spPr>
         <p:txBody>
-          <a:bodyPr anchorCtr="0" anchor="t" bIns="91425" lIns="91425" rIns="91425" tIns="91425">
+          <a:bodyPr lIns="91425" tIns="91425" rIns="91425" bIns="91425" anchor="t" anchorCtr="0">
             <a:noAutofit/>
           </a:bodyPr>
           <a:lstStyle/>
           <a:p>
-            <a:pPr lvl="0" rtl="0" algn="ctr">
-              <a:spcBef>
-                <a:spcPts val="0"/>
-              </a:spcBef>
-              <a:buNone/>
-            </a:pPr>
-            <a:r>
-              <a:rPr b="1" lang="en"/>
+            <a:pPr lvl="0" algn="ctr" rtl="0">
+              <a:spcBef>
+                <a:spcPts val="0"/>
+              </a:spcBef>
+              <a:buNone/>
+            </a:pPr>
+            <a:r>
+              <a:rPr lang="en" b="1" dirty="0"/>
               <a:t>My Account</a:t>
             </a:r>
           </a:p>
           <a:p>
-            <a:pPr lvl="0" rtl="0" algn="ctr">
-              <a:spcBef>
-                <a:spcPts val="0"/>
-              </a:spcBef>
-              <a:buNone/>
-            </a:pPr>
-            <a:r>
-              <a:rPr lang="en">
+            <a:pPr lvl="0" algn="ctr" rtl="0">
+              <a:spcBef>
+                <a:spcPts val="0"/>
+              </a:spcBef>
+              <a:buNone/>
+            </a:pPr>
+            <a:r>
+              <a:rPr lang="en" dirty="0">
                 <a:solidFill>
                   <a:schemeClr val="accent5"/>
                 </a:solidFill>
               </a:rPr>
               <a:t>Change Password</a:t>
             </a:r>
+          </a:p>
+        </p:txBody>
+      </p:sp>
+      <p:sp>
+        <p:nvSpPr>
+          <p:cNvPr id="7" name="Shape 74"/>
+          <p:cNvSpPr txBox="1">
+            <a:spLocks/>
+          </p:cNvSpPr>
+          <p:nvPr/>
+        </p:nvSpPr>
+        <p:spPr>
+          <a:xfrm>
+            <a:off x="3977775" y="1152500"/>
+            <a:ext cx="2093700" cy="3416400"/>
+          </a:xfrm>
+          <a:prstGeom prst="rect">
+            <a:avLst/>
+          </a:prstGeom>
+          <a:noFill/>
+          <a:ln>
+            <a:noFill/>
+          </a:ln>
+        </p:spPr>
+        <p:txBody>
+          <a:bodyPr lIns="91425" tIns="91425" rIns="91425" bIns="91425" anchor="t" anchorCtr="0">
+            <a:noAutofit/>
+          </a:bodyPr>
+          <a:lstStyle>
+            <a:defPPr marR="0" lvl="0" algn="l" rtl="0">
+              <a:lnSpc>
+                <a:spcPct val="100000"/>
+              </a:lnSpc>
+              <a:spcBef>
+                <a:spcPts val="0"/>
+              </a:spcBef>
+              <a:spcAft>
+                <a:spcPts val="0"/>
+              </a:spcAft>
+            </a:defPPr>
+            <a:lvl1pPr marR="0" lvl="0" algn="l" rtl="0">
+              <a:lnSpc>
+                <a:spcPct val="115000"/>
+              </a:lnSpc>
+              <a:spcBef>
+                <a:spcPts val="0"/>
+              </a:spcBef>
+              <a:spcAft>
+                <a:spcPts val="1600"/>
+              </a:spcAft>
+              <a:buClr>
+                <a:schemeClr val="dk2"/>
+              </a:buClr>
+              <a:buSzPct val="100000"/>
+              <a:buNone/>
+              <a:defRPr sz="1800" b="0" i="0" u="none" strike="noStrike" cap="none">
+                <a:solidFill>
+                  <a:schemeClr val="dk2"/>
+                </a:solidFill>
+                <a:latin typeface="Arial"/>
+                <a:ea typeface="Arial"/>
+                <a:cs typeface="Arial"/>
+                <a:sym typeface="Arial"/>
+              </a:defRPr>
+            </a:lvl1pPr>
+            <a:lvl2pPr marR="0" lvl="1" algn="l" rtl="0">
+              <a:lnSpc>
+                <a:spcPct val="115000"/>
+              </a:lnSpc>
+              <a:spcBef>
+                <a:spcPts val="0"/>
+              </a:spcBef>
+              <a:spcAft>
+                <a:spcPts val="1600"/>
+              </a:spcAft>
+              <a:buClr>
+                <a:schemeClr val="dk2"/>
+              </a:buClr>
+              <a:buNone/>
+              <a:defRPr sz="1400" b="0" i="0" u="none" strike="noStrike" cap="none">
+                <a:solidFill>
+                  <a:schemeClr val="dk2"/>
+                </a:solidFill>
+                <a:latin typeface="Arial"/>
+                <a:ea typeface="Arial"/>
+                <a:cs typeface="Arial"/>
+                <a:sym typeface="Arial"/>
+              </a:defRPr>
+            </a:lvl2pPr>
+            <a:lvl3pPr marR="0" lvl="2" algn="l" rtl="0">
+              <a:lnSpc>
+                <a:spcPct val="115000"/>
+              </a:lnSpc>
+              <a:spcBef>
+                <a:spcPts val="0"/>
+              </a:spcBef>
+              <a:spcAft>
+                <a:spcPts val="1600"/>
+              </a:spcAft>
+              <a:buClr>
+                <a:schemeClr val="dk2"/>
+              </a:buClr>
+              <a:buNone/>
+              <a:defRPr sz="1400" b="0" i="0" u="none" strike="noStrike" cap="none">
+                <a:solidFill>
+                  <a:schemeClr val="dk2"/>
+                </a:solidFill>
+                <a:latin typeface="Arial"/>
+                <a:ea typeface="Arial"/>
+                <a:cs typeface="Arial"/>
+                <a:sym typeface="Arial"/>
+              </a:defRPr>
+            </a:lvl3pPr>
+            <a:lvl4pPr marR="0" lvl="3" algn="l" rtl="0">
+              <a:lnSpc>
+                <a:spcPct val="115000"/>
+              </a:lnSpc>
+              <a:spcBef>
+                <a:spcPts val="0"/>
+              </a:spcBef>
+              <a:spcAft>
+                <a:spcPts val="1600"/>
+              </a:spcAft>
+              <a:buClr>
+                <a:schemeClr val="dk2"/>
+              </a:buClr>
+              <a:buNone/>
+              <a:defRPr sz="1400" b="0" i="0" u="none" strike="noStrike" cap="none">
+                <a:solidFill>
+                  <a:schemeClr val="dk2"/>
+                </a:solidFill>
+                <a:latin typeface="Arial"/>
+                <a:ea typeface="Arial"/>
+                <a:cs typeface="Arial"/>
+                <a:sym typeface="Arial"/>
+              </a:defRPr>
+            </a:lvl4pPr>
+            <a:lvl5pPr marR="0" lvl="4" algn="l" rtl="0">
+              <a:lnSpc>
+                <a:spcPct val="115000"/>
+              </a:lnSpc>
+              <a:spcBef>
+                <a:spcPts val="0"/>
+              </a:spcBef>
+              <a:spcAft>
+                <a:spcPts val="1600"/>
+              </a:spcAft>
+              <a:buClr>
+                <a:schemeClr val="dk2"/>
+              </a:buClr>
+              <a:buNone/>
+              <a:defRPr sz="1400" b="0" i="0" u="none" strike="noStrike" cap="none">
+                <a:solidFill>
+                  <a:schemeClr val="dk2"/>
+                </a:solidFill>
+                <a:latin typeface="Arial"/>
+                <a:ea typeface="Arial"/>
+                <a:cs typeface="Arial"/>
+                <a:sym typeface="Arial"/>
+              </a:defRPr>
+            </a:lvl5pPr>
+            <a:lvl6pPr marR="0" lvl="5" algn="l" rtl="0">
+              <a:lnSpc>
+                <a:spcPct val="115000"/>
+              </a:lnSpc>
+              <a:spcBef>
+                <a:spcPts val="0"/>
+              </a:spcBef>
+              <a:spcAft>
+                <a:spcPts val="1600"/>
+              </a:spcAft>
+              <a:buClr>
+                <a:schemeClr val="dk2"/>
+              </a:buClr>
+              <a:buNone/>
+              <a:defRPr sz="1400" b="0" i="0" u="none" strike="noStrike" cap="none">
+                <a:solidFill>
+                  <a:schemeClr val="dk2"/>
+                </a:solidFill>
+                <a:latin typeface="Arial"/>
+                <a:ea typeface="Arial"/>
+                <a:cs typeface="Arial"/>
+                <a:sym typeface="Arial"/>
+              </a:defRPr>
+            </a:lvl6pPr>
+            <a:lvl7pPr marR="0" lvl="6" algn="l" rtl="0">
+              <a:lnSpc>
+                <a:spcPct val="115000"/>
+              </a:lnSpc>
+              <a:spcBef>
+                <a:spcPts val="0"/>
+              </a:spcBef>
+              <a:spcAft>
+                <a:spcPts val="1600"/>
+              </a:spcAft>
+              <a:buClr>
+                <a:schemeClr val="dk2"/>
+              </a:buClr>
+              <a:buNone/>
+              <a:defRPr sz="1400" b="0" i="0" u="none" strike="noStrike" cap="none">
+                <a:solidFill>
+                  <a:schemeClr val="dk2"/>
+                </a:solidFill>
+                <a:latin typeface="Arial"/>
+                <a:ea typeface="Arial"/>
+                <a:cs typeface="Arial"/>
+                <a:sym typeface="Arial"/>
+              </a:defRPr>
+            </a:lvl7pPr>
+            <a:lvl8pPr marR="0" lvl="7" algn="l" rtl="0">
+              <a:lnSpc>
+                <a:spcPct val="115000"/>
+              </a:lnSpc>
+              <a:spcBef>
+                <a:spcPts val="0"/>
+              </a:spcBef>
+              <a:spcAft>
+                <a:spcPts val="1600"/>
+              </a:spcAft>
+              <a:buClr>
+                <a:schemeClr val="dk2"/>
+              </a:buClr>
+              <a:buNone/>
+              <a:defRPr sz="1400" b="0" i="0" u="none" strike="noStrike" cap="none">
+                <a:solidFill>
+                  <a:schemeClr val="dk2"/>
+                </a:solidFill>
+                <a:latin typeface="Arial"/>
+                <a:ea typeface="Arial"/>
+                <a:cs typeface="Arial"/>
+                <a:sym typeface="Arial"/>
+              </a:defRPr>
+            </a:lvl8pPr>
+            <a:lvl9pPr marR="0" lvl="8" algn="l" rtl="0">
+              <a:lnSpc>
+                <a:spcPct val="115000"/>
+              </a:lnSpc>
+              <a:spcBef>
+                <a:spcPts val="0"/>
+              </a:spcBef>
+              <a:spcAft>
+                <a:spcPts val="1600"/>
+              </a:spcAft>
+              <a:buClr>
+                <a:schemeClr val="dk2"/>
+              </a:buClr>
+              <a:buNone/>
+              <a:defRPr sz="1400" b="0" i="0" u="none" strike="noStrike" cap="none">
+                <a:solidFill>
+                  <a:schemeClr val="dk2"/>
+                </a:solidFill>
+                <a:latin typeface="Arial"/>
+                <a:ea typeface="Arial"/>
+                <a:cs typeface="Arial"/>
+                <a:sym typeface="Arial"/>
+              </a:defRPr>
+            </a:lvl9pPr>
+          </a:lstStyle>
+          <a:p>
+            <a:pPr algn="ctr"/>
+            <a:r>
+              <a:rPr lang="en" dirty="0"/>
+              <a:t>  </a:t>
+            </a:r>
+          </a:p>
+          <a:p>
+            <a:pPr algn="ctr"/>
+            <a:r>
+              <a:rPr lang="en-US" dirty="0"/>
+              <a:t>Share</a:t>
+            </a:r>
+            <a:endParaRPr lang="en" dirty="0"/>
+          </a:p>
+          <a:p>
+            <a:pPr algn="ctr"/>
+            <a:r>
+              <a:rPr lang="en-US" dirty="0"/>
+              <a:t>Share</a:t>
+            </a:r>
+            <a:endParaRPr lang="en" dirty="0"/>
+          </a:p>
+          <a:p>
+            <a:pPr algn="ctr"/>
+            <a:r>
+              <a:rPr lang="en-US" dirty="0"/>
+              <a:t>Share</a:t>
+            </a:r>
+            <a:endParaRPr lang="en" dirty="0"/>
+          </a:p>
+          <a:p>
+            <a:pPr algn="ctr"/>
+            <a:r>
+              <a:rPr lang="en-US" dirty="0"/>
+              <a:t>Share</a:t>
+            </a:r>
+            <a:endParaRPr lang="en" dirty="0"/>
+          </a:p>
+          <a:p>
+            <a:pPr algn="ctr"/>
+            <a:r>
+              <a:rPr lang="en-US" dirty="0"/>
+              <a:t>Share</a:t>
+            </a:r>
+            <a:endParaRPr lang="en" dirty="0"/>
+          </a:p>
+        </p:txBody>
+      </p:sp>
+      <p:sp>
+        <p:nvSpPr>
+          <p:cNvPr id="2" name="TextBox 1"/>
+          <p:cNvSpPr txBox="1"/>
+          <p:nvPr/>
+        </p:nvSpPr>
+        <p:spPr>
+          <a:xfrm>
+            <a:off x="5678311" y="1501421"/>
+            <a:ext cx="1715911" cy="309411"/>
+          </a:xfrm>
+          <a:prstGeom prst="rect">
+            <a:avLst/>
+          </a:prstGeom>
+          <a:noFill/>
+        </p:spPr>
+        <p:txBody>
+          <a:bodyPr wrap="square" rtlCol="0">
+            <a:spAutoFit/>
+          </a:bodyPr>
+          <a:lstStyle/>
+          <a:p>
+            <a:r>
+              <a:rPr lang="en-US" dirty="0"/>
+              <a:t>Share With</a:t>
+            </a:r>
+          </a:p>
+        </p:txBody>
+      </p:sp>
+      <p:sp>
+        <p:nvSpPr>
+          <p:cNvPr id="3" name="Rectangle 2"/>
+          <p:cNvSpPr/>
+          <p:nvPr/>
+        </p:nvSpPr>
+        <p:spPr>
+          <a:xfrm>
+            <a:off x="5678311" y="1810832"/>
+            <a:ext cx="1074372" cy="187300"/>
+          </a:xfrm>
+          <a:prstGeom prst="rect">
+            <a:avLst/>
+          </a:prstGeom>
+        </p:spPr>
+        <p:style>
+          <a:lnRef idx="2">
+            <a:schemeClr val="accent1">
+              <a:shade val="50000"/>
+            </a:schemeClr>
+          </a:lnRef>
+          <a:fillRef idx="1">
+            <a:schemeClr val="accent1"/>
+          </a:fillRef>
+          <a:effectRef idx="0">
+            <a:schemeClr val="accent1"/>
+          </a:effectRef>
+          <a:fontRef idx="minor">
+            <a:schemeClr val="lt1"/>
+          </a:fontRef>
+        </p:style>
+        <p:txBody>
+          <a:bodyPr rtlCol="0" anchor="ctr"/>
+          <a:lstStyle/>
+          <a:p>
+            <a:pPr algn="ctr"/>
+            <a:endParaRPr lang="en-US"/>
+          </a:p>
+        </p:txBody>
+      </p:sp>
+      <p:sp>
+        <p:nvSpPr>
+          <p:cNvPr id="4" name="Isosceles Triangle 3"/>
+          <p:cNvSpPr/>
+          <p:nvPr/>
+        </p:nvSpPr>
+        <p:spPr>
+          <a:xfrm rot="10800000">
+            <a:off x="6595604" y="1800769"/>
+            <a:ext cx="166442" cy="219942"/>
+          </a:xfrm>
+          <a:prstGeom prst="triangle">
+            <a:avLst/>
+          </a:prstGeom>
+          <a:solidFill>
+            <a:schemeClr val="accent5"/>
+          </a:solidFill>
+        </p:spPr>
+        <p:style>
+          <a:lnRef idx="2">
+            <a:schemeClr val="accent1">
+              <a:shade val="50000"/>
+            </a:schemeClr>
+          </a:lnRef>
+          <a:fillRef idx="1">
+            <a:schemeClr val="accent1"/>
+          </a:fillRef>
+          <a:effectRef idx="0">
+            <a:schemeClr val="accent1"/>
+          </a:effectRef>
+          <a:fontRef idx="minor">
+            <a:schemeClr val="lt1"/>
+          </a:fontRef>
+        </p:style>
+        <p:txBody>
+          <a:bodyPr rtlCol="0" anchor="ctr"/>
+          <a:lstStyle/>
+          <a:p>
+            <a:pPr algn="ctr"/>
+            <a:endParaRPr lang="en-US"/>
+          </a:p>
+        </p:txBody>
+      </p:sp>
+      <p:sp>
+        <p:nvSpPr>
+          <p:cNvPr id="5" name="TextBox 4"/>
+          <p:cNvSpPr txBox="1"/>
+          <p:nvPr/>
+        </p:nvSpPr>
+        <p:spPr>
+          <a:xfrm>
+            <a:off x="6752683" y="2596444"/>
+            <a:ext cx="1589806" cy="523220"/>
+          </a:xfrm>
+          <a:prstGeom prst="rect">
+            <a:avLst/>
+          </a:prstGeom>
+          <a:noFill/>
+        </p:spPr>
+        <p:txBody>
+          <a:bodyPr wrap="square" rtlCol="0">
+            <a:spAutoFit/>
+          </a:bodyPr>
+          <a:lstStyle/>
+          <a:p>
+            <a:r>
+              <a:rPr lang="en-US" dirty="0"/>
+              <a:t>Hidden until Share is selected</a:t>
+            </a:r>
+          </a:p>
+        </p:txBody>
+      </p:sp>
+      <p:cxnSp>
+        <p:nvCxnSpPr>
+          <p:cNvPr id="8" name="Straight Arrow Connector 7"/>
+          <p:cNvCxnSpPr/>
+          <p:nvPr/>
+        </p:nvCxnSpPr>
+        <p:spPr>
+          <a:xfrm flipH="1" flipV="1">
+            <a:off x="6448750" y="2159753"/>
+            <a:ext cx="469975" cy="515714"/>
+          </a:xfrm>
+          <a:prstGeom prst="straightConnector1">
+            <a:avLst/>
+          </a:prstGeom>
+          <a:ln>
+            <a:tailEnd type="triangle"/>
+          </a:ln>
+        </p:spPr>
+        <p:style>
+          <a:lnRef idx="1">
+            <a:schemeClr val="accent1"/>
+          </a:lnRef>
+          <a:fillRef idx="0">
+            <a:schemeClr val="accent1"/>
+          </a:fillRef>
+          <a:effectRef idx="0">
+            <a:schemeClr val="accent1"/>
+          </a:effectRef>
+          <a:fontRef idx="minor">
+            <a:schemeClr val="tx1"/>
+          </a:fontRef>
+        </p:style>
+      </p:cxnSp>
+      <p:sp>
+        <p:nvSpPr>
+          <p:cNvPr id="9" name="Oval 8"/>
+          <p:cNvSpPr/>
+          <p:nvPr/>
+        </p:nvSpPr>
+        <p:spPr>
+          <a:xfrm>
+            <a:off x="5412862" y="1265109"/>
+            <a:ext cx="1653982" cy="894644"/>
+          </a:xfrm>
+          <a:prstGeom prst="ellipse">
+            <a:avLst/>
+          </a:prstGeom>
+          <a:noFill/>
+        </p:spPr>
+        <p:style>
+          <a:lnRef idx="2">
+            <a:schemeClr val="accent1">
+              <a:shade val="50000"/>
+            </a:schemeClr>
+          </a:lnRef>
+          <a:fillRef idx="1">
+            <a:schemeClr val="accent1"/>
+          </a:fillRef>
+          <a:effectRef idx="0">
+            <a:schemeClr val="accent1"/>
+          </a:effectRef>
+          <a:fontRef idx="minor">
+            <a:schemeClr val="lt1"/>
+          </a:fontRef>
+        </p:style>
+        <p:txBody>
+          <a:bodyPr rtlCol="0" anchor="ctr"/>
+          <a:lstStyle/>
+          <a:p>
+            <a:pPr algn="ctr"/>
+            <a:endParaRPr lang="en-US"/>
           </a:p>
         </p:txBody>
       </p:sp>
@@ -5061,11 +5845,11 @@
 </file>
 
 <file path=ppt/slides/slide4.xml><?xml version="1.0" encoding="utf-8"?>
-<p:sld xmlns:a="http://schemas.openxmlformats.org/drawingml/2006/main" xmlns:r="http://schemas.openxmlformats.org/officeDocument/2006/relationships" xmlns:mc="http://schemas.openxmlformats.org/markup-compatibility/2006" xmlns:mv="urn:schemas-microsoft-com:mac:vml" xmlns:p="http://schemas.openxmlformats.org/presentationml/2006/main" xmlns:c="http://schemas.openxmlformats.org/drawingml/2006/chart" xmlns:dgm="http://schemas.openxmlformats.org/drawingml/2006/diagram" xmlns:o="urn:schemas-microsoft-com:office:office" xmlns:v="urn:schemas-microsoft-com:vml" xmlns:pvml="urn:schemas-microsoft-com:office:powerpoint" xmlns:com="http://schemas.openxmlformats.org/drawingml/2006/compatibility" xmlns:p14="http://schemas.microsoft.com/office/powerpoint/2010/main">
+<p:sld xmlns:a="http://schemas.openxmlformats.org/drawingml/2006/main" xmlns:r="http://schemas.openxmlformats.org/officeDocument/2006/relationships" xmlns:p="http://schemas.openxmlformats.org/presentationml/2006/main">
   <p:cSld>
     <p:spTree>
       <p:nvGrpSpPr>
-        <p:cNvPr id="79" name="Shape 79"/>
+        <p:cNvPr id="1" name="Shape 79"/>
         <p:cNvGrpSpPr/>
         <p:nvPr/>
       </p:nvGrpSpPr>
@@ -5080,7 +5864,9 @@
       <p:sp>
         <p:nvSpPr>
           <p:cNvPr id="80" name="Shape 80"/>
-          <p:cNvSpPr txBox="1"/>
+          <p:cNvSpPr txBox="1">
+            <a:spLocks noGrp="1"/>
+          </p:cNvSpPr>
           <p:nvPr>
             <p:ph type="title"/>
           </p:nvPr>
@@ -5095,7 +5881,7 @@
           </a:prstGeom>
         </p:spPr>
         <p:txBody>
-          <a:bodyPr anchorCtr="0" anchor="t" bIns="91425" lIns="91425" rIns="91425" tIns="91425">
+          <a:bodyPr lIns="91425" tIns="91425" rIns="91425" bIns="91425" anchor="t" anchorCtr="0">
             <a:noAutofit/>
           </a:bodyPr>
           <a:lstStyle/>
@@ -5116,9 +5902,11 @@
       <p:sp>
         <p:nvSpPr>
           <p:cNvPr id="81" name="Shape 81"/>
-          <p:cNvSpPr txBox="1"/>
+          <p:cNvSpPr txBox="1">
+            <a:spLocks noGrp="1"/>
+          </p:cNvSpPr>
           <p:nvPr>
-            <p:ph idx="1" type="body"/>
+            <p:ph type="body" idx="1"/>
           </p:nvPr>
         </p:nvSpPr>
         <p:spPr>
@@ -5131,7 +5919,7 @@
           </a:prstGeom>
         </p:spPr>
         <p:txBody>
-          <a:bodyPr anchorCtr="0" anchor="t" bIns="91425" lIns="91425" rIns="91425" tIns="91425">
+          <a:bodyPr lIns="91425" tIns="91425" rIns="91425" bIns="91425" anchor="t" anchorCtr="0">
             <a:noAutofit/>
           </a:bodyPr>
           <a:lstStyle/>
@@ -5143,7 +5931,7 @@
               <a:buNone/>
             </a:pPr>
             <a:r>
-              <a:rPr lang="en"/>
+              <a:rPr lang="en" dirty="0"/>
               <a:t>Playlist Name</a:t>
             </a:r>
           </a:p>
@@ -5155,8 +5943,16 @@
               <a:buNone/>
             </a:pPr>
             <a:r>
-              <a:rPr lang="en"/>
-              <a:t>Song                                         Location                                    x</a:t>
+              <a:rPr lang="en" dirty="0"/>
+              <a:t>Song                                         Location                                    </a:t>
+            </a:r>
+            <a:r>
+              <a:rPr lang="en" dirty="0">
+                <a:solidFill>
+                  <a:srgbClr val="FF0000"/>
+                </a:solidFill>
+              </a:rPr>
+              <a:t>x</a:t>
             </a:r>
           </a:p>
           <a:p>
@@ -5167,8 +5963,16 @@
               <a:buNone/>
             </a:pPr>
             <a:r>
-              <a:rPr lang="en"/>
-              <a:t>Song                                         Location                                    x</a:t>
+              <a:rPr lang="en" dirty="0"/>
+              <a:t>Song                                         Location                                    </a:t>
+            </a:r>
+            <a:r>
+              <a:rPr lang="en" dirty="0">
+                <a:solidFill>
+                  <a:srgbClr val="FF0000"/>
+                </a:solidFill>
+              </a:rPr>
+              <a:t>x</a:t>
             </a:r>
           </a:p>
           <a:p>
@@ -5179,8 +5983,16 @@
               <a:buNone/>
             </a:pPr>
             <a:r>
-              <a:rPr lang="en"/>
-              <a:t>Song                                         Location                                    x</a:t>
+              <a:rPr lang="en" dirty="0"/>
+              <a:t>Song                                         Location                                    </a:t>
+            </a:r>
+            <a:r>
+              <a:rPr lang="en" dirty="0">
+                <a:solidFill>
+                  <a:srgbClr val="FF0000"/>
+                </a:solidFill>
+              </a:rPr>
+              <a:t>x</a:t>
             </a:r>
           </a:p>
           <a:p>
@@ -5191,8 +6003,16 @@
               <a:buNone/>
             </a:pPr>
             <a:r>
-              <a:rPr lang="en"/>
-              <a:t>Song                                         Location                                    x</a:t>
+              <a:rPr lang="en" dirty="0"/>
+              <a:t>Song                                         Location                                    </a:t>
+            </a:r>
+            <a:r>
+              <a:rPr lang="en" dirty="0">
+                <a:solidFill>
+                  <a:srgbClr val="FF0000"/>
+                </a:solidFill>
+              </a:rPr>
+              <a:t>x</a:t>
             </a:r>
           </a:p>
           <a:p>
@@ -5203,16 +6023,16 @@
               <a:buNone/>
             </a:pPr>
             <a:r>
-              <a:rPr lang="en"/>
-              <a:t>Song                                         Location</a:t>
-            </a:r>
-            <a:r>
-              <a:rPr lang="en"/>
-              <a:t>    </a:t>
-            </a:r>
-            <a:r>
-              <a:rPr lang="en"/>
-              <a:t>                                x</a:t>
+              <a:rPr lang="en" dirty="0"/>
+              <a:t>Song                                         Location                                    </a:t>
+            </a:r>
+            <a:r>
+              <a:rPr lang="en" dirty="0">
+                <a:solidFill>
+                  <a:srgbClr val="FF0000"/>
+                </a:solidFill>
+              </a:rPr>
+              <a:t>x</a:t>
             </a:r>
           </a:p>
         </p:txBody>
@@ -5234,18 +6054,18 @@
           <a:solidFill>
             <a:schemeClr val="lt2"/>
           </a:solidFill>
-          <a:ln cap="flat" cmpd="sng" w="9525">
+          <a:ln w="9525" cap="flat" cmpd="sng">
             <a:solidFill>
               <a:schemeClr val="dk2"/>
             </a:solidFill>
             <a:prstDash val="solid"/>
             <a:round/>
-            <a:headEnd len="med" w="med" type="none"/>
-            <a:tailEnd len="med" w="med" type="none"/>
+            <a:headEnd type="none" w="med" len="med"/>
+            <a:tailEnd type="none" w="med" len="med"/>
           </a:ln>
         </p:spPr>
         <p:txBody>
-          <a:bodyPr anchorCtr="0" anchor="ctr" bIns="91425" lIns="91425" rIns="91425" tIns="91425">
+          <a:bodyPr lIns="91425" tIns="91425" rIns="91425" bIns="91425" anchor="ctr" anchorCtr="0">
             <a:noAutofit/>
           </a:bodyPr>
           <a:lstStyle/>
@@ -5256,9 +6076,6 @@
               </a:spcBef>
               <a:buNone/>
             </a:pPr>
-            <a:r>
-              <a:t/>
-            </a:r>
             <a:endParaRPr/>
           </a:p>
         </p:txBody>
@@ -5280,18 +6097,18 @@
           <a:solidFill>
             <a:schemeClr val="lt2"/>
           </a:solidFill>
-          <a:ln cap="flat" cmpd="sng" w="9525">
+          <a:ln w="9525" cap="flat" cmpd="sng">
             <a:solidFill>
               <a:schemeClr val="dk2"/>
             </a:solidFill>
             <a:prstDash val="solid"/>
             <a:round/>
-            <a:headEnd len="med" w="med" type="none"/>
-            <a:tailEnd len="med" w="med" type="none"/>
+            <a:headEnd type="none" w="med" len="med"/>
+            <a:tailEnd type="none" w="med" len="med"/>
           </a:ln>
         </p:spPr>
         <p:txBody>
-          <a:bodyPr anchorCtr="0" anchor="ctr" bIns="91425" lIns="91425" rIns="91425" tIns="91425">
+          <a:bodyPr lIns="91425" tIns="91425" rIns="91425" bIns="91425" anchor="ctr" anchorCtr="0">
             <a:noAutofit/>
           </a:bodyPr>
           <a:lstStyle/>
@@ -5302,9 +6119,6 @@
               </a:spcBef>
               <a:buNone/>
             </a:pPr>
-            <a:r>
-              <a:t/>
-            </a:r>
             <a:endParaRPr/>
           </a:p>
         </p:txBody>
@@ -5326,18 +6140,18 @@
           <a:solidFill>
             <a:schemeClr val="lt2"/>
           </a:solidFill>
-          <a:ln cap="flat" cmpd="sng" w="9525">
+          <a:ln w="9525" cap="flat" cmpd="sng">
             <a:solidFill>
               <a:schemeClr val="dk2"/>
             </a:solidFill>
             <a:prstDash val="solid"/>
             <a:round/>
-            <a:headEnd len="med" w="med" type="none"/>
-            <a:tailEnd len="med" w="med" type="none"/>
+            <a:headEnd type="none" w="med" len="med"/>
+            <a:tailEnd type="none" w="med" len="med"/>
           </a:ln>
         </p:spPr>
         <p:txBody>
-          <a:bodyPr anchorCtr="0" anchor="ctr" bIns="91425" lIns="91425" rIns="91425" tIns="91425">
+          <a:bodyPr lIns="91425" tIns="91425" rIns="91425" bIns="91425" anchor="ctr" anchorCtr="0">
             <a:noAutofit/>
           </a:bodyPr>
           <a:lstStyle/>
@@ -5348,9 +6162,6 @@
               </a:spcBef>
               <a:buNone/>
             </a:pPr>
-            <a:r>
-              <a:t/>
-            </a:r>
             <a:endParaRPr/>
           </a:p>
         </p:txBody>
@@ -5372,18 +6183,18 @@
           <a:solidFill>
             <a:schemeClr val="lt2"/>
           </a:solidFill>
-          <a:ln cap="flat" cmpd="sng" w="9525">
+          <a:ln w="9525" cap="flat" cmpd="sng">
             <a:solidFill>
               <a:schemeClr val="dk2"/>
             </a:solidFill>
             <a:prstDash val="solid"/>
             <a:round/>
-            <a:headEnd len="med" w="med" type="none"/>
-            <a:tailEnd len="med" w="med" type="none"/>
+            <a:headEnd type="none" w="med" len="med"/>
+            <a:tailEnd type="none" w="med" len="med"/>
           </a:ln>
         </p:spPr>
         <p:txBody>
-          <a:bodyPr anchorCtr="0" anchor="ctr" bIns="91425" lIns="91425" rIns="91425" tIns="91425">
+          <a:bodyPr lIns="91425" tIns="91425" rIns="91425" bIns="91425" anchor="ctr" anchorCtr="0">
             <a:noAutofit/>
           </a:bodyPr>
           <a:lstStyle/>
@@ -5394,9 +6205,6 @@
               </a:spcBef>
               <a:buNone/>
             </a:pPr>
-            <a:r>
-              <a:t/>
-            </a:r>
             <a:endParaRPr/>
           </a:p>
         </p:txBody>
@@ -5418,18 +6226,18 @@
           <a:solidFill>
             <a:schemeClr val="lt2"/>
           </a:solidFill>
-          <a:ln cap="flat" cmpd="sng" w="9525">
+          <a:ln w="9525" cap="flat" cmpd="sng">
             <a:solidFill>
               <a:schemeClr val="dk2"/>
             </a:solidFill>
             <a:prstDash val="solid"/>
             <a:round/>
-            <a:headEnd len="med" w="med" type="none"/>
-            <a:tailEnd len="med" w="med" type="none"/>
+            <a:headEnd type="none" w="med" len="med"/>
+            <a:tailEnd type="none" w="med" len="med"/>
           </a:ln>
         </p:spPr>
         <p:txBody>
-          <a:bodyPr anchorCtr="0" anchor="ctr" bIns="91425" lIns="91425" rIns="91425" tIns="91425">
+          <a:bodyPr lIns="91425" tIns="91425" rIns="91425" bIns="91425" anchor="ctr" anchorCtr="0">
             <a:noAutofit/>
           </a:bodyPr>
           <a:lstStyle/>
@@ -5440,9 +6248,6 @@
               </a:spcBef>
               <a:buNone/>
             </a:pPr>
-            <a:r>
-              <a:t/>
-            </a:r>
             <a:endParaRPr/>
           </a:p>
         </p:txBody>
@@ -5464,18 +6269,18 @@
           <a:solidFill>
             <a:schemeClr val="lt2"/>
           </a:solidFill>
-          <a:ln cap="flat" cmpd="sng" w="9525">
+          <a:ln w="9525" cap="flat" cmpd="sng">
             <a:solidFill>
               <a:schemeClr val="dk2"/>
             </a:solidFill>
             <a:prstDash val="solid"/>
             <a:round/>
-            <a:headEnd len="med" w="med" type="none"/>
-            <a:tailEnd len="med" w="med" type="none"/>
+            <a:headEnd type="none" w="med" len="med"/>
+            <a:tailEnd type="none" w="med" len="med"/>
           </a:ln>
         </p:spPr>
         <p:txBody>
-          <a:bodyPr anchorCtr="0" anchor="ctr" bIns="91425" lIns="91425" rIns="91425" tIns="91425">
+          <a:bodyPr lIns="91425" tIns="91425" rIns="91425" bIns="91425" anchor="ctr" anchorCtr="0">
             <a:noAutofit/>
           </a:bodyPr>
           <a:lstStyle/>
@@ -5486,9 +6291,6 @@
               </a:spcBef>
               <a:buNone/>
             </a:pPr>
-            <a:r>
-              <a:t/>
-            </a:r>
             <a:endParaRPr/>
           </a:p>
         </p:txBody>
@@ -5510,18 +6312,18 @@
           <a:solidFill>
             <a:schemeClr val="lt2"/>
           </a:solidFill>
-          <a:ln cap="flat" cmpd="sng" w="9525">
+          <a:ln w="9525" cap="flat" cmpd="sng">
             <a:solidFill>
               <a:schemeClr val="dk2"/>
             </a:solidFill>
             <a:prstDash val="solid"/>
             <a:round/>
-            <a:headEnd len="med" w="med" type="none"/>
-            <a:tailEnd len="med" w="med" type="none"/>
+            <a:headEnd type="none" w="med" len="med"/>
+            <a:tailEnd type="none" w="med" len="med"/>
           </a:ln>
         </p:spPr>
         <p:txBody>
-          <a:bodyPr anchorCtr="0" anchor="ctr" bIns="91425" lIns="91425" rIns="91425" tIns="91425">
+          <a:bodyPr lIns="91425" tIns="91425" rIns="91425" bIns="91425" anchor="ctr" anchorCtr="0">
             <a:noAutofit/>
           </a:bodyPr>
           <a:lstStyle/>
@@ -5532,9 +6334,6 @@
               </a:spcBef>
               <a:buNone/>
             </a:pPr>
-            <a:r>
-              <a:t/>
-            </a:r>
             <a:endParaRPr/>
           </a:p>
         </p:txBody>
@@ -5556,18 +6355,18 @@
           <a:solidFill>
             <a:schemeClr val="lt2"/>
           </a:solidFill>
-          <a:ln cap="flat" cmpd="sng" w="9525">
+          <a:ln w="9525" cap="flat" cmpd="sng">
             <a:solidFill>
               <a:schemeClr val="dk2"/>
             </a:solidFill>
             <a:prstDash val="solid"/>
             <a:round/>
-            <a:headEnd len="med" w="med" type="none"/>
-            <a:tailEnd len="med" w="med" type="none"/>
+            <a:headEnd type="none" w="med" len="med"/>
+            <a:tailEnd type="none" w="med" len="med"/>
           </a:ln>
         </p:spPr>
         <p:txBody>
-          <a:bodyPr anchorCtr="0" anchor="ctr" bIns="91425" lIns="91425" rIns="91425" tIns="91425">
+          <a:bodyPr lIns="91425" tIns="91425" rIns="91425" bIns="91425" anchor="ctr" anchorCtr="0">
             <a:noAutofit/>
           </a:bodyPr>
           <a:lstStyle/>
@@ -5578,9 +6377,6 @@
               </a:spcBef>
               <a:buNone/>
             </a:pPr>
-            <a:r>
-              <a:t/>
-            </a:r>
             <a:endParaRPr/>
           </a:p>
         </p:txBody>
@@ -5602,18 +6398,18 @@
           <a:solidFill>
             <a:schemeClr val="lt2"/>
           </a:solidFill>
-          <a:ln cap="flat" cmpd="sng" w="9525">
+          <a:ln w="9525" cap="flat" cmpd="sng">
             <a:solidFill>
               <a:schemeClr val="dk2"/>
             </a:solidFill>
             <a:prstDash val="solid"/>
             <a:round/>
-            <a:headEnd len="med" w="med" type="none"/>
-            <a:tailEnd len="med" w="med" type="none"/>
+            <a:headEnd type="none" w="med" len="med"/>
+            <a:tailEnd type="none" w="med" len="med"/>
           </a:ln>
         </p:spPr>
         <p:txBody>
-          <a:bodyPr anchorCtr="0" anchor="ctr" bIns="91425" lIns="91425" rIns="91425" tIns="91425">
+          <a:bodyPr lIns="91425" tIns="91425" rIns="91425" bIns="91425" anchor="ctr" anchorCtr="0">
             <a:noAutofit/>
           </a:bodyPr>
           <a:lstStyle/>
@@ -5624,9 +6420,6 @@
               </a:spcBef>
               <a:buNone/>
             </a:pPr>
-            <a:r>
-              <a:t/>
-            </a:r>
             <a:endParaRPr/>
           </a:p>
         </p:txBody>
@@ -5648,18 +6441,18 @@
           <a:solidFill>
             <a:schemeClr val="lt2"/>
           </a:solidFill>
-          <a:ln cap="flat" cmpd="sng" w="9525">
+          <a:ln w="9525" cap="flat" cmpd="sng">
             <a:solidFill>
               <a:schemeClr val="dk2"/>
             </a:solidFill>
             <a:prstDash val="solid"/>
             <a:round/>
-            <a:headEnd len="med" w="med" type="none"/>
-            <a:tailEnd len="med" w="med" type="none"/>
+            <a:headEnd type="none" w="med" len="med"/>
+            <a:tailEnd type="none" w="med" len="med"/>
           </a:ln>
         </p:spPr>
         <p:txBody>
-          <a:bodyPr anchorCtr="0" anchor="ctr" bIns="91425" lIns="91425" rIns="91425" tIns="91425">
+          <a:bodyPr lIns="91425" tIns="91425" rIns="91425" bIns="91425" anchor="ctr" anchorCtr="0">
             <a:noAutofit/>
           </a:bodyPr>
           <a:lstStyle/>
@@ -5670,9 +6463,6 @@
               </a:spcBef>
               <a:buNone/>
             </a:pPr>
-            <a:r>
-              <a:t/>
-            </a:r>
             <a:endParaRPr/>
           </a:p>
         </p:txBody>
@@ -5690,25 +6480,25 @@
           </a:xfrm>
           <a:prstGeom prst="upDownArrow">
             <a:avLst>
-              <a:gd fmla="val 50000" name="adj1"/>
-              <a:gd fmla="val 50000" name="adj2"/>
+              <a:gd name="adj1" fmla="val 50000"/>
+              <a:gd name="adj2" fmla="val 50000"/>
             </a:avLst>
           </a:prstGeom>
           <a:solidFill>
             <a:schemeClr val="lt2"/>
           </a:solidFill>
-          <a:ln cap="flat" cmpd="sng" w="9525">
+          <a:ln w="9525" cap="flat" cmpd="sng">
             <a:solidFill>
               <a:schemeClr val="dk2"/>
             </a:solidFill>
             <a:prstDash val="solid"/>
             <a:round/>
-            <a:headEnd len="med" w="med" type="none"/>
-            <a:tailEnd len="med" w="med" type="none"/>
+            <a:headEnd type="none" w="med" len="med"/>
+            <a:tailEnd type="none" w="med" len="med"/>
           </a:ln>
         </p:spPr>
         <p:txBody>
-          <a:bodyPr anchorCtr="0" anchor="ctr" bIns="91425" lIns="91425" rIns="91425" tIns="91425">
+          <a:bodyPr lIns="91425" tIns="91425" rIns="91425" bIns="91425" anchor="ctr" anchorCtr="0">
             <a:noAutofit/>
           </a:bodyPr>
           <a:lstStyle/>
@@ -5719,9 +6509,6 @@
               </a:spcBef>
               <a:buNone/>
             </a:pPr>
-            <a:r>
-              <a:t/>
-            </a:r>
             <a:endParaRPr/>
           </a:p>
         </p:txBody>
@@ -5739,25 +6526,25 @@
           </a:xfrm>
           <a:prstGeom prst="upDownArrow">
             <a:avLst>
-              <a:gd fmla="val 50000" name="adj1"/>
-              <a:gd fmla="val 50000" name="adj2"/>
+              <a:gd name="adj1" fmla="val 50000"/>
+              <a:gd name="adj2" fmla="val 50000"/>
             </a:avLst>
           </a:prstGeom>
           <a:solidFill>
             <a:schemeClr val="lt2"/>
           </a:solidFill>
-          <a:ln cap="flat" cmpd="sng" w="9525">
+          <a:ln w="9525" cap="flat" cmpd="sng">
             <a:solidFill>
               <a:schemeClr val="dk2"/>
             </a:solidFill>
             <a:prstDash val="solid"/>
             <a:round/>
-            <a:headEnd len="med" w="med" type="none"/>
-            <a:tailEnd len="med" w="med" type="none"/>
+            <a:headEnd type="none" w="med" len="med"/>
+            <a:tailEnd type="none" w="med" len="med"/>
           </a:ln>
         </p:spPr>
         <p:txBody>
-          <a:bodyPr anchorCtr="0" anchor="ctr" bIns="91425" lIns="91425" rIns="91425" tIns="91425">
+          <a:bodyPr lIns="91425" tIns="91425" rIns="91425" bIns="91425" anchor="ctr" anchorCtr="0">
             <a:noAutofit/>
           </a:bodyPr>
           <a:lstStyle/>
@@ -5768,9 +6555,6 @@
               </a:spcBef>
               <a:buNone/>
             </a:pPr>
-            <a:r>
-              <a:t/>
-            </a:r>
             <a:endParaRPr/>
           </a:p>
         </p:txBody>
@@ -5788,25 +6572,25 @@
           </a:xfrm>
           <a:prstGeom prst="upDownArrow">
             <a:avLst>
-              <a:gd fmla="val 50000" name="adj1"/>
-              <a:gd fmla="val 50000" name="adj2"/>
+              <a:gd name="adj1" fmla="val 50000"/>
+              <a:gd name="adj2" fmla="val 50000"/>
             </a:avLst>
           </a:prstGeom>
           <a:solidFill>
             <a:schemeClr val="lt2"/>
           </a:solidFill>
-          <a:ln cap="flat" cmpd="sng" w="9525">
+          <a:ln w="9525" cap="flat" cmpd="sng">
             <a:solidFill>
               <a:schemeClr val="dk2"/>
             </a:solidFill>
             <a:prstDash val="solid"/>
             <a:round/>
-            <a:headEnd len="med" w="med" type="none"/>
-            <a:tailEnd len="med" w="med" type="none"/>
+            <a:headEnd type="none" w="med" len="med"/>
+            <a:tailEnd type="none" w="med" len="med"/>
           </a:ln>
         </p:spPr>
         <p:txBody>
-          <a:bodyPr anchorCtr="0" anchor="ctr" bIns="91425" lIns="91425" rIns="91425" tIns="91425">
+          <a:bodyPr lIns="91425" tIns="91425" rIns="91425" bIns="91425" anchor="ctr" anchorCtr="0">
             <a:noAutofit/>
           </a:bodyPr>
           <a:lstStyle/>
@@ -5817,9 +6601,6 @@
               </a:spcBef>
               <a:buNone/>
             </a:pPr>
-            <a:r>
-              <a:t/>
-            </a:r>
             <a:endParaRPr/>
           </a:p>
         </p:txBody>
@@ -5837,25 +6618,25 @@
           </a:xfrm>
           <a:prstGeom prst="upDownArrow">
             <a:avLst>
-              <a:gd fmla="val 50000" name="adj1"/>
-              <a:gd fmla="val 50000" name="adj2"/>
+              <a:gd name="adj1" fmla="val 50000"/>
+              <a:gd name="adj2" fmla="val 50000"/>
             </a:avLst>
           </a:prstGeom>
           <a:solidFill>
             <a:schemeClr val="lt2"/>
           </a:solidFill>
-          <a:ln cap="flat" cmpd="sng" w="9525">
+          <a:ln w="9525" cap="flat" cmpd="sng">
             <a:solidFill>
               <a:schemeClr val="dk2"/>
             </a:solidFill>
             <a:prstDash val="solid"/>
             <a:round/>
-            <a:headEnd len="med" w="med" type="none"/>
-            <a:tailEnd len="med" w="med" type="none"/>
+            <a:headEnd type="none" w="med" len="med"/>
+            <a:tailEnd type="none" w="med" len="med"/>
           </a:ln>
         </p:spPr>
         <p:txBody>
-          <a:bodyPr anchorCtr="0" anchor="ctr" bIns="91425" lIns="91425" rIns="91425" tIns="91425">
+          <a:bodyPr lIns="91425" tIns="91425" rIns="91425" bIns="91425" anchor="ctr" anchorCtr="0">
             <a:noAutofit/>
           </a:bodyPr>
           <a:lstStyle/>
@@ -5866,9 +6647,6 @@
               </a:spcBef>
               <a:buNone/>
             </a:pPr>
-            <a:r>
-              <a:t/>
-            </a:r>
             <a:endParaRPr/>
           </a:p>
         </p:txBody>
@@ -5886,25 +6664,25 @@
           </a:xfrm>
           <a:prstGeom prst="upDownArrow">
             <a:avLst>
-              <a:gd fmla="val 50000" name="adj1"/>
-              <a:gd fmla="val 50000" name="adj2"/>
+              <a:gd name="adj1" fmla="val 50000"/>
+              <a:gd name="adj2" fmla="val 50000"/>
             </a:avLst>
           </a:prstGeom>
           <a:solidFill>
             <a:schemeClr val="lt2"/>
           </a:solidFill>
-          <a:ln cap="flat" cmpd="sng" w="9525">
+          <a:ln w="9525" cap="flat" cmpd="sng">
             <a:solidFill>
               <a:schemeClr val="dk2"/>
             </a:solidFill>
             <a:prstDash val="solid"/>
             <a:round/>
-            <a:headEnd len="med" w="med" type="none"/>
-            <a:tailEnd len="med" w="med" type="none"/>
+            <a:headEnd type="none" w="med" len="med"/>
+            <a:tailEnd type="none" w="med" len="med"/>
           </a:ln>
         </p:spPr>
         <p:txBody>
-          <a:bodyPr anchorCtr="0" anchor="ctr" bIns="91425" lIns="91425" rIns="91425" tIns="91425">
+          <a:bodyPr lIns="91425" tIns="91425" rIns="91425" bIns="91425" anchor="ctr" anchorCtr="0">
             <a:noAutofit/>
           </a:bodyPr>
           <a:lstStyle/>
@@ -5915,9 +6693,6 @@
               </a:spcBef>
               <a:buNone/>
             </a:pPr>
-            <a:r>
-              <a:t/>
-            </a:r>
             <a:endParaRPr/>
           </a:p>
         </p:txBody>
@@ -5937,18 +6712,18 @@
             <a:avLst/>
           </a:prstGeom>
           <a:noFill/>
-          <a:ln cap="flat" cmpd="sng" w="38100">
+          <a:ln w="38100" cap="flat" cmpd="sng">
             <a:solidFill>
               <a:srgbClr val="000000"/>
             </a:solidFill>
             <a:prstDash val="solid"/>
             <a:round/>
-            <a:headEnd len="med" w="med" type="none"/>
-            <a:tailEnd len="med" w="med" type="none"/>
+            <a:headEnd type="none" w="med" len="med"/>
+            <a:tailEnd type="none" w="med" len="med"/>
           </a:ln>
         </p:spPr>
         <p:txBody>
-          <a:bodyPr anchorCtr="0" anchor="t" bIns="91425" lIns="91425" rIns="91425" tIns="91425">
+          <a:bodyPr lIns="91425" tIns="91425" rIns="91425" bIns="91425" anchor="t" anchorCtr="0">
             <a:noAutofit/>
           </a:bodyPr>
           <a:lstStyle/>
@@ -5969,9 +6744,11 @@
       <p:sp>
         <p:nvSpPr>
           <p:cNvPr id="98" name="Shape 98"/>
-          <p:cNvSpPr txBox="1"/>
+          <p:cNvSpPr txBox="1">
+            <a:spLocks noGrp="1"/>
+          </p:cNvSpPr>
           <p:nvPr>
-            <p:ph idx="1" type="body"/>
+            <p:ph type="body" idx="1"/>
           </p:nvPr>
         </p:nvSpPr>
         <p:spPr>
@@ -5984,7 +6761,7 @@
           </a:prstGeom>
         </p:spPr>
         <p:txBody>
-          <a:bodyPr anchorCtr="0" anchor="t" bIns="91425" lIns="91425" rIns="91425" tIns="91425">
+          <a:bodyPr lIns="91425" tIns="91425" rIns="91425" bIns="91425" anchor="t" anchorCtr="0">
             <a:noAutofit/>
           </a:bodyPr>
           <a:lstStyle/>
@@ -6059,11 +6836,11 @@
 </file>
 
 <file path=ppt/slides/slide5.xml><?xml version="1.0" encoding="utf-8"?>
-<p:sld xmlns:a="http://schemas.openxmlformats.org/drawingml/2006/main" xmlns:r="http://schemas.openxmlformats.org/officeDocument/2006/relationships" xmlns:mc="http://schemas.openxmlformats.org/markup-compatibility/2006" xmlns:mv="urn:schemas-microsoft-com:mac:vml" xmlns:p="http://schemas.openxmlformats.org/presentationml/2006/main" xmlns:c="http://schemas.openxmlformats.org/drawingml/2006/chart" xmlns:dgm="http://schemas.openxmlformats.org/drawingml/2006/diagram" xmlns:o="urn:schemas-microsoft-com:office:office" xmlns:v="urn:schemas-microsoft-com:vml" xmlns:pvml="urn:schemas-microsoft-com:office:powerpoint" xmlns:com="http://schemas.openxmlformats.org/drawingml/2006/compatibility" xmlns:p14="http://schemas.microsoft.com/office/powerpoint/2010/main">
+<p:sld xmlns:a="http://schemas.openxmlformats.org/drawingml/2006/main" xmlns:r="http://schemas.openxmlformats.org/officeDocument/2006/relationships" xmlns:p="http://schemas.openxmlformats.org/presentationml/2006/main">
   <p:cSld>
     <p:spTree>
       <p:nvGrpSpPr>
-        <p:cNvPr id="102" name="Shape 102"/>
+        <p:cNvPr id="1" name="Shape 102"/>
         <p:cNvGrpSpPr/>
         <p:nvPr/>
       </p:nvGrpSpPr>
@@ -6078,7 +6855,9 @@
       <p:sp>
         <p:nvSpPr>
           <p:cNvPr id="103" name="Shape 103"/>
-          <p:cNvSpPr txBox="1"/>
+          <p:cNvSpPr txBox="1">
+            <a:spLocks noGrp="1"/>
+          </p:cNvSpPr>
           <p:nvPr>
             <p:ph type="title"/>
           </p:nvPr>
@@ -6093,7 +6872,7 @@
           </a:prstGeom>
         </p:spPr>
         <p:txBody>
-          <a:bodyPr anchorCtr="0" anchor="t" bIns="91425" lIns="91425" rIns="91425" tIns="91425">
+          <a:bodyPr lIns="91425" tIns="91425" rIns="91425" bIns="91425" anchor="t" anchorCtr="0">
             <a:noAutofit/>
           </a:bodyPr>
           <a:lstStyle/>
@@ -6114,9 +6893,11 @@
       <p:sp>
         <p:nvSpPr>
           <p:cNvPr id="104" name="Shape 104"/>
-          <p:cNvSpPr txBox="1"/>
+          <p:cNvSpPr txBox="1">
+            <a:spLocks noGrp="1"/>
+          </p:cNvSpPr>
           <p:nvPr>
-            <p:ph idx="1" type="body"/>
+            <p:ph type="body" idx="1"/>
           </p:nvPr>
         </p:nvSpPr>
         <p:spPr>
@@ -6129,24 +6910,24 @@
           </a:prstGeom>
         </p:spPr>
         <p:txBody>
-          <a:bodyPr anchorCtr="0" anchor="t" bIns="91425" lIns="91425" rIns="91425" tIns="91425">
+          <a:bodyPr lIns="91425" tIns="91425" rIns="91425" bIns="91425" anchor="t" anchorCtr="0">
             <a:noAutofit/>
           </a:bodyPr>
           <a:lstStyle/>
           <a:p>
-            <a:pPr lvl="0" rtl="0" algn="ctr">
-              <a:spcBef>
-                <a:spcPts val="0"/>
-              </a:spcBef>
-              <a:buNone/>
-            </a:pPr>
-            <a:r>
-              <a:rPr b="1" lang="en"/>
+            <a:pPr lvl="0" algn="ctr" rtl="0">
+              <a:spcBef>
+                <a:spcPts val="0"/>
+              </a:spcBef>
+              <a:buNone/>
+            </a:pPr>
+            <a:r>
+              <a:rPr lang="en" b="1"/>
               <a:t>My Users</a:t>
             </a:r>
           </a:p>
           <a:p>
-            <a:pPr lvl="0" rtl="0" algn="ctr">
+            <a:pPr lvl="0" algn="ctr" rtl="0">
               <a:spcBef>
                 <a:spcPts val="0"/>
               </a:spcBef>
@@ -6158,7 +6939,7 @@
             </a:r>
           </a:p>
           <a:p>
-            <a:pPr lvl="0" rtl="0" algn="ctr">
+            <a:pPr lvl="0" algn="ctr" rtl="0">
               <a:spcBef>
                 <a:spcPts val="0"/>
               </a:spcBef>
@@ -6170,7 +6951,7 @@
             </a:r>
           </a:p>
           <a:p>
-            <a:pPr lvl="0" rtl="0" algn="ctr">
+            <a:pPr lvl="0" algn="ctr" rtl="0">
               <a:spcBef>
                 <a:spcPts val="0"/>
               </a:spcBef>
@@ -6182,7 +6963,7 @@
             </a:r>
           </a:p>
           <a:p>
-            <a:pPr lvl="0" rtl="0" algn="ctr">
+            <a:pPr lvl="0" algn="ctr" rtl="0">
               <a:spcBef>
                 <a:spcPts val="0"/>
               </a:spcBef>
@@ -6194,7 +6975,7 @@
             </a:r>
           </a:p>
           <a:p>
-            <a:pPr lvl="0" rtl="0" algn="ctr">
+            <a:pPr lvl="0" algn="ctr" rtl="0">
               <a:spcBef>
                 <a:spcPts val="0"/>
               </a:spcBef>
@@ -6206,7 +6987,7 @@
             </a:r>
           </a:p>
           <a:p>
-            <a:pPr lvl="0" rtl="0" algn="ctr">
+            <a:pPr lvl="0" algn="ctr" rtl="0">
               <a:spcBef>
                 <a:spcPts val="0"/>
               </a:spcBef>
@@ -6226,9 +7007,11 @@
       <p:sp>
         <p:nvSpPr>
           <p:cNvPr id="105" name="Shape 105"/>
-          <p:cNvSpPr txBox="1"/>
+          <p:cNvSpPr txBox="1">
+            <a:spLocks noGrp="1"/>
+          </p:cNvSpPr>
           <p:nvPr>
-            <p:ph idx="1" type="body"/>
+            <p:ph type="body" idx="1"/>
           </p:nvPr>
         </p:nvSpPr>
         <p:spPr>
@@ -6241,12 +7024,12 @@
           </a:prstGeom>
         </p:spPr>
         <p:txBody>
-          <a:bodyPr anchorCtr="0" anchor="t" bIns="91425" lIns="91425" rIns="91425" tIns="91425">
+          <a:bodyPr lIns="91425" tIns="91425" rIns="91425" bIns="91425" anchor="t" anchorCtr="0">
             <a:noAutofit/>
           </a:bodyPr>
           <a:lstStyle/>
           <a:p>
-            <a:pPr lvl="0" rtl="0" algn="ctr">
+            <a:pPr lvl="0" algn="ctr" rtl="0">
               <a:spcBef>
                 <a:spcPts val="0"/>
               </a:spcBef>
@@ -6258,7 +7041,7 @@
             </a:r>
           </a:p>
           <a:p>
-            <a:pPr lvl="0" rtl="0" algn="ctr">
+            <a:pPr lvl="0" algn="ctr" rtl="0">
               <a:spcBef>
                 <a:spcPts val="0"/>
               </a:spcBef>
@@ -6270,7 +7053,7 @@
             </a:r>
           </a:p>
           <a:p>
-            <a:pPr lvl="0" rtl="0" algn="ctr">
+            <a:pPr lvl="0" algn="ctr" rtl="0">
               <a:spcBef>
                 <a:spcPts val="0"/>
               </a:spcBef>
@@ -6282,7 +7065,7 @@
             </a:r>
           </a:p>
           <a:p>
-            <a:pPr lvl="0" rtl="0" algn="ctr">
+            <a:pPr lvl="0" algn="ctr" rtl="0">
               <a:spcBef>
                 <a:spcPts val="0"/>
               </a:spcBef>
@@ -6294,7 +7077,7 @@
             </a:r>
           </a:p>
           <a:p>
-            <a:pPr lvl="0" rtl="0" algn="ctr">
+            <a:pPr lvl="0" algn="ctr" rtl="0">
               <a:spcBef>
                 <a:spcPts val="0"/>
               </a:spcBef>
@@ -6306,7 +7089,7 @@
             </a:r>
           </a:p>
           <a:p>
-            <a:pPr lvl="0" rtl="0" algn="ctr">
+            <a:pPr lvl="0" algn="ctr" rtl="0">
               <a:spcBef>
                 <a:spcPts val="0"/>
               </a:spcBef>
@@ -6322,9 +7105,11 @@
       <p:sp>
         <p:nvSpPr>
           <p:cNvPr id="106" name="Shape 106"/>
-          <p:cNvSpPr txBox="1"/>
+          <p:cNvSpPr txBox="1">
+            <a:spLocks noGrp="1"/>
+          </p:cNvSpPr>
           <p:nvPr>
-            <p:ph idx="1" type="body"/>
+            <p:ph type="body" idx="1"/>
           </p:nvPr>
         </p:nvSpPr>
         <p:spPr>
@@ -6337,12 +7122,12 @@
           </a:prstGeom>
         </p:spPr>
         <p:txBody>
-          <a:bodyPr anchorCtr="0" anchor="t" bIns="91425" lIns="91425" rIns="91425" tIns="91425">
+          <a:bodyPr lIns="91425" tIns="91425" rIns="91425" bIns="91425" anchor="t" anchorCtr="0">
             <a:noAutofit/>
           </a:bodyPr>
           <a:lstStyle/>
           <a:p>
-            <a:pPr lvl="0" rtl="0" algn="ctr">
+            <a:pPr lvl="0" algn="ctr" rtl="0">
               <a:spcBef>
                 <a:spcPts val="0"/>
               </a:spcBef>
@@ -6354,7 +7139,7 @@
             </a:r>
           </a:p>
           <a:p>
-            <a:pPr lvl="0" rtl="0" algn="ctr">
+            <a:pPr lvl="0" algn="ctr" rtl="0">
               <a:spcBef>
                 <a:spcPts val="0"/>
               </a:spcBef>
@@ -6366,7 +7151,7 @@
             </a:r>
           </a:p>
           <a:p>
-            <a:pPr lvl="0" rtl="0" algn="ctr">
+            <a:pPr lvl="0" algn="ctr" rtl="0">
               <a:spcBef>
                 <a:spcPts val="0"/>
               </a:spcBef>
@@ -6378,7 +7163,7 @@
             </a:r>
           </a:p>
           <a:p>
-            <a:pPr lvl="0" rtl="0" algn="ctr">
+            <a:pPr lvl="0" algn="ctr" rtl="0">
               <a:spcBef>
                 <a:spcPts val="0"/>
               </a:spcBef>
@@ -6390,7 +7175,7 @@
             </a:r>
           </a:p>
           <a:p>
-            <a:pPr lvl="0" rtl="0" algn="ctr">
+            <a:pPr lvl="0" algn="ctr" rtl="0">
               <a:spcBef>
                 <a:spcPts val="0"/>
               </a:spcBef>
@@ -6402,7 +7187,7 @@
             </a:r>
           </a:p>
           <a:p>
-            <a:pPr lvl="0" rtl="0" algn="ctr">
+            <a:pPr lvl="0" algn="ctr" rtl="0">
               <a:spcBef>
                 <a:spcPts val="0"/>
               </a:spcBef>
@@ -6418,9 +7203,11 @@
       <p:sp>
         <p:nvSpPr>
           <p:cNvPr id="107" name="Shape 107"/>
-          <p:cNvSpPr txBox="1"/>
+          <p:cNvSpPr txBox="1">
+            <a:spLocks noGrp="1"/>
+          </p:cNvSpPr>
           <p:nvPr>
-            <p:ph idx="1" type="body"/>
+            <p:ph type="body" idx="1"/>
           </p:nvPr>
         </p:nvSpPr>
         <p:spPr>
@@ -6433,24 +7220,24 @@
           </a:prstGeom>
         </p:spPr>
         <p:txBody>
-          <a:bodyPr anchorCtr="0" anchor="t" bIns="91425" lIns="91425" rIns="91425" tIns="91425">
+          <a:bodyPr lIns="91425" tIns="91425" rIns="91425" bIns="91425" anchor="t" anchorCtr="0">
             <a:noAutofit/>
           </a:bodyPr>
           <a:lstStyle/>
           <a:p>
-            <a:pPr lvl="0" rtl="0" algn="ctr">
-              <a:spcBef>
-                <a:spcPts val="0"/>
-              </a:spcBef>
-              <a:buNone/>
-            </a:pPr>
-            <a:r>
-              <a:rPr b="1" lang="en"/>
+            <a:pPr lvl="0" algn="ctr" rtl="0">
+              <a:spcBef>
+                <a:spcPts val="0"/>
+              </a:spcBef>
+              <a:buNone/>
+            </a:pPr>
+            <a:r>
+              <a:rPr lang="en" b="1"/>
               <a:t>My Account</a:t>
             </a:r>
           </a:p>
           <a:p>
-            <a:pPr lvl="0" rtl="0" algn="ctr">
+            <a:pPr lvl="0" algn="ctr" rtl="0">
               <a:spcBef>
                 <a:spcPts val="0"/>
               </a:spcBef>
@@ -6476,11 +7263,11 @@
 </file>
 
 <file path=ppt/slides/slide6.xml><?xml version="1.0" encoding="utf-8"?>
-<p:sld xmlns:a="http://schemas.openxmlformats.org/drawingml/2006/main" xmlns:r="http://schemas.openxmlformats.org/officeDocument/2006/relationships" xmlns:mc="http://schemas.openxmlformats.org/markup-compatibility/2006" xmlns:mv="urn:schemas-microsoft-com:mac:vml" xmlns:p="http://schemas.openxmlformats.org/presentationml/2006/main" xmlns:c="http://schemas.openxmlformats.org/drawingml/2006/chart" xmlns:dgm="http://schemas.openxmlformats.org/drawingml/2006/diagram" xmlns:o="urn:schemas-microsoft-com:office:office" xmlns:v="urn:schemas-microsoft-com:vml" xmlns:pvml="urn:schemas-microsoft-com:office:powerpoint" xmlns:com="http://schemas.openxmlformats.org/drawingml/2006/compatibility" xmlns:p14="http://schemas.microsoft.com/office/powerpoint/2010/main">
+<p:sld xmlns:a="http://schemas.openxmlformats.org/drawingml/2006/main" xmlns:r="http://schemas.openxmlformats.org/officeDocument/2006/relationships" xmlns:p="http://schemas.openxmlformats.org/presentationml/2006/main">
   <p:cSld>
     <p:spTree>
       <p:nvGrpSpPr>
-        <p:cNvPr id="111" name="Shape 111"/>
+        <p:cNvPr id="1" name="Shape 111"/>
         <p:cNvGrpSpPr/>
         <p:nvPr/>
       </p:nvGrpSpPr>
@@ -6495,7 +7282,9 @@
       <p:sp>
         <p:nvSpPr>
           <p:cNvPr id="112" name="Shape 112"/>
-          <p:cNvSpPr txBox="1"/>
+          <p:cNvSpPr txBox="1">
+            <a:spLocks noGrp="1"/>
+          </p:cNvSpPr>
           <p:nvPr>
             <p:ph type="title"/>
           </p:nvPr>
@@ -6510,7 +7299,7 @@
           </a:prstGeom>
         </p:spPr>
         <p:txBody>
-          <a:bodyPr anchorCtr="0" anchor="t" bIns="91425" lIns="91425" rIns="91425" tIns="91425">
+          <a:bodyPr lIns="91425" tIns="91425" rIns="91425" bIns="91425" anchor="t" anchorCtr="0">
             <a:noAutofit/>
           </a:bodyPr>
           <a:lstStyle/>
@@ -6548,7 +7337,7 @@
           </a:ln>
         </p:spPr>
         <p:txBody>
-          <a:bodyPr anchorCtr="0" anchor="t" bIns="91425" lIns="91425" rIns="91425" tIns="91425">
+          <a:bodyPr lIns="91425" tIns="91425" rIns="91425" bIns="91425" anchor="t" anchorCtr="0">
             <a:noAutofit/>
           </a:bodyPr>
           <a:lstStyle/>
@@ -6571,9 +7360,6 @@
               </a:spcBef>
               <a:buNone/>
             </a:pPr>
-            <a:r>
-              <a:t/>
-            </a:r>
             <a:endParaRPr/>
           </a:p>
           <a:p>
@@ -6595,9 +7381,6 @@
               </a:spcBef>
               <a:buNone/>
             </a:pPr>
-            <a:r>
-              <a:t/>
-            </a:r>
             <a:endParaRPr/>
           </a:p>
           <a:p>
@@ -6607,9 +7390,6 @@
               </a:spcBef>
               <a:buNone/>
             </a:pPr>
-            <a:r>
-              <a:t/>
-            </a:r>
             <a:endParaRPr u="sng"/>
           </a:p>
         </p:txBody>
@@ -6631,18 +7411,18 @@
           <a:solidFill>
             <a:schemeClr val="lt2"/>
           </a:solidFill>
-          <a:ln cap="flat" cmpd="sng" w="9525">
+          <a:ln w="9525" cap="flat" cmpd="sng">
             <a:solidFill>
               <a:schemeClr val="dk2"/>
             </a:solidFill>
             <a:prstDash val="solid"/>
             <a:round/>
-            <a:headEnd len="med" w="med" type="none"/>
-            <a:tailEnd len="med" w="med" type="none"/>
+            <a:headEnd type="none" w="med" len="med"/>
+            <a:tailEnd type="none" w="med" len="med"/>
           </a:ln>
         </p:spPr>
         <p:txBody>
-          <a:bodyPr anchorCtr="0" anchor="ctr" bIns="91425" lIns="91425" rIns="91425" tIns="91425">
+          <a:bodyPr lIns="91425" tIns="91425" rIns="91425" bIns="91425" anchor="ctr" anchorCtr="0">
             <a:noAutofit/>
           </a:bodyPr>
           <a:lstStyle/>
@@ -6653,9 +7433,6 @@
               </a:spcBef>
               <a:buNone/>
             </a:pPr>
-            <a:r>
-              <a:t/>
-            </a:r>
             <a:endParaRPr/>
           </a:p>
         </p:txBody>
@@ -6677,18 +7454,18 @@
           <a:solidFill>
             <a:schemeClr val="lt2"/>
           </a:solidFill>
-          <a:ln cap="flat" cmpd="sng" w="9525">
+          <a:ln w="9525" cap="flat" cmpd="sng">
             <a:solidFill>
               <a:schemeClr val="dk2"/>
             </a:solidFill>
             <a:prstDash val="solid"/>
             <a:round/>
-            <a:headEnd len="med" w="med" type="none"/>
-            <a:tailEnd len="med" w="med" type="none"/>
+            <a:headEnd type="none" w="med" len="med"/>
+            <a:tailEnd type="none" w="med" len="med"/>
           </a:ln>
         </p:spPr>
         <p:txBody>
-          <a:bodyPr anchorCtr="0" anchor="ctr" bIns="91425" lIns="91425" rIns="91425" tIns="91425">
+          <a:bodyPr lIns="91425" tIns="91425" rIns="91425" bIns="91425" anchor="ctr" anchorCtr="0">
             <a:noAutofit/>
           </a:bodyPr>
           <a:lstStyle/>
@@ -6699,9 +7476,6 @@
               </a:spcBef>
               <a:buNone/>
             </a:pPr>
-            <a:r>
-              <a:t/>
-            </a:r>
             <a:endParaRPr/>
           </a:p>
         </p:txBody>
@@ -6721,18 +7495,18 @@
             <a:avLst/>
           </a:prstGeom>
           <a:noFill/>
-          <a:ln cap="flat" cmpd="sng" w="38100">
+          <a:ln w="38100" cap="flat" cmpd="sng">
             <a:solidFill>
               <a:srgbClr val="000000"/>
             </a:solidFill>
             <a:prstDash val="solid"/>
             <a:round/>
-            <a:headEnd len="med" w="med" type="none"/>
-            <a:tailEnd len="med" w="med" type="none"/>
+            <a:headEnd type="none" w="med" len="med"/>
+            <a:tailEnd type="none" w="med" len="med"/>
           </a:ln>
         </p:spPr>
         <p:txBody>
-          <a:bodyPr anchorCtr="0" anchor="t" bIns="91425" lIns="91425" rIns="91425" tIns="91425">
+          <a:bodyPr lIns="91425" tIns="91425" rIns="91425" bIns="91425" anchor="t" anchorCtr="0">
             <a:noAutofit/>
           </a:bodyPr>
           <a:lstStyle/>
@@ -6759,7 +7533,288 @@
 </file>
 
 <file path=ppt/theme/theme1.xml><?xml version="1.0" encoding="utf-8"?>
-<a:theme xmlns:a="http://schemas.openxmlformats.org/drawingml/2006/main" xmlns:r="http://schemas.openxmlformats.org/officeDocument/2006/relationships" name="Custom Theme">
+<a:theme xmlns:a="http://schemas.openxmlformats.org/drawingml/2006/main" name="simple-light-2">
+  <a:themeElements>
+    <a:clrScheme name="Simple Light">
+      <a:dk1>
+        <a:srgbClr val="000000"/>
+      </a:dk1>
+      <a:lt1>
+        <a:srgbClr val="FFFFFF"/>
+      </a:lt1>
+      <a:dk2>
+        <a:srgbClr val="595959"/>
+      </a:dk2>
+      <a:lt2>
+        <a:srgbClr val="EEEEEE"/>
+      </a:lt2>
+      <a:accent1>
+        <a:srgbClr val="FFAB40"/>
+      </a:accent1>
+      <a:accent2>
+        <a:srgbClr val="212121"/>
+      </a:accent2>
+      <a:accent3>
+        <a:srgbClr val="78909C"/>
+      </a:accent3>
+      <a:accent4>
+        <a:srgbClr val="FFAB40"/>
+      </a:accent4>
+      <a:accent5>
+        <a:srgbClr val="0097A7"/>
+      </a:accent5>
+      <a:accent6>
+        <a:srgbClr val="EEFF41"/>
+      </a:accent6>
+      <a:hlink>
+        <a:srgbClr val="0097A7"/>
+      </a:hlink>
+      <a:folHlink>
+        <a:srgbClr val="0097A7"/>
+      </a:folHlink>
+    </a:clrScheme>
+    <a:fontScheme name="Office">
+      <a:majorFont>
+        <a:latin typeface="Arial"/>
+        <a:ea typeface=""/>
+        <a:cs typeface=""/>
+        <a:font script="Jpan" typeface="ＭＳ Ｐゴシック"/>
+        <a:font script="Hang" typeface="맑은 고딕"/>
+        <a:font script="Hans" typeface="宋体"/>
+        <a:font script="Hant" typeface="新細明體"/>
+        <a:font script="Arab" typeface="Times New Roman"/>
+        <a:font script="Hebr" typeface="Times New Roman"/>
+        <a:font script="Thai" typeface="Angsana New"/>
+        <a:font script="Ethi" typeface="Nyala"/>
+        <a:font script="Beng" typeface="Vrinda"/>
+        <a:font script="Gujr" typeface="Shruti"/>
+        <a:font script="Khmr" typeface="MoolBoran"/>
+        <a:font script="Knda" typeface="Tunga"/>
+        <a:font script="Guru" typeface="Raavi"/>
+        <a:font script="Cans" typeface="Euphemia"/>
+        <a:font script="Cher" typeface="Plantagenet Cherokee"/>
+        <a:font script="Yiii" typeface="Microsoft Yi Baiti"/>
+        <a:font script="Tibt" typeface="Microsoft Himalaya"/>
+        <a:font script="Thaa" typeface="MV Boli"/>
+        <a:font script="Deva" typeface="Mangal"/>
+        <a:font script="Telu" typeface="Gautami"/>
+        <a:font script="Taml" typeface="Latha"/>
+        <a:font script="Syrc" typeface="Estrangelo Edessa"/>
+        <a:font script="Orya" typeface="Kalinga"/>
+        <a:font script="Mlym" typeface="Kartika"/>
+        <a:font script="Laoo" typeface="DokChampa"/>
+        <a:font script="Sinh" typeface="Iskoola Pota"/>
+        <a:font script="Mong" typeface="Mongolian Baiti"/>
+        <a:font script="Viet" typeface="Times New Roman"/>
+        <a:font script="Uigh" typeface="Microsoft Uighur"/>
+        <a:font script="Geor" typeface="Sylfaen"/>
+      </a:majorFont>
+      <a:minorFont>
+        <a:latin typeface="Arial"/>
+        <a:ea typeface=""/>
+        <a:cs typeface=""/>
+        <a:font script="Jpan" typeface="ＭＳ Ｐゴシック"/>
+        <a:font script="Hang" typeface="맑은 고딕"/>
+        <a:font script="Hans" typeface="宋体"/>
+        <a:font script="Hant" typeface="新細明體"/>
+        <a:font script="Arab" typeface="Arial"/>
+        <a:font script="Hebr" typeface="Arial"/>
+        <a:font script="Thai" typeface="Cordia New"/>
+        <a:font script="Ethi" typeface="Nyala"/>
+        <a:font script="Beng" typeface="Vrinda"/>
+        <a:font script="Gujr" typeface="Shruti"/>
+        <a:font script="Khmr" typeface="DaunPenh"/>
+        <a:font script="Knda" typeface="Tunga"/>
+        <a:font script="Guru" typeface="Raavi"/>
+        <a:font script="Cans" typeface="Euphemia"/>
+        <a:font script="Cher" typeface="Plantagenet Cherokee"/>
+        <a:font script="Yiii" typeface="Microsoft Yi Baiti"/>
+        <a:font script="Tibt" typeface="Microsoft Himalaya"/>
+        <a:font script="Thaa" typeface="MV Boli"/>
+        <a:font script="Deva" typeface="Mangal"/>
+        <a:font script="Telu" typeface="Gautami"/>
+        <a:font script="Taml" typeface="Latha"/>
+        <a:font script="Syrc" typeface="Estrangelo Edessa"/>
+        <a:font script="Orya" typeface="Kalinga"/>
+        <a:font script="Mlym" typeface="Kartika"/>
+        <a:font script="Laoo" typeface="DokChampa"/>
+        <a:font script="Sinh" typeface="Iskoola Pota"/>
+        <a:font script="Mong" typeface="Mongolian Baiti"/>
+        <a:font script="Viet" typeface="Arial"/>
+        <a:font script="Uigh" typeface="Microsoft Uighur"/>
+        <a:font script="Geor" typeface="Sylfaen"/>
+      </a:minorFont>
+    </a:fontScheme>
+    <a:fmtScheme name="Office">
+      <a:fillStyleLst>
+        <a:solidFill>
+          <a:schemeClr val="phClr"/>
+        </a:solidFill>
+        <a:gradFill rotWithShape="1">
+          <a:gsLst>
+            <a:gs pos="0">
+              <a:schemeClr val="phClr">
+                <a:tint val="50000"/>
+                <a:satMod val="300000"/>
+              </a:schemeClr>
+            </a:gs>
+            <a:gs pos="35000">
+              <a:schemeClr val="phClr">
+                <a:tint val="37000"/>
+                <a:satMod val="300000"/>
+              </a:schemeClr>
+            </a:gs>
+            <a:gs pos="100000">
+              <a:schemeClr val="phClr">
+                <a:tint val="15000"/>
+                <a:satMod val="350000"/>
+              </a:schemeClr>
+            </a:gs>
+          </a:gsLst>
+          <a:lin ang="16200000" scaled="1"/>
+        </a:gradFill>
+        <a:gradFill rotWithShape="1">
+          <a:gsLst>
+            <a:gs pos="0">
+              <a:schemeClr val="phClr">
+                <a:tint val="100000"/>
+                <a:shade val="100000"/>
+                <a:satMod val="130000"/>
+              </a:schemeClr>
+            </a:gs>
+            <a:gs pos="100000">
+              <a:schemeClr val="phClr">
+                <a:tint val="50000"/>
+                <a:shade val="100000"/>
+                <a:satMod val="350000"/>
+              </a:schemeClr>
+            </a:gs>
+          </a:gsLst>
+          <a:lin ang="16200000" scaled="0"/>
+        </a:gradFill>
+      </a:fillStyleLst>
+      <a:lnStyleLst>
+        <a:ln w="9525" cap="flat" cmpd="sng" algn="ctr">
+          <a:solidFill>
+            <a:schemeClr val="phClr">
+              <a:shade val="95000"/>
+              <a:satMod val="105000"/>
+            </a:schemeClr>
+          </a:solidFill>
+          <a:prstDash val="solid"/>
+        </a:ln>
+        <a:ln w="25400" cap="flat" cmpd="sng" algn="ctr">
+          <a:solidFill>
+            <a:schemeClr val="phClr"/>
+          </a:solidFill>
+          <a:prstDash val="solid"/>
+        </a:ln>
+        <a:ln w="38100" cap="flat" cmpd="sng" algn="ctr">
+          <a:solidFill>
+            <a:schemeClr val="phClr"/>
+          </a:solidFill>
+          <a:prstDash val="solid"/>
+        </a:ln>
+      </a:lnStyleLst>
+      <a:effectStyleLst>
+        <a:effectStyle>
+          <a:effectLst>
+            <a:outerShdw blurRad="40000" dist="20000" dir="5400000" rotWithShape="0">
+              <a:srgbClr val="000000">
+                <a:alpha val="38000"/>
+              </a:srgbClr>
+            </a:outerShdw>
+          </a:effectLst>
+        </a:effectStyle>
+        <a:effectStyle>
+          <a:effectLst>
+            <a:outerShdw blurRad="40000" dist="23000" dir="5400000" rotWithShape="0">
+              <a:srgbClr val="000000">
+                <a:alpha val="35000"/>
+              </a:srgbClr>
+            </a:outerShdw>
+          </a:effectLst>
+        </a:effectStyle>
+        <a:effectStyle>
+          <a:effectLst>
+            <a:outerShdw blurRad="40000" dist="23000" dir="5400000" rotWithShape="0">
+              <a:srgbClr val="000000">
+                <a:alpha val="35000"/>
+              </a:srgbClr>
+            </a:outerShdw>
+          </a:effectLst>
+          <a:scene3d>
+            <a:camera prst="orthographicFront">
+              <a:rot lat="0" lon="0" rev="0"/>
+            </a:camera>
+            <a:lightRig rig="threePt" dir="t">
+              <a:rot lat="0" lon="0" rev="1200000"/>
+            </a:lightRig>
+          </a:scene3d>
+          <a:sp3d>
+            <a:bevelT w="63500" h="25400"/>
+          </a:sp3d>
+        </a:effectStyle>
+      </a:effectStyleLst>
+      <a:bgFillStyleLst>
+        <a:solidFill>
+          <a:schemeClr val="phClr"/>
+        </a:solidFill>
+        <a:gradFill rotWithShape="1">
+          <a:gsLst>
+            <a:gs pos="0">
+              <a:schemeClr val="phClr">
+                <a:tint val="40000"/>
+                <a:satMod val="350000"/>
+              </a:schemeClr>
+            </a:gs>
+            <a:gs pos="40000">
+              <a:schemeClr val="phClr">
+                <a:tint val="45000"/>
+                <a:shade val="99000"/>
+                <a:satMod val="350000"/>
+              </a:schemeClr>
+            </a:gs>
+            <a:gs pos="100000">
+              <a:schemeClr val="phClr">
+                <a:shade val="20000"/>
+                <a:satMod val="255000"/>
+              </a:schemeClr>
+            </a:gs>
+          </a:gsLst>
+          <a:path path="circle">
+            <a:fillToRect l="50000" t="-80000" r="50000" b="180000"/>
+          </a:path>
+        </a:gradFill>
+        <a:gradFill rotWithShape="1">
+          <a:gsLst>
+            <a:gs pos="0">
+              <a:schemeClr val="phClr">
+                <a:tint val="80000"/>
+                <a:satMod val="300000"/>
+              </a:schemeClr>
+            </a:gs>
+            <a:gs pos="100000">
+              <a:schemeClr val="phClr">
+                <a:shade val="30000"/>
+                <a:satMod val="200000"/>
+              </a:schemeClr>
+            </a:gs>
+          </a:gsLst>
+          <a:path path="circle">
+            <a:fillToRect l="50000" t="50000" r="50000" b="50000"/>
+          </a:path>
+        </a:gradFill>
+      </a:bgFillStyleLst>
+    </a:fmtScheme>
+  </a:themeElements>
+  <a:objectDefaults/>
+  <a:extraClrSchemeLst/>
+</a:theme>
+</file>
+
+<file path=ppt/theme/theme2.xml><?xml version="1.0" encoding="utf-8"?>
+<a:theme xmlns:a="http://schemas.openxmlformats.org/drawingml/2006/main" name="Custom Theme">
   <a:themeElements>
     <a:clrScheme name="Default">
       <a:dk1>
@@ -7034,284 +8089,7 @@
       </a:bgFillStyleLst>
     </a:fmtScheme>
   </a:themeElements>
-</a:theme>
-</file>
-
-<file path=ppt/theme/theme2.xml><?xml version="1.0" encoding="utf-8"?>
-<a:theme xmlns:a="http://schemas.openxmlformats.org/drawingml/2006/main" xmlns:r="http://schemas.openxmlformats.org/officeDocument/2006/relationships" name="simple-light-2">
-  <a:themeElements>
-    <a:clrScheme name="Simple Light">
-      <a:dk1>
-        <a:srgbClr val="000000"/>
-      </a:dk1>
-      <a:lt1>
-        <a:srgbClr val="FFFFFF"/>
-      </a:lt1>
-      <a:dk2>
-        <a:srgbClr val="595959"/>
-      </a:dk2>
-      <a:lt2>
-        <a:srgbClr val="EEEEEE"/>
-      </a:lt2>
-      <a:accent1>
-        <a:srgbClr val="FFAB40"/>
-      </a:accent1>
-      <a:accent2>
-        <a:srgbClr val="212121"/>
-      </a:accent2>
-      <a:accent3>
-        <a:srgbClr val="78909C"/>
-      </a:accent3>
-      <a:accent4>
-        <a:srgbClr val="FFAB40"/>
-      </a:accent4>
-      <a:accent5>
-        <a:srgbClr val="0097A7"/>
-      </a:accent5>
-      <a:accent6>
-        <a:srgbClr val="EEFF41"/>
-      </a:accent6>
-      <a:hlink>
-        <a:srgbClr val="0097A7"/>
-      </a:hlink>
-      <a:folHlink>
-        <a:srgbClr val="0097A7"/>
-      </a:folHlink>
-    </a:clrScheme>
-    <a:fontScheme name="Office">
-      <a:majorFont>
-        <a:latin typeface="Arial"/>
-        <a:ea typeface=""/>
-        <a:cs typeface=""/>
-        <a:font script="Jpan" typeface="ＭＳ Ｐゴシック"/>
-        <a:font script="Hang" typeface="맑은 고딕"/>
-        <a:font script="Hans" typeface="宋体"/>
-        <a:font script="Hant" typeface="新細明體"/>
-        <a:font script="Arab" typeface="Times New Roman"/>
-        <a:font script="Hebr" typeface="Times New Roman"/>
-        <a:font script="Thai" typeface="Angsana New"/>
-        <a:font script="Ethi" typeface="Nyala"/>
-        <a:font script="Beng" typeface="Vrinda"/>
-        <a:font script="Gujr" typeface="Shruti"/>
-        <a:font script="Khmr" typeface="MoolBoran"/>
-        <a:font script="Knda" typeface="Tunga"/>
-        <a:font script="Guru" typeface="Raavi"/>
-        <a:font script="Cans" typeface="Euphemia"/>
-        <a:font script="Cher" typeface="Plantagenet Cherokee"/>
-        <a:font script="Yiii" typeface="Microsoft Yi Baiti"/>
-        <a:font script="Tibt" typeface="Microsoft Himalaya"/>
-        <a:font script="Thaa" typeface="MV Boli"/>
-        <a:font script="Deva" typeface="Mangal"/>
-        <a:font script="Telu" typeface="Gautami"/>
-        <a:font script="Taml" typeface="Latha"/>
-        <a:font script="Syrc" typeface="Estrangelo Edessa"/>
-        <a:font script="Orya" typeface="Kalinga"/>
-        <a:font script="Mlym" typeface="Kartika"/>
-        <a:font script="Laoo" typeface="DokChampa"/>
-        <a:font script="Sinh" typeface="Iskoola Pota"/>
-        <a:font script="Mong" typeface="Mongolian Baiti"/>
-        <a:font script="Viet" typeface="Times New Roman"/>
-        <a:font script="Uigh" typeface="Microsoft Uighur"/>
-        <a:font script="Geor" typeface="Sylfaen"/>
-      </a:majorFont>
-      <a:minorFont>
-        <a:latin typeface="Arial"/>
-        <a:ea typeface=""/>
-        <a:cs typeface=""/>
-        <a:font script="Jpan" typeface="ＭＳ Ｐゴシック"/>
-        <a:font script="Hang" typeface="맑은 고딕"/>
-        <a:font script="Hans" typeface="宋体"/>
-        <a:font script="Hant" typeface="新細明體"/>
-        <a:font script="Arab" typeface="Arial"/>
-        <a:font script="Hebr" typeface="Arial"/>
-        <a:font script="Thai" typeface="Cordia New"/>
-        <a:font script="Ethi" typeface="Nyala"/>
-        <a:font script="Beng" typeface="Vrinda"/>
-        <a:font script="Gujr" typeface="Shruti"/>
-        <a:font script="Khmr" typeface="DaunPenh"/>
-        <a:font script="Knda" typeface="Tunga"/>
-        <a:font script="Guru" typeface="Raavi"/>
-        <a:font script="Cans" typeface="Euphemia"/>
-        <a:font script="Cher" typeface="Plantagenet Cherokee"/>
-        <a:font script="Yiii" typeface="Microsoft Yi Baiti"/>
-        <a:font script="Tibt" typeface="Microsoft Himalaya"/>
-        <a:font script="Thaa" typeface="MV Boli"/>
-        <a:font script="Deva" typeface="Mangal"/>
-        <a:font script="Telu" typeface="Gautami"/>
-        <a:font script="Taml" typeface="Latha"/>
-        <a:font script="Syrc" typeface="Estrangelo Edessa"/>
-        <a:font script="Orya" typeface="Kalinga"/>
-        <a:font script="Mlym" typeface="Kartika"/>
-        <a:font script="Laoo" typeface="DokChampa"/>
-        <a:font script="Sinh" typeface="Iskoola Pota"/>
-        <a:font script="Mong" typeface="Mongolian Baiti"/>
-        <a:font script="Viet" typeface="Arial"/>
-        <a:font script="Uigh" typeface="Microsoft Uighur"/>
-        <a:font script="Geor" typeface="Sylfaen"/>
-      </a:minorFont>
-    </a:fontScheme>
-    <a:fmtScheme name="Office">
-      <a:fillStyleLst>
-        <a:solidFill>
-          <a:schemeClr val="phClr"/>
-        </a:solidFill>
-        <a:gradFill rotWithShape="1">
-          <a:gsLst>
-            <a:gs pos="0">
-              <a:schemeClr val="phClr">
-                <a:tint val="50000"/>
-                <a:satMod val="300000"/>
-              </a:schemeClr>
-            </a:gs>
-            <a:gs pos="35000">
-              <a:schemeClr val="phClr">
-                <a:tint val="37000"/>
-                <a:satMod val="300000"/>
-              </a:schemeClr>
-            </a:gs>
-            <a:gs pos="100000">
-              <a:schemeClr val="phClr">
-                <a:tint val="15000"/>
-                <a:satMod val="350000"/>
-              </a:schemeClr>
-            </a:gs>
-          </a:gsLst>
-          <a:lin ang="16200000" scaled="1"/>
-        </a:gradFill>
-        <a:gradFill rotWithShape="1">
-          <a:gsLst>
-            <a:gs pos="0">
-              <a:schemeClr val="phClr">
-                <a:tint val="100000"/>
-                <a:shade val="100000"/>
-                <a:satMod val="130000"/>
-              </a:schemeClr>
-            </a:gs>
-            <a:gs pos="100000">
-              <a:schemeClr val="phClr">
-                <a:tint val="50000"/>
-                <a:shade val="100000"/>
-                <a:satMod val="350000"/>
-              </a:schemeClr>
-            </a:gs>
-          </a:gsLst>
-          <a:lin ang="16200000" scaled="0"/>
-        </a:gradFill>
-      </a:fillStyleLst>
-      <a:lnStyleLst>
-        <a:ln w="9525" cap="flat" cmpd="sng" algn="ctr">
-          <a:solidFill>
-            <a:schemeClr val="phClr">
-              <a:shade val="95000"/>
-              <a:satMod val="105000"/>
-            </a:schemeClr>
-          </a:solidFill>
-          <a:prstDash val="solid"/>
-        </a:ln>
-        <a:ln w="25400" cap="flat" cmpd="sng" algn="ctr">
-          <a:solidFill>
-            <a:schemeClr val="phClr"/>
-          </a:solidFill>
-          <a:prstDash val="solid"/>
-        </a:ln>
-        <a:ln w="38100" cap="flat" cmpd="sng" algn="ctr">
-          <a:solidFill>
-            <a:schemeClr val="phClr"/>
-          </a:solidFill>
-          <a:prstDash val="solid"/>
-        </a:ln>
-      </a:lnStyleLst>
-      <a:effectStyleLst>
-        <a:effectStyle>
-          <a:effectLst>
-            <a:outerShdw blurRad="40000" dist="20000" dir="5400000" rotWithShape="0">
-              <a:srgbClr val="000000">
-                <a:alpha val="38000"/>
-              </a:srgbClr>
-            </a:outerShdw>
-          </a:effectLst>
-        </a:effectStyle>
-        <a:effectStyle>
-          <a:effectLst>
-            <a:outerShdw blurRad="40000" dist="23000" dir="5400000" rotWithShape="0">
-              <a:srgbClr val="000000">
-                <a:alpha val="35000"/>
-              </a:srgbClr>
-            </a:outerShdw>
-          </a:effectLst>
-        </a:effectStyle>
-        <a:effectStyle>
-          <a:effectLst>
-            <a:outerShdw blurRad="40000" dist="23000" dir="5400000" rotWithShape="0">
-              <a:srgbClr val="000000">
-                <a:alpha val="35000"/>
-              </a:srgbClr>
-            </a:outerShdw>
-          </a:effectLst>
-          <a:scene3d>
-            <a:camera prst="orthographicFront">
-              <a:rot lat="0" lon="0" rev="0"/>
-            </a:camera>
-            <a:lightRig rig="threePt" dir="t">
-              <a:rot lat="0" lon="0" rev="1200000"/>
-            </a:lightRig>
-          </a:scene3d>
-          <a:sp3d>
-            <a:bevelT w="63500" h="25400"/>
-          </a:sp3d>
-        </a:effectStyle>
-      </a:effectStyleLst>
-      <a:bgFillStyleLst>
-        <a:solidFill>
-          <a:schemeClr val="phClr"/>
-        </a:solidFill>
-        <a:gradFill rotWithShape="1">
-          <a:gsLst>
-            <a:gs pos="0">
-              <a:schemeClr val="phClr">
-                <a:tint val="40000"/>
-                <a:satMod val="350000"/>
-              </a:schemeClr>
-            </a:gs>
-            <a:gs pos="40000">
-              <a:schemeClr val="phClr">
-                <a:tint val="45000"/>
-                <a:shade val="99000"/>
-                <a:satMod val="350000"/>
-              </a:schemeClr>
-            </a:gs>
-            <a:gs pos="100000">
-              <a:schemeClr val="phClr">
-                <a:shade val="20000"/>
-                <a:satMod val="255000"/>
-              </a:schemeClr>
-            </a:gs>
-          </a:gsLst>
-          <a:path path="circle">
-            <a:fillToRect l="50000" t="-80000" r="50000" b="180000"/>
-          </a:path>
-        </a:gradFill>
-        <a:gradFill rotWithShape="1">
-          <a:gsLst>
-            <a:gs pos="0">
-              <a:schemeClr val="phClr">
-                <a:tint val="80000"/>
-                <a:satMod val="300000"/>
-              </a:schemeClr>
-            </a:gs>
-            <a:gs pos="100000">
-              <a:schemeClr val="phClr">
-                <a:shade val="30000"/>
-                <a:satMod val="200000"/>
-              </a:schemeClr>
-            </a:gs>
-          </a:gsLst>
-          <a:path path="circle">
-            <a:fillToRect l="50000" t="50000" r="50000" b="50000"/>
-          </a:path>
-        </a:gradFill>
-      </a:bgFillStyleLst>
-    </a:fmtScheme>
-  </a:themeElements>
+  <a:objectDefaults/>
+  <a:extraClrSchemeLst/>
 </a:theme>
 </file>